--- a/Seq2seq_meetup.pptx
+++ b/Seq2seq_meetup.pptx
@@ -5,7 +5,7 @@
     <p:sldMasterId id="2147483869" r:id="rId1"/>
   </p:sldMasterIdLst>
   <p:notesMasterIdLst>
-    <p:notesMasterId r:id="rId19"/>
+    <p:notesMasterId r:id="rId20"/>
   </p:notesMasterIdLst>
   <p:sldIdLst>
     <p:sldId id="256" r:id="rId2"/>
@@ -19,12 +19,13 @@
     <p:sldId id="265" r:id="rId10"/>
     <p:sldId id="267" r:id="rId11"/>
     <p:sldId id="266" r:id="rId12"/>
-    <p:sldId id="268" r:id="rId13"/>
-    <p:sldId id="269" r:id="rId14"/>
-    <p:sldId id="270" r:id="rId15"/>
-    <p:sldId id="271" r:id="rId16"/>
-    <p:sldId id="272" r:id="rId17"/>
-    <p:sldId id="273" r:id="rId18"/>
+    <p:sldId id="274" r:id="rId13"/>
+    <p:sldId id="268" r:id="rId14"/>
+    <p:sldId id="269" r:id="rId15"/>
+    <p:sldId id="270" r:id="rId16"/>
+    <p:sldId id="271" r:id="rId17"/>
+    <p:sldId id="272" r:id="rId18"/>
+    <p:sldId id="273" r:id="rId19"/>
   </p:sldIdLst>
   <p:sldSz cx="12192000" cy="6858000"/>
   <p:notesSz cx="6858000" cy="9144000"/>
@@ -640,6 +641,174 @@
     <p:extLst>
       <p:ext uri="{BB962C8B-B14F-4D97-AF65-F5344CB8AC3E}">
         <p14:creationId xmlns:p14="http://schemas.microsoft.com/office/powerpoint/2010/main" val="747297263"/>
+      </p:ext>
+    </p:extLst>
+  </p:cSld>
+  <p:clrMapOvr>
+    <a:masterClrMapping/>
+  </p:clrMapOvr>
+</p:notes>
+</file>
+
+<file path=ppt/notesSlides/notesSlide3.xml><?xml version="1.0" encoding="utf-8"?>
+<p:notes xmlns:a="http://schemas.openxmlformats.org/drawingml/2006/main" xmlns:r="http://schemas.openxmlformats.org/officeDocument/2006/relationships" xmlns:p="http://schemas.openxmlformats.org/presentationml/2006/main">
+  <p:cSld>
+    <p:spTree>
+      <p:nvGrpSpPr>
+        <p:cNvPr id="1" name=""/>
+        <p:cNvGrpSpPr/>
+        <p:nvPr/>
+      </p:nvGrpSpPr>
+      <p:grpSpPr>
+        <a:xfrm>
+          <a:off x="0" y="0"/>
+          <a:ext cx="0" cy="0"/>
+          <a:chOff x="0" y="0"/>
+          <a:chExt cx="0" cy="0"/>
+        </a:xfrm>
+      </p:grpSpPr>
+      <p:sp>
+        <p:nvSpPr>
+          <p:cNvPr id="2" name="Slide Image Placeholder 1"/>
+          <p:cNvSpPr>
+            <a:spLocks noGrp="1" noRot="1" noChangeAspect="1"/>
+          </p:cNvSpPr>
+          <p:nvPr>
+            <p:ph type="sldImg"/>
+          </p:nvPr>
+        </p:nvSpPr>
+        <p:spPr/>
+      </p:sp>
+      <p:sp>
+        <p:nvSpPr>
+          <p:cNvPr id="3" name="Notes Placeholder 2"/>
+          <p:cNvSpPr>
+            <a:spLocks noGrp="1"/>
+          </p:cNvSpPr>
+          <p:nvPr>
+            <p:ph type="body" idx="1"/>
+          </p:nvPr>
+        </p:nvSpPr>
+        <p:spPr/>
+        <p:txBody>
+          <a:bodyPr/>
+          <a:lstStyle/>
+          <a:p>
+            <a:endParaRPr lang="en-US" dirty="0"/>
+          </a:p>
+        </p:txBody>
+      </p:sp>
+      <p:sp>
+        <p:nvSpPr>
+          <p:cNvPr id="4" name="Slide Number Placeholder 3"/>
+          <p:cNvSpPr>
+            <a:spLocks noGrp="1"/>
+          </p:cNvSpPr>
+          <p:nvPr>
+            <p:ph type="sldNum" sz="quarter" idx="10"/>
+          </p:nvPr>
+        </p:nvSpPr>
+        <p:spPr/>
+        <p:txBody>
+          <a:bodyPr/>
+          <a:lstStyle/>
+          <a:p>
+            <a:fld id="{A977AD51-2E76-DB4B-AEB8-2F788C7A16F2}" type="slidenum">
+              <a:rPr lang="en-US" smtClean="0"/>
+              <a:t>10</a:t>
+            </a:fld>
+            <a:endParaRPr lang="en-US"/>
+          </a:p>
+        </p:txBody>
+      </p:sp>
+    </p:spTree>
+    <p:extLst>
+      <p:ext uri="{BB962C8B-B14F-4D97-AF65-F5344CB8AC3E}">
+        <p14:creationId xmlns:p14="http://schemas.microsoft.com/office/powerpoint/2010/main" val="1204071771"/>
+      </p:ext>
+    </p:extLst>
+  </p:cSld>
+  <p:clrMapOvr>
+    <a:masterClrMapping/>
+  </p:clrMapOvr>
+</p:notes>
+</file>
+
+<file path=ppt/notesSlides/notesSlide4.xml><?xml version="1.0" encoding="utf-8"?>
+<p:notes xmlns:a="http://schemas.openxmlformats.org/drawingml/2006/main" xmlns:r="http://schemas.openxmlformats.org/officeDocument/2006/relationships" xmlns:p="http://schemas.openxmlformats.org/presentationml/2006/main">
+  <p:cSld>
+    <p:spTree>
+      <p:nvGrpSpPr>
+        <p:cNvPr id="1" name=""/>
+        <p:cNvGrpSpPr/>
+        <p:nvPr/>
+      </p:nvGrpSpPr>
+      <p:grpSpPr>
+        <a:xfrm>
+          <a:off x="0" y="0"/>
+          <a:ext cx="0" cy="0"/>
+          <a:chOff x="0" y="0"/>
+          <a:chExt cx="0" cy="0"/>
+        </a:xfrm>
+      </p:grpSpPr>
+      <p:sp>
+        <p:nvSpPr>
+          <p:cNvPr id="2" name="Slide Image Placeholder 1"/>
+          <p:cNvSpPr>
+            <a:spLocks noGrp="1" noRot="1" noChangeAspect="1"/>
+          </p:cNvSpPr>
+          <p:nvPr>
+            <p:ph type="sldImg"/>
+          </p:nvPr>
+        </p:nvSpPr>
+        <p:spPr/>
+      </p:sp>
+      <p:sp>
+        <p:nvSpPr>
+          <p:cNvPr id="3" name="Notes Placeholder 2"/>
+          <p:cNvSpPr>
+            <a:spLocks noGrp="1"/>
+          </p:cNvSpPr>
+          <p:nvPr>
+            <p:ph type="body" idx="1"/>
+          </p:nvPr>
+        </p:nvSpPr>
+        <p:spPr/>
+        <p:txBody>
+          <a:bodyPr/>
+          <a:lstStyle/>
+          <a:p>
+            <a:endParaRPr lang="en-US" dirty="0"/>
+          </a:p>
+        </p:txBody>
+      </p:sp>
+      <p:sp>
+        <p:nvSpPr>
+          <p:cNvPr id="4" name="Slide Number Placeholder 3"/>
+          <p:cNvSpPr>
+            <a:spLocks noGrp="1"/>
+          </p:cNvSpPr>
+          <p:nvPr>
+            <p:ph type="sldNum" sz="quarter" idx="10"/>
+          </p:nvPr>
+        </p:nvSpPr>
+        <p:spPr/>
+        <p:txBody>
+          <a:bodyPr/>
+          <a:lstStyle/>
+          <a:p>
+            <a:fld id="{A977AD51-2E76-DB4B-AEB8-2F788C7A16F2}" type="slidenum">
+              <a:rPr lang="en-US" smtClean="0"/>
+              <a:t>12</a:t>
+            </a:fld>
+            <a:endParaRPr lang="en-US"/>
+          </a:p>
+        </p:txBody>
+      </p:sp>
+    </p:spTree>
+    <p:extLst>
+      <p:ext uri="{BB962C8B-B14F-4D97-AF65-F5344CB8AC3E}">
+        <p14:creationId xmlns:p14="http://schemas.microsoft.com/office/powerpoint/2010/main" val="1483002765"/>
       </p:ext>
     </p:extLst>
   </p:cSld>
@@ -7533,8 +7702,8 @@
           </a:p>
         </p:txBody>
       </p:sp>
-      <mc:AlternateContent xmlns:mc="http://schemas.openxmlformats.org/markup-compatibility/2006">
-        <mc:Choice xmlns:a14="http://schemas.microsoft.com/office/drawing/2010/main" Requires="a14">
+      <mc:AlternateContent xmlns:mc="http://schemas.openxmlformats.org/markup-compatibility/2006" xmlns:a14="http://schemas.microsoft.com/office/drawing/2010/main">
+        <mc:Choice Requires="a14">
           <p:sp>
             <p:nvSpPr>
               <p:cNvPr id="26" name="Oval 25"/>
@@ -7629,7 +7798,7 @@
             </p:txBody>
           </p:sp>
         </mc:Choice>
-        <mc:Fallback>
+        <mc:Fallback xmlns="">
           <p:sp>
             <p:nvSpPr>
               <p:cNvPr id="26" name="Oval 25"/>
@@ -7740,8 +7909,8 @@
           </a:fontRef>
         </p:style>
       </p:cxnSp>
-      <mc:AlternateContent xmlns:mc="http://schemas.openxmlformats.org/markup-compatibility/2006">
-        <mc:Choice xmlns:a14="http://schemas.microsoft.com/office/drawing/2010/main" Requires="a14">
+      <mc:AlternateContent xmlns:mc="http://schemas.openxmlformats.org/markup-compatibility/2006" xmlns:a14="http://schemas.microsoft.com/office/drawing/2010/main">
+        <mc:Choice Requires="a14">
           <p:sp>
             <p:nvSpPr>
               <p:cNvPr id="38" name="Oval 37"/>
@@ -7836,7 +8005,7 @@
             </p:txBody>
           </p:sp>
         </mc:Choice>
-        <mc:Fallback>
+        <mc:Fallback xmlns="">
           <p:sp>
             <p:nvSpPr>
               <p:cNvPr id="38" name="Oval 37"/>
@@ -7911,8 +8080,8 @@
           </a:fontRef>
         </p:style>
       </p:cxnSp>
-      <mc:AlternateContent xmlns:mc="http://schemas.openxmlformats.org/markup-compatibility/2006">
-        <mc:Choice xmlns:a14="http://schemas.microsoft.com/office/drawing/2010/main" Requires="a14">
+      <mc:AlternateContent xmlns:mc="http://schemas.openxmlformats.org/markup-compatibility/2006" xmlns:a14="http://schemas.microsoft.com/office/drawing/2010/main">
+        <mc:Choice Requires="a14">
           <p:sp>
             <p:nvSpPr>
               <p:cNvPr id="43" name="Oval 42"/>
@@ -8007,7 +8176,7 @@
             </p:txBody>
           </p:sp>
         </mc:Choice>
-        <mc:Fallback>
+        <mc:Fallback xmlns="">
           <p:sp>
             <p:nvSpPr>
               <p:cNvPr id="43" name="Oval 42"/>
@@ -8715,8 +8884,8 @@
                 </a:p>
               </p:txBody>
             </p:sp>
-            <mc:AlternateContent xmlns:mc="http://schemas.openxmlformats.org/markup-compatibility/2006">
-              <mc:Choice xmlns:a14="http://schemas.microsoft.com/office/drawing/2010/main" Requires="a14">
+            <mc:AlternateContent xmlns:mc="http://schemas.openxmlformats.org/markup-compatibility/2006" xmlns:a14="http://schemas.microsoft.com/office/drawing/2010/main">
+              <mc:Choice Requires="a14">
                 <p:sp>
                   <p:nvSpPr>
                     <p:cNvPr id="76" name="Oval 75"/>
@@ -8814,7 +8983,7 @@
                   </p:txBody>
                 </p:sp>
               </mc:Choice>
-              <mc:Fallback>
+              <mc:Fallback xmlns="">
                 <p:sp>
                   <p:nvSpPr>
                     <p:cNvPr id="76" name="Oval 75"/>
@@ -9148,8 +9317,8 @@
                 </a:p>
               </p:txBody>
             </p:sp>
-            <mc:AlternateContent xmlns:mc="http://schemas.openxmlformats.org/markup-compatibility/2006">
-              <mc:Choice xmlns:a14="http://schemas.microsoft.com/office/drawing/2010/main" Requires="a14">
+            <mc:AlternateContent xmlns:mc="http://schemas.openxmlformats.org/markup-compatibility/2006" xmlns:a14="http://schemas.microsoft.com/office/drawing/2010/main">
+              <mc:Choice Requires="a14">
                 <p:sp>
                   <p:nvSpPr>
                     <p:cNvPr id="179" name="Oval 178"/>
@@ -9247,7 +9416,7 @@
                   </p:txBody>
                 </p:sp>
               </mc:Choice>
-              <mc:Fallback>
+              <mc:Fallback xmlns="">
                 <p:sp>
                   <p:nvSpPr>
                     <p:cNvPr id="179" name="Oval 178"/>
@@ -9771,8 +9940,8 @@
             </a:fontRef>
           </p:style>
         </p:cxnSp>
-        <mc:AlternateContent xmlns:mc="http://schemas.openxmlformats.org/markup-compatibility/2006">
-          <mc:Choice xmlns:a14="http://schemas.microsoft.com/office/drawing/2010/main" Requires="a14">
+        <mc:AlternateContent xmlns:mc="http://schemas.openxmlformats.org/markup-compatibility/2006" xmlns:a14="http://schemas.microsoft.com/office/drawing/2010/main">
+          <mc:Choice Requires="a14">
             <p:sp>
               <p:nvSpPr>
                 <p:cNvPr id="221" name="Oval 220"/>
@@ -9870,7 +10039,7 @@
               </p:txBody>
             </p:sp>
           </mc:Choice>
-          <mc:Fallback>
+          <mc:Fallback xmlns="">
             <p:sp>
               <p:nvSpPr>
                 <p:cNvPr id="221" name="Oval 220"/>
@@ -10081,8 +10250,8 @@
                   </a:p>
                 </p:txBody>
               </p:sp>
-              <mc:AlternateContent xmlns:mc="http://schemas.openxmlformats.org/markup-compatibility/2006">
-                <mc:Choice xmlns:a14="http://schemas.microsoft.com/office/drawing/2010/main" Requires="a14">
+              <mc:AlternateContent xmlns:mc="http://schemas.openxmlformats.org/markup-compatibility/2006" xmlns:a14="http://schemas.microsoft.com/office/drawing/2010/main">
+                <mc:Choice Requires="a14">
                   <p:sp>
                     <p:nvSpPr>
                       <p:cNvPr id="190" name="Oval 189"/>
@@ -10180,7 +10349,7 @@
                     </p:txBody>
                   </p:sp>
                 </mc:Choice>
-                <mc:Fallback>
+                <mc:Fallback xmlns="">
                   <p:sp>
                     <p:nvSpPr>
                       <p:cNvPr id="190" name="Oval 189"/>
@@ -10401,8 +10570,8 @@
               </a:fontRef>
             </p:style>
           </p:cxnSp>
-          <mc:AlternateContent xmlns:mc="http://schemas.openxmlformats.org/markup-compatibility/2006">
-            <mc:Choice xmlns:a14="http://schemas.microsoft.com/office/drawing/2010/main" Requires="a14">
+          <mc:AlternateContent xmlns:mc="http://schemas.openxmlformats.org/markup-compatibility/2006" xmlns:a14="http://schemas.microsoft.com/office/drawing/2010/main">
+            <mc:Choice Requires="a14">
               <p:sp>
                 <p:nvSpPr>
                   <p:cNvPr id="227" name="Oval 226"/>
@@ -10500,7 +10669,7 @@
                 </p:txBody>
               </p:sp>
             </mc:Choice>
-            <mc:Fallback>
+            <mc:Fallback xmlns="">
               <p:sp>
                 <p:nvSpPr>
                   <p:cNvPr id="227" name="Oval 226"/>
@@ -10712,8 +10881,8 @@
                   </a:p>
                 </p:txBody>
               </p:sp>
-              <mc:AlternateContent xmlns:mc="http://schemas.openxmlformats.org/markup-compatibility/2006">
-                <mc:Choice xmlns:a14="http://schemas.microsoft.com/office/drawing/2010/main" Requires="a14">
+              <mc:AlternateContent xmlns:mc="http://schemas.openxmlformats.org/markup-compatibility/2006" xmlns:a14="http://schemas.microsoft.com/office/drawing/2010/main">
+                <mc:Choice Requires="a14">
                   <p:sp>
                     <p:nvSpPr>
                       <p:cNvPr id="240" name="Oval 239"/>
@@ -10811,7 +10980,7 @@
                     </p:txBody>
                   </p:sp>
                 </mc:Choice>
-                <mc:Fallback>
+                <mc:Fallback xmlns="">
                   <p:sp>
                     <p:nvSpPr>
                       <p:cNvPr id="240" name="Oval 239"/>
@@ -11032,8 +11201,8 @@
               </a:fontRef>
             </p:style>
           </p:cxnSp>
-          <mc:AlternateContent xmlns:mc="http://schemas.openxmlformats.org/markup-compatibility/2006">
-            <mc:Choice xmlns:a14="http://schemas.microsoft.com/office/drawing/2010/main" Requires="a14">
+          <mc:AlternateContent xmlns:mc="http://schemas.openxmlformats.org/markup-compatibility/2006" xmlns:a14="http://schemas.microsoft.com/office/drawing/2010/main">
+            <mc:Choice Requires="a14">
               <p:sp>
                 <p:nvSpPr>
                   <p:cNvPr id="233" name="Oval 232"/>
@@ -11131,7 +11300,7 @@
                 </p:txBody>
               </p:sp>
             </mc:Choice>
-            <mc:Fallback>
+            <mc:Fallback xmlns="">
               <p:sp>
                 <p:nvSpPr>
                   <p:cNvPr id="233" name="Oval 232"/>
@@ -11461,132 +11630,6 @@
             <p:ph type="title"/>
           </p:nvPr>
         </p:nvSpPr>
-        <p:spPr/>
-        <p:txBody>
-          <a:bodyPr/>
-          <a:lstStyle/>
-          <a:p>
-            <a:r>
-              <a:rPr lang="en-US" dirty="0" smtClean="0"/>
-              <a:t>Teacher Forcing- Making Training Better</a:t>
-            </a:r>
-            <a:endParaRPr lang="en-US" dirty="0"/>
-          </a:p>
-        </p:txBody>
-      </p:sp>
-      <p:sp>
-        <p:nvSpPr>
-          <p:cNvPr id="3" name="Content Placeholder 2"/>
-          <p:cNvSpPr>
-            <a:spLocks noGrp="1"/>
-          </p:cNvSpPr>
-          <p:nvPr>
-            <p:ph idx="1"/>
-          </p:nvPr>
-        </p:nvSpPr>
-        <p:spPr/>
-        <p:txBody>
-          <a:bodyPr/>
-          <a:lstStyle/>
-          <a:p>
-            <a:r>
-              <a:rPr lang="en-US" dirty="0" smtClean="0"/>
-              <a:t>In the earlier slide we saw that  in the Decoder, we use the predictions of previous time step as inputs of the current timestep</a:t>
-            </a:r>
-          </a:p>
-          <a:p>
-            <a:r>
-              <a:rPr lang="en-US" dirty="0" smtClean="0"/>
-              <a:t>However this is usually not ideal for training,</a:t>
-            </a:r>
-          </a:p>
-          <a:p>
-            <a:pPr lvl="1"/>
-            <a:r>
-              <a:rPr lang="en-US" dirty="0"/>
-              <a:t>O</a:t>
-            </a:r>
-            <a:r>
-              <a:rPr lang="en-US" dirty="0" smtClean="0"/>
-              <a:t>ne error in the middle can make the rest of the training sequence meaningless as we will be learning based on the wrong sequence after that</a:t>
-            </a:r>
-          </a:p>
-          <a:p>
-            <a:r>
-              <a:rPr lang="en-US" dirty="0" smtClean="0"/>
-              <a:t>The usual solution is teacher forcing</a:t>
-            </a:r>
-          </a:p>
-          <a:p>
-            <a:pPr lvl="1"/>
-            <a:r>
-              <a:rPr lang="en-US" dirty="0" smtClean="0"/>
-              <a:t>During training we instead use the actual elements of the output sequence as inputs to the Decoder</a:t>
-            </a:r>
-          </a:p>
-          <a:p>
-            <a:pPr lvl="1"/>
-            <a:r>
-              <a:rPr lang="en-US" dirty="0" smtClean="0"/>
-              <a:t>During Inference however since we don’t have access to the actual outputs, we revert to the non-teacher forced approach.</a:t>
-            </a:r>
-          </a:p>
-          <a:p>
-            <a:r>
-              <a:rPr lang="en-US" dirty="0" smtClean="0"/>
-              <a:t>Can dramatically speed up training, especially initially</a:t>
-            </a:r>
-            <a:endParaRPr lang="en-US" dirty="0"/>
-          </a:p>
-        </p:txBody>
-      </p:sp>
-    </p:spTree>
-    <p:extLst>
-      <p:ext uri="{BB962C8B-B14F-4D97-AF65-F5344CB8AC3E}">
-        <p14:creationId xmlns:p14="http://schemas.microsoft.com/office/powerpoint/2010/main" val="1284155799"/>
-      </p:ext>
-    </p:extLst>
-  </p:cSld>
-  <p:clrMapOvr>
-    <a:masterClrMapping/>
-  </p:clrMapOvr>
-  <p:timing>
-    <p:tnLst>
-      <p:par>
-        <p:cTn id="1" dur="indefinite" restart="never" nodeType="tmRoot"/>
-      </p:par>
-    </p:tnLst>
-  </p:timing>
-</p:sld>
-</file>
-
-<file path=ppt/slides/slide13.xml><?xml version="1.0" encoding="utf-8"?>
-<p:sld xmlns:a="http://schemas.openxmlformats.org/drawingml/2006/main" xmlns:r="http://schemas.openxmlformats.org/officeDocument/2006/relationships" xmlns:p="http://schemas.openxmlformats.org/presentationml/2006/main" showMasterSp="0">
-  <p:cSld>
-    <p:spTree>
-      <p:nvGrpSpPr>
-        <p:cNvPr id="1" name=""/>
-        <p:cNvGrpSpPr/>
-        <p:nvPr/>
-      </p:nvGrpSpPr>
-      <p:grpSpPr>
-        <a:xfrm>
-          <a:off x="0" y="0"/>
-          <a:ext cx="0" cy="0"/>
-          <a:chOff x="0" y="0"/>
-          <a:chExt cx="0" cy="0"/>
-        </a:xfrm>
-      </p:grpSpPr>
-      <p:sp>
-        <p:nvSpPr>
-          <p:cNvPr id="2" name="Title 1"/>
-          <p:cNvSpPr>
-            <a:spLocks noGrp="1"/>
-          </p:cNvSpPr>
-          <p:nvPr>
-            <p:ph type="title"/>
-          </p:nvPr>
-        </p:nvSpPr>
         <p:spPr>
           <a:xfrm>
             <a:off x="523464" y="323785"/>
@@ -11601,7 +11644,7 @@
           <a:p>
             <a:r>
               <a:rPr lang="en-US" dirty="0" smtClean="0"/>
-              <a:t>Teacher Forcing in Detail</a:t>
+              <a:t>Example- A translator</a:t>
             </a:r>
             <a:endParaRPr lang="en-US" dirty="0"/>
           </a:p>
@@ -11702,141 +11745,75 @@
           </a:p>
         </p:txBody>
       </p:sp>
-      <mc:AlternateContent xmlns:mc="http://schemas.openxmlformats.org/markup-compatibility/2006">
-        <mc:Choice xmlns:a14="http://schemas.microsoft.com/office/drawing/2010/main" Requires="a14">
-          <p:sp>
-            <p:nvSpPr>
-              <p:cNvPr id="26" name="Oval 25"/>
-              <p:cNvSpPr/>
-              <p:nvPr/>
-            </p:nvSpPr>
-            <p:spPr>
-              <a:xfrm>
-                <a:off x="941277" y="5899757"/>
-                <a:ext cx="572121" cy="652249"/>
-              </a:xfrm>
-              <a:prstGeom prst="ellipse">
-                <a:avLst/>
-              </a:prstGeom>
-            </p:spPr>
-            <p:style>
-              <a:lnRef idx="2">
-                <a:schemeClr val="accent1">
-                  <a:shade val="50000"/>
-                </a:schemeClr>
-              </a:lnRef>
-              <a:fillRef idx="1">
-                <a:schemeClr val="accent1"/>
-              </a:fillRef>
-              <a:effectRef idx="0">
-                <a:schemeClr val="accent1"/>
-              </a:effectRef>
-              <a:fontRef idx="minor">
-                <a:schemeClr val="lt1"/>
-              </a:fontRef>
-            </p:style>
-            <p:txBody>
-              <a:bodyPr rtlCol="0" anchor="ctr"/>
-              <a:lstStyle/>
-              <a:p>
-                <a:pPr algn="ctr"/>
-                <a:endParaRPr lang="en-US" b="0" i="1" dirty="0" smtClean="0">
-                  <a:latin typeface="Cambria Math" charset="0"/>
-                </a:endParaRPr>
-              </a:p>
-              <a:p>
-                <a:pPr algn="ctr"/>
-                <a14:m>
-                  <m:oMathPara xmlns:m="http://schemas.openxmlformats.org/officeDocument/2006/math">
-                    <m:oMathParaPr>
-                      <m:jc m:val="centerGroup"/>
-                    </m:oMathParaPr>
-                    <m:oMath xmlns:m="http://schemas.openxmlformats.org/officeDocument/2006/math">
-                      <m:sSub>
-                        <m:sSubPr>
-                          <m:ctrlPr>
-                            <a:rPr lang="en-US" b="0" i="1" smtClean="0">
-                              <a:solidFill>
-                                <a:schemeClr val="tx1"/>
-                              </a:solidFill>
-                              <a:latin typeface="Cambria Math" charset="0"/>
-                            </a:rPr>
-                          </m:ctrlPr>
-                        </m:sSubPr>
-                        <m:e>
-                          <m:r>
-                            <a:rPr lang="en-US" b="0" i="1" smtClean="0">
-                              <a:solidFill>
-                                <a:schemeClr val="tx1"/>
-                              </a:solidFill>
-                              <a:latin typeface="Cambria Math" charset="0"/>
-                            </a:rPr>
-                            <m:t>𝑥</m:t>
-                          </m:r>
-                        </m:e>
-                        <m:sub>
-                          <m:r>
-                            <a:rPr lang="en-US" b="0" i="1" smtClean="0">
-                              <a:solidFill>
-                                <a:schemeClr val="tx1"/>
-                              </a:solidFill>
-                              <a:latin typeface="Cambria Math" charset="0"/>
-                            </a:rPr>
-                            <m:t>0</m:t>
-                          </m:r>
-                        </m:sub>
-                      </m:sSub>
-                    </m:oMath>
-                  </m:oMathPara>
-                </a14:m>
-                <a:endParaRPr lang="en-US" b="0" dirty="0" smtClean="0"/>
-              </a:p>
-              <a:p>
-                <a:pPr algn="ctr"/>
-                <a:endParaRPr lang="en-US" dirty="0"/>
-              </a:p>
-            </p:txBody>
-          </p:sp>
-        </mc:Choice>
-        <mc:Fallback>
-          <p:sp>
-            <p:nvSpPr>
-              <p:cNvPr id="26" name="Oval 25"/>
-              <p:cNvSpPr>
-                <a:spLocks noRot="1" noChangeAspect="1" noMove="1" noResize="1" noEditPoints="1" noAdjustHandles="1" noChangeArrowheads="1" noChangeShapeType="1" noTextEdit="1"/>
-              </p:cNvSpPr>
-              <p:nvPr/>
-            </p:nvSpPr>
-            <p:spPr>
-              <a:xfrm>
-                <a:off x="941277" y="5899757"/>
-                <a:ext cx="572121" cy="652249"/>
-              </a:xfrm>
-              <a:prstGeom prst="ellipse">
-                <a:avLst/>
-              </a:prstGeom>
-              <a:blipFill rotWithShape="0">
-                <a:blip r:embed="rId2"/>
-                <a:stretch>
-                  <a:fillRect/>
-                </a:stretch>
-              </a:blipFill>
-            </p:spPr>
-            <p:txBody>
-              <a:bodyPr/>
-              <a:lstStyle/>
-              <a:p>
-                <a:r>
-                  <a:rPr lang="en-US">
-                    <a:noFill/>
-                  </a:rPr>
-                  <a:t> </a:t>
-                </a:r>
-              </a:p>
-            </p:txBody>
-          </p:sp>
-        </mc:Fallback>
-      </mc:AlternateContent>
+      <p:sp>
+        <p:nvSpPr>
+          <p:cNvPr id="26" name="Oval 25"/>
+          <p:cNvSpPr/>
+          <p:nvPr/>
+        </p:nvSpPr>
+        <p:spPr>
+          <a:xfrm>
+            <a:off x="941277" y="5899757"/>
+            <a:ext cx="572121" cy="652249"/>
+          </a:xfrm>
+          <a:prstGeom prst="ellipse">
+            <a:avLst/>
+          </a:prstGeom>
+        </p:spPr>
+        <p:style>
+          <a:lnRef idx="2">
+            <a:schemeClr val="accent1">
+              <a:shade val="50000"/>
+            </a:schemeClr>
+          </a:lnRef>
+          <a:fillRef idx="1">
+            <a:schemeClr val="accent1"/>
+          </a:fillRef>
+          <a:effectRef idx="0">
+            <a:schemeClr val="accent1"/>
+          </a:effectRef>
+          <a:fontRef idx="minor">
+            <a:schemeClr val="lt1"/>
+          </a:fontRef>
+        </p:style>
+        <p:txBody>
+          <a:bodyPr lIns="0" rIns="0" rtlCol="0" anchor="ctr"/>
+          <a:lstStyle/>
+          <a:p>
+            <a:pPr algn="ctr"/>
+            <a:endParaRPr lang="en-US" b="0" i="1" dirty="0" smtClean="0">
+              <a:solidFill>
+                <a:schemeClr val="tx1"/>
+              </a:solidFill>
+              <a:latin typeface="Cambria Math" charset="0"/>
+            </a:endParaRPr>
+          </a:p>
+          <a:p>
+            <a:pPr algn="ctr"/>
+            <a:r>
+              <a:rPr lang="en-US" sz="1100" b="0" dirty="0" smtClean="0">
+                <a:solidFill>
+                  <a:schemeClr val="tx1"/>
+                </a:solidFill>
+              </a:rPr>
+              <a:t>apples</a:t>
+            </a:r>
+            <a:endParaRPr lang="en-US" sz="1100" b="0" dirty="0" smtClean="0">
+              <a:solidFill>
+                <a:schemeClr val="tx1"/>
+              </a:solidFill>
+            </a:endParaRPr>
+          </a:p>
+          <a:p>
+            <a:pPr algn="ctr"/>
+            <a:endParaRPr lang="en-US" dirty="0">
+              <a:solidFill>
+                <a:schemeClr val="tx1"/>
+              </a:solidFill>
+            </a:endParaRPr>
+          </a:p>
+        </p:txBody>
+      </p:sp>
       <p:cxnSp>
         <p:nvCxnSpPr>
           <p:cNvPr id="28" name="Straight Arrow Connector 27"/>
@@ -11909,141 +11886,60 @@
           </a:fontRef>
         </p:style>
       </p:cxnSp>
-      <mc:AlternateContent xmlns:mc="http://schemas.openxmlformats.org/markup-compatibility/2006">
-        <mc:Choice xmlns:a14="http://schemas.microsoft.com/office/drawing/2010/main" Requires="a14">
-          <p:sp>
-            <p:nvSpPr>
-              <p:cNvPr id="38" name="Oval 37"/>
-              <p:cNvSpPr/>
-              <p:nvPr/>
-            </p:nvSpPr>
-            <p:spPr>
-              <a:xfrm>
-                <a:off x="2595418" y="5905377"/>
-                <a:ext cx="572121" cy="652249"/>
-              </a:xfrm>
-              <a:prstGeom prst="ellipse">
-                <a:avLst/>
-              </a:prstGeom>
-            </p:spPr>
-            <p:style>
-              <a:lnRef idx="2">
-                <a:schemeClr val="accent1">
-                  <a:shade val="50000"/>
-                </a:schemeClr>
-              </a:lnRef>
-              <a:fillRef idx="1">
-                <a:schemeClr val="accent1"/>
-              </a:fillRef>
-              <a:effectRef idx="0">
-                <a:schemeClr val="accent1"/>
-              </a:effectRef>
-              <a:fontRef idx="minor">
-                <a:schemeClr val="lt1"/>
-              </a:fontRef>
-            </p:style>
-            <p:txBody>
-              <a:bodyPr rtlCol="0" anchor="ctr"/>
-              <a:lstStyle/>
-              <a:p>
-                <a:pPr algn="ctr"/>
-                <a:endParaRPr lang="en-US" b="0" i="1" dirty="0" smtClean="0">
-                  <a:latin typeface="Cambria Math" charset="0"/>
-                </a:endParaRPr>
-              </a:p>
-              <a:p>
-                <a:pPr algn="ctr"/>
-                <a14:m>
-                  <m:oMathPara xmlns:m="http://schemas.openxmlformats.org/officeDocument/2006/math">
-                    <m:oMathParaPr>
-                      <m:jc m:val="centerGroup"/>
-                    </m:oMathParaPr>
-                    <m:oMath xmlns:m="http://schemas.openxmlformats.org/officeDocument/2006/math">
-                      <m:sSub>
-                        <m:sSubPr>
-                          <m:ctrlPr>
-                            <a:rPr lang="en-US" b="0" i="1" smtClean="0">
-                              <a:solidFill>
-                                <a:schemeClr val="tx1"/>
-                              </a:solidFill>
-                              <a:latin typeface="Cambria Math" charset="0"/>
-                            </a:rPr>
-                          </m:ctrlPr>
-                        </m:sSubPr>
-                        <m:e>
-                          <m:r>
-                            <a:rPr lang="en-US" b="0" i="1" smtClean="0">
-                              <a:solidFill>
-                                <a:schemeClr val="tx1"/>
-                              </a:solidFill>
-                              <a:latin typeface="Cambria Math" charset="0"/>
-                            </a:rPr>
-                            <m:t>𝑥</m:t>
-                          </m:r>
-                        </m:e>
-                        <m:sub>
-                          <m:r>
-                            <a:rPr lang="en-US" b="0" i="1" smtClean="0">
-                              <a:solidFill>
-                                <a:schemeClr val="tx1"/>
-                              </a:solidFill>
-                              <a:latin typeface="Cambria Math" charset="0"/>
-                            </a:rPr>
-                            <m:t>1</m:t>
-                          </m:r>
-                        </m:sub>
-                      </m:sSub>
-                    </m:oMath>
-                  </m:oMathPara>
-                </a14:m>
-                <a:endParaRPr lang="en-US" b="0" dirty="0" smtClean="0"/>
-              </a:p>
-              <a:p>
-                <a:pPr algn="ctr"/>
-                <a:endParaRPr lang="en-US" dirty="0"/>
-              </a:p>
-            </p:txBody>
-          </p:sp>
-        </mc:Choice>
-        <mc:Fallback>
-          <p:sp>
-            <p:nvSpPr>
-              <p:cNvPr id="38" name="Oval 37"/>
-              <p:cNvSpPr>
-                <a:spLocks noRot="1" noChangeAspect="1" noMove="1" noResize="1" noEditPoints="1" noAdjustHandles="1" noChangeArrowheads="1" noChangeShapeType="1" noTextEdit="1"/>
-              </p:cNvSpPr>
-              <p:nvPr/>
-            </p:nvSpPr>
-            <p:spPr>
-              <a:xfrm>
-                <a:off x="2595418" y="5905377"/>
-                <a:ext cx="572121" cy="652249"/>
-              </a:xfrm>
-              <a:prstGeom prst="ellipse">
-                <a:avLst/>
-              </a:prstGeom>
-              <a:blipFill rotWithShape="0">
-                <a:blip r:embed="rId3"/>
-                <a:stretch>
-                  <a:fillRect/>
-                </a:stretch>
-              </a:blipFill>
-            </p:spPr>
-            <p:txBody>
-              <a:bodyPr/>
-              <a:lstStyle/>
-              <a:p>
-                <a:r>
-                  <a:rPr lang="en-US">
-                    <a:noFill/>
-                  </a:rPr>
-                  <a:t> </a:t>
-                </a:r>
-              </a:p>
-            </p:txBody>
-          </p:sp>
-        </mc:Fallback>
-      </mc:AlternateContent>
+      <p:sp>
+        <p:nvSpPr>
+          <p:cNvPr id="38" name="Oval 37"/>
+          <p:cNvSpPr/>
+          <p:nvPr/>
+        </p:nvSpPr>
+        <p:spPr>
+          <a:xfrm>
+            <a:off x="2595418" y="5905377"/>
+            <a:ext cx="572121" cy="652249"/>
+          </a:xfrm>
+          <a:prstGeom prst="ellipse">
+            <a:avLst/>
+          </a:prstGeom>
+        </p:spPr>
+        <p:style>
+          <a:lnRef idx="2">
+            <a:schemeClr val="accent1">
+              <a:shade val="50000"/>
+            </a:schemeClr>
+          </a:lnRef>
+          <a:fillRef idx="1">
+            <a:schemeClr val="accent1"/>
+          </a:fillRef>
+          <a:effectRef idx="0">
+            <a:schemeClr val="accent1"/>
+          </a:effectRef>
+          <a:fontRef idx="minor">
+            <a:schemeClr val="lt1"/>
+          </a:fontRef>
+        </p:style>
+        <p:txBody>
+          <a:bodyPr lIns="0" tIns="0" rIns="0" bIns="0" rtlCol="0" anchor="ctr">
+            <a:normAutofit/>
+          </a:bodyPr>
+          <a:lstStyle/>
+          <a:p>
+            <a:pPr algn="ctr"/>
+            <a:r>
+              <a:rPr lang="en-US" sz="1100" dirty="0" smtClean="0">
+                <a:solidFill>
+                  <a:schemeClr val="tx1"/>
+                </a:solidFill>
+              </a:rPr>
+              <a:t>are</a:t>
+            </a:r>
+            <a:endParaRPr lang="en-US" sz="1100" dirty="0">
+              <a:solidFill>
+                <a:schemeClr val="tx1"/>
+              </a:solidFill>
+            </a:endParaRPr>
+          </a:p>
+        </p:txBody>
+      </p:sp>
       <p:cxnSp>
         <p:nvCxnSpPr>
           <p:cNvPr id="39" name="Straight Arrow Connector 38"/>
@@ -12080,141 +11976,75 @@
           </a:fontRef>
         </p:style>
       </p:cxnSp>
-      <mc:AlternateContent xmlns:mc="http://schemas.openxmlformats.org/markup-compatibility/2006">
-        <mc:Choice xmlns:a14="http://schemas.microsoft.com/office/drawing/2010/main" Requires="a14">
-          <p:sp>
-            <p:nvSpPr>
-              <p:cNvPr id="43" name="Oval 42"/>
-              <p:cNvSpPr/>
-              <p:nvPr/>
-            </p:nvSpPr>
-            <p:spPr>
-              <a:xfrm>
-                <a:off x="4148187" y="5899756"/>
-                <a:ext cx="572123" cy="652249"/>
-              </a:xfrm>
-              <a:prstGeom prst="ellipse">
-                <a:avLst/>
-              </a:prstGeom>
-            </p:spPr>
-            <p:style>
-              <a:lnRef idx="2">
-                <a:schemeClr val="accent1">
-                  <a:shade val="50000"/>
-                </a:schemeClr>
-              </a:lnRef>
-              <a:fillRef idx="1">
-                <a:schemeClr val="accent1"/>
-              </a:fillRef>
-              <a:effectRef idx="0">
-                <a:schemeClr val="accent1"/>
-              </a:effectRef>
-              <a:fontRef idx="minor">
-                <a:schemeClr val="lt1"/>
-              </a:fontRef>
-            </p:style>
-            <p:txBody>
-              <a:bodyPr rtlCol="0" anchor="ctr"/>
-              <a:lstStyle/>
-              <a:p>
-                <a:pPr algn="ctr"/>
-                <a:endParaRPr lang="en-US" b="0" i="1" dirty="0" smtClean="0">
-                  <a:latin typeface="Cambria Math" charset="0"/>
-                </a:endParaRPr>
-              </a:p>
-              <a:p>
-                <a:pPr algn="ctr"/>
-                <a14:m>
-                  <m:oMathPara xmlns:m="http://schemas.openxmlformats.org/officeDocument/2006/math">
-                    <m:oMathParaPr>
-                      <m:jc m:val="centerGroup"/>
-                    </m:oMathParaPr>
-                    <m:oMath xmlns:m="http://schemas.openxmlformats.org/officeDocument/2006/math">
-                      <m:sSub>
-                        <m:sSubPr>
-                          <m:ctrlPr>
-                            <a:rPr lang="en-US" b="0" i="1" smtClean="0">
-                              <a:solidFill>
-                                <a:schemeClr val="tx1"/>
-                              </a:solidFill>
-                              <a:latin typeface="Cambria Math" charset="0"/>
-                            </a:rPr>
-                          </m:ctrlPr>
-                        </m:sSubPr>
-                        <m:e>
-                          <m:r>
-                            <a:rPr lang="en-US" b="0" i="1" smtClean="0">
-                              <a:solidFill>
-                                <a:schemeClr val="tx1"/>
-                              </a:solidFill>
-                              <a:latin typeface="Cambria Math" charset="0"/>
-                            </a:rPr>
-                            <m:t>𝑥</m:t>
-                          </m:r>
-                        </m:e>
-                        <m:sub>
-                          <m:r>
-                            <a:rPr lang="en-US" b="0" i="1" smtClean="0">
-                              <a:solidFill>
-                                <a:schemeClr val="tx1"/>
-                              </a:solidFill>
-                              <a:latin typeface="Cambria Math" charset="0"/>
-                            </a:rPr>
-                            <m:t>2</m:t>
-                          </m:r>
-                        </m:sub>
-                      </m:sSub>
-                    </m:oMath>
-                  </m:oMathPara>
-                </a14:m>
-                <a:endParaRPr lang="en-US" b="0" dirty="0" smtClean="0"/>
-              </a:p>
-              <a:p>
-                <a:pPr algn="ctr"/>
-                <a:endParaRPr lang="en-US" dirty="0"/>
-              </a:p>
-            </p:txBody>
-          </p:sp>
-        </mc:Choice>
-        <mc:Fallback>
-          <p:sp>
-            <p:nvSpPr>
-              <p:cNvPr id="43" name="Oval 42"/>
-              <p:cNvSpPr>
-                <a:spLocks noRot="1" noChangeAspect="1" noMove="1" noResize="1" noEditPoints="1" noAdjustHandles="1" noChangeArrowheads="1" noChangeShapeType="1" noTextEdit="1"/>
-              </p:cNvSpPr>
-              <p:nvPr/>
-            </p:nvSpPr>
-            <p:spPr>
-              <a:xfrm>
-                <a:off x="4148187" y="5899756"/>
-                <a:ext cx="572123" cy="652249"/>
-              </a:xfrm>
-              <a:prstGeom prst="ellipse">
-                <a:avLst/>
-              </a:prstGeom>
-              <a:blipFill rotWithShape="0">
-                <a:blip r:embed="rId4"/>
-                <a:stretch>
-                  <a:fillRect/>
-                </a:stretch>
-              </a:blipFill>
-            </p:spPr>
-            <p:txBody>
-              <a:bodyPr/>
-              <a:lstStyle/>
-              <a:p>
-                <a:r>
-                  <a:rPr lang="en-US">
-                    <a:noFill/>
-                  </a:rPr>
-                  <a:t> </a:t>
-                </a:r>
-              </a:p>
-            </p:txBody>
-          </p:sp>
-        </mc:Fallback>
-      </mc:AlternateContent>
+      <p:sp>
+        <p:nvSpPr>
+          <p:cNvPr id="43" name="Oval 42"/>
+          <p:cNvSpPr/>
+          <p:nvPr/>
+        </p:nvSpPr>
+        <p:spPr>
+          <a:xfrm>
+            <a:off x="4148187" y="5899756"/>
+            <a:ext cx="572123" cy="652249"/>
+          </a:xfrm>
+          <a:prstGeom prst="ellipse">
+            <a:avLst/>
+          </a:prstGeom>
+        </p:spPr>
+        <p:style>
+          <a:lnRef idx="2">
+            <a:schemeClr val="accent1">
+              <a:shade val="50000"/>
+            </a:schemeClr>
+          </a:lnRef>
+          <a:fillRef idx="1">
+            <a:schemeClr val="accent1"/>
+          </a:fillRef>
+          <a:effectRef idx="0">
+            <a:schemeClr val="accent1"/>
+          </a:effectRef>
+          <a:fontRef idx="minor">
+            <a:schemeClr val="lt1"/>
+          </a:fontRef>
+        </p:style>
+        <p:txBody>
+          <a:bodyPr rtlCol="0" anchor="ctr"/>
+          <a:lstStyle/>
+          <a:p>
+            <a:pPr algn="ctr"/>
+            <a:endParaRPr lang="en-US" b="0" i="1" dirty="0" smtClean="0">
+              <a:solidFill>
+                <a:schemeClr val="tx1"/>
+              </a:solidFill>
+              <a:latin typeface="Cambria Math" charset="0"/>
+            </a:endParaRPr>
+          </a:p>
+          <a:p>
+            <a:pPr algn="ctr"/>
+            <a:r>
+              <a:rPr lang="en-US" sz="1100" b="0" dirty="0" smtClean="0">
+                <a:solidFill>
+                  <a:schemeClr val="tx1"/>
+                </a:solidFill>
+              </a:rPr>
+              <a:t>red</a:t>
+            </a:r>
+            <a:endParaRPr lang="en-US" sz="1100" b="0" dirty="0" smtClean="0">
+              <a:solidFill>
+                <a:schemeClr val="tx1"/>
+              </a:solidFill>
+            </a:endParaRPr>
+          </a:p>
+          <a:p>
+            <a:pPr algn="ctr"/>
+            <a:endParaRPr lang="en-US" dirty="0">
+              <a:solidFill>
+                <a:schemeClr val="tx1"/>
+              </a:solidFill>
+            </a:endParaRPr>
+          </a:p>
+        </p:txBody>
+      </p:sp>
       <p:cxnSp>
         <p:nvCxnSpPr>
           <p:cNvPr id="44" name="Straight Arrow Connector 43"/>
@@ -12884,8 +12714,3620 @@
                 </a:p>
               </p:txBody>
             </p:sp>
-            <mc:AlternateContent xmlns:mc="http://schemas.openxmlformats.org/markup-compatibility/2006">
-              <mc:Choice xmlns:a14="http://schemas.microsoft.com/office/drawing/2010/main" Requires="a14">
+            <p:sp>
+              <p:nvSpPr>
+                <p:cNvPr id="76" name="Oval 75"/>
+                <p:cNvSpPr/>
+                <p:nvPr/>
+              </p:nvSpPr>
+              <p:spPr>
+                <a:xfrm>
+                  <a:off x="4709167" y="810451"/>
+                  <a:ext cx="555014" cy="607653"/>
+                </a:xfrm>
+                <a:prstGeom prst="ellipse">
+                  <a:avLst/>
+                </a:prstGeom>
+                <a:solidFill>
+                  <a:srgbClr val="FFC000"/>
+                </a:solidFill>
+              </p:spPr>
+              <p:style>
+                <a:lnRef idx="2">
+                  <a:schemeClr val="accent1">
+                    <a:shade val="50000"/>
+                  </a:schemeClr>
+                </a:lnRef>
+                <a:fillRef idx="1">
+                  <a:schemeClr val="accent1"/>
+                </a:fillRef>
+                <a:effectRef idx="0">
+                  <a:schemeClr val="accent1"/>
+                </a:effectRef>
+                <a:fontRef idx="minor">
+                  <a:schemeClr val="lt1"/>
+                </a:fontRef>
+              </p:style>
+              <p:txBody>
+                <a:bodyPr rtlCol="0" anchor="ctr"/>
+                <a:lstStyle/>
+                <a:p>
+                  <a:pPr algn="ctr"/>
+                  <a:endParaRPr lang="en-US" b="0" i="1" dirty="0" smtClean="0">
+                    <a:solidFill>
+                      <a:schemeClr val="tx1"/>
+                    </a:solidFill>
+                    <a:latin typeface="Cambria Math" charset="0"/>
+                  </a:endParaRPr>
+                </a:p>
+                <a:p>
+                  <a:pPr algn="ctr"/>
+                  <a:r>
+                    <a:rPr lang="en-US" sz="1100" b="0" dirty="0" smtClean="0">
+                      <a:solidFill>
+                        <a:schemeClr val="tx1"/>
+                      </a:solidFill>
+                    </a:rPr>
+                    <a:t>les</a:t>
+                  </a:r>
+                  <a:endParaRPr lang="en-US" sz="1100" b="0" dirty="0" smtClean="0">
+                    <a:solidFill>
+                      <a:schemeClr val="tx1"/>
+                    </a:solidFill>
+                  </a:endParaRPr>
+                </a:p>
+                <a:p>
+                  <a:pPr algn="ctr"/>
+                  <a:endParaRPr lang="en-US" dirty="0">
+                    <a:solidFill>
+                      <a:schemeClr val="tx1"/>
+                    </a:solidFill>
+                  </a:endParaRPr>
+                </a:p>
+              </p:txBody>
+            </p:sp>
+            <p:cxnSp>
+              <p:nvCxnSpPr>
+                <p:cNvPr id="78" name="Straight Arrow Connector 77"/>
+                <p:cNvCxnSpPr>
+                  <a:stCxn id="71" idx="0"/>
+                  <a:endCxn id="126" idx="2"/>
+                </p:cNvCxnSpPr>
+                <p:nvPr/>
+              </p:nvCxnSpPr>
+              <p:spPr>
+                <a:xfrm flipH="1" flipV="1">
+                  <a:off x="4986674" y="2198583"/>
+                  <a:ext cx="7226" cy="432525"/>
+                </a:xfrm>
+                <a:prstGeom prst="straightConnector1">
+                  <a:avLst/>
+                </a:prstGeom>
+                <a:ln w="28575">
+                  <a:solidFill>
+                    <a:schemeClr val="tx1"/>
+                  </a:solidFill>
+                  <a:tailEnd type="triangle"/>
+                </a:ln>
+              </p:spPr>
+              <p:style>
+                <a:lnRef idx="1">
+                  <a:schemeClr val="accent1"/>
+                </a:lnRef>
+                <a:fillRef idx="0">
+                  <a:schemeClr val="accent1"/>
+                </a:fillRef>
+                <a:effectRef idx="0">
+                  <a:schemeClr val="accent1"/>
+                </a:effectRef>
+                <a:fontRef idx="minor">
+                  <a:schemeClr val="tx1"/>
+                </a:fontRef>
+              </p:style>
+            </p:cxnSp>
+          </p:grpSp>
+          <p:sp>
+            <p:nvSpPr>
+              <p:cNvPr id="141" name="Rounded Rectangle 140"/>
+              <p:cNvSpPr/>
+              <p:nvPr/>
+            </p:nvSpPr>
+            <p:spPr>
+              <a:xfrm>
+                <a:off x="5397398" y="3876841"/>
+                <a:ext cx="1281165" cy="347955"/>
+              </a:xfrm>
+              <a:prstGeom prst="roundRect">
+                <a:avLst/>
+              </a:prstGeom>
+              <a:solidFill>
+                <a:schemeClr val="accent6">
+                  <a:lumMod val="75000"/>
+                </a:schemeClr>
+              </a:solidFill>
+            </p:spPr>
+            <p:style>
+              <a:lnRef idx="2">
+                <a:schemeClr val="accent1">
+                  <a:shade val="50000"/>
+                </a:schemeClr>
+              </a:lnRef>
+              <a:fillRef idx="1">
+                <a:schemeClr val="accent1"/>
+              </a:fillRef>
+              <a:effectRef idx="0">
+                <a:schemeClr val="accent1"/>
+              </a:effectRef>
+              <a:fontRef idx="minor">
+                <a:schemeClr val="lt1"/>
+              </a:fontRef>
+            </p:style>
+            <p:txBody>
+              <a:bodyPr rtlCol="0" anchor="ctr"/>
+              <a:lstStyle/>
+              <a:p>
+                <a:pPr algn="ctr"/>
+                <a:r>
+                  <a:rPr lang="en-US" sz="1600" dirty="0" smtClean="0">
+                    <a:solidFill>
+                      <a:schemeClr val="bg1"/>
+                    </a:solidFill>
+                  </a:rPr>
+                  <a:t>Embedding</a:t>
+                </a:r>
+                <a:endParaRPr lang="en-US" sz="1600" dirty="0">
+                  <a:solidFill>
+                    <a:schemeClr val="bg1"/>
+                  </a:solidFill>
+                </a:endParaRPr>
+              </a:p>
+            </p:txBody>
+          </p:sp>
+          <p:cxnSp>
+            <p:nvCxnSpPr>
+              <p:cNvPr id="152" name="Straight Arrow Connector 151"/>
+              <p:cNvCxnSpPr>
+                <a:stCxn id="141" idx="0"/>
+                <a:endCxn id="71" idx="2"/>
+              </p:cNvCxnSpPr>
+              <p:nvPr/>
+            </p:nvCxnSpPr>
+            <p:spPr>
+              <a:xfrm flipV="1">
+                <a:off x="6037981" y="3509838"/>
+                <a:ext cx="7226" cy="367003"/>
+              </a:xfrm>
+              <a:prstGeom prst="straightConnector1">
+                <a:avLst/>
+              </a:prstGeom>
+              <a:ln w="31750">
+                <a:solidFill>
+                  <a:schemeClr val="tx1"/>
+                </a:solidFill>
+                <a:tailEnd type="triangle"/>
+              </a:ln>
+            </p:spPr>
+            <p:style>
+              <a:lnRef idx="1">
+                <a:schemeClr val="accent1"/>
+              </a:lnRef>
+              <a:fillRef idx="0">
+                <a:schemeClr val="accent1"/>
+              </a:fillRef>
+              <a:effectRef idx="0">
+                <a:schemeClr val="accent1"/>
+              </a:effectRef>
+              <a:fontRef idx="minor">
+                <a:schemeClr val="tx1"/>
+              </a:fontRef>
+            </p:style>
+          </p:cxnSp>
+        </p:grpSp>
+      </p:grpSp>
+      <p:grpSp>
+        <p:nvGrpSpPr>
+          <p:cNvPr id="172" name="Group 171"/>
+          <p:cNvGrpSpPr/>
+          <p:nvPr/>
+        </p:nvGrpSpPr>
+        <p:grpSpPr>
+          <a:xfrm>
+            <a:off x="7043545" y="1031701"/>
+            <a:ext cx="1281165" cy="3203557"/>
+            <a:chOff x="5397398" y="1021239"/>
+            <a:chExt cx="1281165" cy="3203557"/>
+          </a:xfrm>
+        </p:grpSpPr>
+        <p:sp>
+          <p:nvSpPr>
+            <p:cNvPr id="173" name="Rounded Rectangle 172"/>
+            <p:cNvSpPr/>
+            <p:nvPr/>
+          </p:nvSpPr>
+          <p:spPr>
+            <a:xfrm>
+              <a:off x="5397398" y="2077109"/>
+              <a:ext cx="1281165" cy="347955"/>
+            </a:xfrm>
+            <a:prstGeom prst="roundRect">
+              <a:avLst/>
+            </a:prstGeom>
+            <a:solidFill>
+              <a:schemeClr val="accent3">
+                <a:lumMod val="40000"/>
+                <a:lumOff val="60000"/>
+              </a:schemeClr>
+            </a:solidFill>
+          </p:spPr>
+          <p:style>
+            <a:lnRef idx="2">
+              <a:schemeClr val="accent1">
+                <a:shade val="50000"/>
+              </a:schemeClr>
+            </a:lnRef>
+            <a:fillRef idx="1">
+              <a:schemeClr val="accent1"/>
+            </a:fillRef>
+            <a:effectRef idx="0">
+              <a:schemeClr val="accent1"/>
+            </a:effectRef>
+            <a:fontRef idx="minor">
+              <a:schemeClr val="lt1"/>
+            </a:fontRef>
+          </p:style>
+          <p:txBody>
+            <a:bodyPr rtlCol="0" anchor="ctr"/>
+            <a:lstStyle/>
+            <a:p>
+              <a:pPr algn="ctr"/>
+              <a:r>
+                <a:rPr lang="en-US" sz="1600" dirty="0" smtClean="0">
+                  <a:solidFill>
+                    <a:schemeClr val="tx1"/>
+                  </a:solidFill>
+                </a:rPr>
+                <a:t>Projection</a:t>
+              </a:r>
+              <a:endParaRPr lang="en-US" sz="1600" dirty="0">
+                <a:solidFill>
+                  <a:schemeClr val="tx1"/>
+                </a:solidFill>
+              </a:endParaRPr>
+            </a:p>
+          </p:txBody>
+        </p:sp>
+        <p:grpSp>
+          <p:nvGrpSpPr>
+            <p:cNvPr id="174" name="Group 173"/>
+            <p:cNvGrpSpPr/>
+            <p:nvPr/>
+          </p:nvGrpSpPr>
+          <p:grpSpPr>
+            <a:xfrm>
+              <a:off x="5397398" y="1021239"/>
+              <a:ext cx="1281165" cy="3203557"/>
+              <a:chOff x="5397398" y="1021239"/>
+              <a:chExt cx="1281165" cy="3203557"/>
+            </a:xfrm>
+          </p:grpSpPr>
+          <p:grpSp>
+            <p:nvGrpSpPr>
+              <p:cNvPr id="175" name="Group 174"/>
+              <p:cNvGrpSpPr/>
+              <p:nvPr/>
+            </p:nvGrpSpPr>
+            <p:grpSpPr>
+              <a:xfrm>
+                <a:off x="5470550" y="1021239"/>
+                <a:ext cx="1149314" cy="2488599"/>
+                <a:chOff x="4419243" y="794758"/>
+                <a:chExt cx="1149314" cy="2488599"/>
+              </a:xfrm>
+            </p:grpSpPr>
+            <p:sp>
+              <p:nvSpPr>
+                <p:cNvPr id="182" name="Rounded Rectangle 181"/>
+                <p:cNvSpPr/>
+                <p:nvPr/>
+              </p:nvSpPr>
+              <p:spPr>
+                <a:xfrm>
+                  <a:off x="4419243" y="2631108"/>
+                  <a:ext cx="1149314" cy="652249"/>
+                </a:xfrm>
+                <a:prstGeom prst="roundRect">
+                  <a:avLst/>
+                </a:prstGeom>
+                <a:solidFill>
+                  <a:srgbClr val="FFFF00">
+                    <a:alpha val="51000"/>
+                  </a:srgbClr>
+                </a:solidFill>
+              </p:spPr>
+              <p:style>
+                <a:lnRef idx="2">
+                  <a:schemeClr val="accent1">
+                    <a:shade val="50000"/>
+                  </a:schemeClr>
+                </a:lnRef>
+                <a:fillRef idx="1">
+                  <a:schemeClr val="accent1"/>
+                </a:fillRef>
+                <a:effectRef idx="0">
+                  <a:schemeClr val="accent1"/>
+                </a:effectRef>
+                <a:fontRef idx="minor">
+                  <a:schemeClr val="lt1"/>
+                </a:fontRef>
+              </p:style>
+              <p:txBody>
+                <a:bodyPr rtlCol="0" anchor="ctr"/>
+                <a:lstStyle/>
+                <a:p>
+                  <a:pPr algn="ctr"/>
+                  <a:r>
+                    <a:rPr lang="en-US" dirty="0" smtClean="0">
+                      <a:solidFill>
+                        <a:schemeClr val="tx1"/>
+                      </a:solidFill>
+                    </a:rPr>
+                    <a:t>RNN 2</a:t>
+                  </a:r>
+                  <a:endParaRPr lang="en-US" dirty="0">
+                    <a:solidFill>
+                      <a:schemeClr val="tx1"/>
+                    </a:solidFill>
+                  </a:endParaRPr>
+                </a:p>
+              </p:txBody>
+            </p:sp>
+            <p:sp>
+              <p:nvSpPr>
+                <p:cNvPr id="179" name="Oval 178"/>
+                <p:cNvSpPr/>
+                <p:nvPr/>
+              </p:nvSpPr>
+              <p:spPr>
+                <a:xfrm>
+                  <a:off x="4618699" y="794758"/>
+                  <a:ext cx="754197" cy="607653"/>
+                </a:xfrm>
+                <a:prstGeom prst="ellipse">
+                  <a:avLst/>
+                </a:prstGeom>
+                <a:solidFill>
+                  <a:srgbClr val="FFC000"/>
+                </a:solidFill>
+              </p:spPr>
+              <p:style>
+                <a:lnRef idx="2">
+                  <a:schemeClr val="accent1">
+                    <a:shade val="50000"/>
+                  </a:schemeClr>
+                </a:lnRef>
+                <a:fillRef idx="1">
+                  <a:schemeClr val="accent1"/>
+                </a:fillRef>
+                <a:effectRef idx="0">
+                  <a:schemeClr val="accent1"/>
+                </a:effectRef>
+                <a:fontRef idx="minor">
+                  <a:schemeClr val="lt1"/>
+                </a:fontRef>
+              </p:style>
+              <p:txBody>
+                <a:bodyPr lIns="0" tIns="0" rIns="0" bIns="0" rtlCol="0" anchor="ctr"/>
+                <a:lstStyle/>
+                <a:p>
+                  <a:pPr algn="ctr"/>
+                  <a:endParaRPr lang="en-US" b="0" i="1" dirty="0" smtClean="0">
+                    <a:solidFill>
+                      <a:schemeClr val="tx1"/>
+                    </a:solidFill>
+                    <a:latin typeface="Cambria Math" charset="0"/>
+                  </a:endParaRPr>
+                </a:p>
+                <a:p>
+                  <a:pPr algn="ctr"/>
+                  <a:r>
+                    <a:rPr lang="en-US" sz="1100" b="0" dirty="0" smtClean="0">
+                      <a:solidFill>
+                        <a:schemeClr val="tx1"/>
+                      </a:solidFill>
+                    </a:rPr>
+                    <a:t>pommes</a:t>
+                  </a:r>
+                  <a:endParaRPr lang="en-US" sz="1100" b="0" dirty="0" smtClean="0">
+                    <a:solidFill>
+                      <a:schemeClr val="tx1"/>
+                    </a:solidFill>
+                  </a:endParaRPr>
+                </a:p>
+                <a:p>
+                  <a:pPr algn="ctr"/>
+                  <a:endParaRPr lang="en-US" dirty="0">
+                    <a:solidFill>
+                      <a:schemeClr val="tx1"/>
+                    </a:solidFill>
+                  </a:endParaRPr>
+                </a:p>
+              </p:txBody>
+            </p:sp>
+            <p:cxnSp>
+              <p:nvCxnSpPr>
+                <p:cNvPr id="180" name="Straight Arrow Connector 179"/>
+                <p:cNvCxnSpPr/>
+                <p:nvPr/>
+              </p:nvCxnSpPr>
+              <p:spPr>
+                <a:xfrm flipH="1" flipV="1">
+                  <a:off x="4986674" y="2198583"/>
+                  <a:ext cx="7226" cy="432525"/>
+                </a:xfrm>
+                <a:prstGeom prst="straightConnector1">
+                  <a:avLst/>
+                </a:prstGeom>
+                <a:ln w="28575">
+                  <a:solidFill>
+                    <a:schemeClr val="tx1"/>
+                  </a:solidFill>
+                  <a:tailEnd type="triangle"/>
+                </a:ln>
+              </p:spPr>
+              <p:style>
+                <a:lnRef idx="1">
+                  <a:schemeClr val="accent1"/>
+                </a:lnRef>
+                <a:fillRef idx="0">
+                  <a:schemeClr val="accent1"/>
+                </a:fillRef>
+                <a:effectRef idx="0">
+                  <a:schemeClr val="accent1"/>
+                </a:effectRef>
+                <a:fontRef idx="minor">
+                  <a:schemeClr val="tx1"/>
+                </a:fontRef>
+              </p:style>
+            </p:cxnSp>
+          </p:grpSp>
+          <p:sp>
+            <p:nvSpPr>
+              <p:cNvPr id="176" name="Rounded Rectangle 175"/>
+              <p:cNvSpPr/>
+              <p:nvPr/>
+            </p:nvSpPr>
+            <p:spPr>
+              <a:xfrm>
+                <a:off x="5397398" y="3876841"/>
+                <a:ext cx="1281165" cy="347955"/>
+              </a:xfrm>
+              <a:prstGeom prst="roundRect">
+                <a:avLst/>
+              </a:prstGeom>
+              <a:solidFill>
+                <a:schemeClr val="accent6">
+                  <a:lumMod val="75000"/>
+                </a:schemeClr>
+              </a:solidFill>
+            </p:spPr>
+            <p:style>
+              <a:lnRef idx="2">
+                <a:schemeClr val="accent1">
+                  <a:shade val="50000"/>
+                </a:schemeClr>
+              </a:lnRef>
+              <a:fillRef idx="1">
+                <a:schemeClr val="accent1"/>
+              </a:fillRef>
+              <a:effectRef idx="0">
+                <a:schemeClr val="accent1"/>
+              </a:effectRef>
+              <a:fontRef idx="minor">
+                <a:schemeClr val="lt1"/>
+              </a:fontRef>
+            </p:style>
+            <p:txBody>
+              <a:bodyPr rtlCol="0" anchor="ctr"/>
+              <a:lstStyle/>
+              <a:p>
+                <a:pPr algn="ctr"/>
+                <a:r>
+                  <a:rPr lang="en-US" sz="1600" dirty="0" smtClean="0">
+                    <a:solidFill>
+                      <a:schemeClr val="bg1"/>
+                    </a:solidFill>
+                  </a:rPr>
+                  <a:t>Embedding</a:t>
+                </a:r>
+                <a:endParaRPr lang="en-US" sz="1600" dirty="0">
+                  <a:solidFill>
+                    <a:schemeClr val="bg1"/>
+                  </a:solidFill>
+                </a:endParaRPr>
+              </a:p>
+            </p:txBody>
+          </p:sp>
+          <p:cxnSp>
+            <p:nvCxnSpPr>
+              <p:cNvPr id="177" name="Straight Arrow Connector 176"/>
+              <p:cNvCxnSpPr/>
+              <p:nvPr/>
+            </p:nvCxnSpPr>
+            <p:spPr>
+              <a:xfrm flipV="1">
+                <a:off x="6037981" y="3509838"/>
+                <a:ext cx="7226" cy="367003"/>
+              </a:xfrm>
+              <a:prstGeom prst="straightConnector1">
+                <a:avLst/>
+              </a:prstGeom>
+              <a:ln w="31750">
+                <a:solidFill>
+                  <a:schemeClr val="tx1"/>
+                </a:solidFill>
+                <a:tailEnd type="triangle"/>
+              </a:ln>
+            </p:spPr>
+            <p:style>
+              <a:lnRef idx="1">
+                <a:schemeClr val="accent1"/>
+              </a:lnRef>
+              <a:fillRef idx="0">
+                <a:schemeClr val="accent1"/>
+              </a:fillRef>
+              <a:effectRef idx="0">
+                <a:schemeClr val="accent1"/>
+              </a:effectRef>
+              <a:fontRef idx="minor">
+                <a:schemeClr val="tx1"/>
+              </a:fontRef>
+            </p:style>
+          </p:cxnSp>
+        </p:grpSp>
+      </p:grpSp>
+      <p:cxnSp>
+        <p:nvCxnSpPr>
+          <p:cNvPr id="200" name="Elbow Connector 199"/>
+          <p:cNvCxnSpPr>
+            <a:endCxn id="182" idx="1"/>
+          </p:cNvCxnSpPr>
+          <p:nvPr/>
+        </p:nvCxnSpPr>
+        <p:spPr>
+          <a:xfrm>
+            <a:off x="6045207" y="2711395"/>
+            <a:ext cx="1071490" cy="482781"/>
+          </a:xfrm>
+          <a:prstGeom prst="bentConnector3">
+            <a:avLst>
+              <a:gd name="adj1" fmla="val 73746"/>
+            </a:avLst>
+          </a:prstGeom>
+          <a:ln w="31750">
+            <a:solidFill>
+              <a:schemeClr val="tx1"/>
+            </a:solidFill>
+            <a:tailEnd type="triangle"/>
+          </a:ln>
+        </p:spPr>
+        <p:style>
+          <a:lnRef idx="1">
+            <a:schemeClr val="accent1"/>
+          </a:lnRef>
+          <a:fillRef idx="0">
+            <a:schemeClr val="accent1"/>
+          </a:fillRef>
+          <a:effectRef idx="0">
+            <a:schemeClr val="accent1"/>
+          </a:effectRef>
+          <a:fontRef idx="minor">
+            <a:schemeClr val="tx1"/>
+          </a:fontRef>
+        </p:style>
+      </p:cxnSp>
+      <p:cxnSp>
+        <p:nvCxnSpPr>
+          <p:cNvPr id="203" name="Elbow Connector 202"/>
+          <p:cNvCxnSpPr>
+            <a:endCxn id="193" idx="1"/>
+          </p:cNvCxnSpPr>
+          <p:nvPr/>
+        </p:nvCxnSpPr>
+        <p:spPr>
+          <a:xfrm>
+            <a:off x="7717649" y="2701092"/>
+            <a:ext cx="1117628" cy="503546"/>
+          </a:xfrm>
+          <a:prstGeom prst="bentConnector3">
+            <a:avLst>
+              <a:gd name="adj1" fmla="val 67075"/>
+            </a:avLst>
+          </a:prstGeom>
+          <a:ln w="31750">
+            <a:solidFill>
+              <a:schemeClr val="tx1"/>
+            </a:solidFill>
+            <a:tailEnd type="triangle"/>
+          </a:ln>
+        </p:spPr>
+        <p:style>
+          <a:lnRef idx="1">
+            <a:schemeClr val="accent1"/>
+          </a:lnRef>
+          <a:fillRef idx="0">
+            <a:schemeClr val="accent1"/>
+          </a:fillRef>
+          <a:effectRef idx="0">
+            <a:schemeClr val="accent1"/>
+          </a:effectRef>
+          <a:fontRef idx="minor">
+            <a:schemeClr val="tx1"/>
+          </a:fontRef>
+        </p:style>
+      </p:cxnSp>
+      <p:cxnSp>
+        <p:nvCxnSpPr>
+          <p:cNvPr id="204" name="Elbow Connector 203"/>
+          <p:cNvCxnSpPr/>
+          <p:nvPr/>
+        </p:nvCxnSpPr>
+        <p:spPr>
+          <a:xfrm>
+            <a:off x="9441620" y="2721035"/>
+            <a:ext cx="1071490" cy="482781"/>
+          </a:xfrm>
+          <a:prstGeom prst="bentConnector3">
+            <a:avLst>
+              <a:gd name="adj1" fmla="val 73746"/>
+            </a:avLst>
+          </a:prstGeom>
+          <a:ln w="31750">
+            <a:solidFill>
+              <a:schemeClr val="tx1"/>
+            </a:solidFill>
+            <a:tailEnd type="triangle"/>
+          </a:ln>
+        </p:spPr>
+        <p:style>
+          <a:lnRef idx="1">
+            <a:schemeClr val="accent1"/>
+          </a:lnRef>
+          <a:fillRef idx="0">
+            <a:schemeClr val="accent1"/>
+          </a:fillRef>
+          <a:effectRef idx="0">
+            <a:schemeClr val="accent1"/>
+          </a:effectRef>
+          <a:fontRef idx="minor">
+            <a:schemeClr val="tx1"/>
+          </a:fontRef>
+        </p:style>
+      </p:cxnSp>
+      <p:cxnSp>
+        <p:nvCxnSpPr>
+          <p:cNvPr id="207" name="Straight Arrow Connector 206"/>
+          <p:cNvCxnSpPr/>
+          <p:nvPr/>
+        </p:nvCxnSpPr>
+        <p:spPr>
+          <a:xfrm flipV="1">
+            <a:off x="7703572" y="1644585"/>
+            <a:ext cx="0" cy="432524"/>
+          </a:xfrm>
+          <a:prstGeom prst="straightConnector1">
+            <a:avLst/>
+          </a:prstGeom>
+          <a:ln w="28575">
+            <a:solidFill>
+              <a:schemeClr val="tx1"/>
+            </a:solidFill>
+            <a:tailEnd type="triangle"/>
+          </a:ln>
+        </p:spPr>
+        <p:style>
+          <a:lnRef idx="1">
+            <a:schemeClr val="accent1"/>
+          </a:lnRef>
+          <a:fillRef idx="0">
+            <a:schemeClr val="accent1"/>
+          </a:fillRef>
+          <a:effectRef idx="0">
+            <a:schemeClr val="accent1"/>
+          </a:effectRef>
+          <a:fontRef idx="minor">
+            <a:schemeClr val="tx1"/>
+          </a:fontRef>
+        </p:style>
+      </p:cxnSp>
+      <p:cxnSp>
+        <p:nvCxnSpPr>
+          <p:cNvPr id="208" name="Straight Arrow Connector 207"/>
+          <p:cNvCxnSpPr/>
+          <p:nvPr/>
+        </p:nvCxnSpPr>
+        <p:spPr>
+          <a:xfrm flipV="1">
+            <a:off x="9431309" y="1644585"/>
+            <a:ext cx="0" cy="432524"/>
+          </a:xfrm>
+          <a:prstGeom prst="straightConnector1">
+            <a:avLst/>
+          </a:prstGeom>
+          <a:ln w="28575">
+            <a:solidFill>
+              <a:schemeClr val="tx1"/>
+            </a:solidFill>
+            <a:tailEnd type="triangle"/>
+          </a:ln>
+        </p:spPr>
+        <p:style>
+          <a:lnRef idx="1">
+            <a:schemeClr val="accent1"/>
+          </a:lnRef>
+          <a:fillRef idx="0">
+            <a:schemeClr val="accent1"/>
+          </a:fillRef>
+          <a:effectRef idx="0">
+            <a:schemeClr val="accent1"/>
+          </a:effectRef>
+          <a:fontRef idx="minor">
+            <a:schemeClr val="tx1"/>
+          </a:fontRef>
+        </p:style>
+      </p:cxnSp>
+      <p:grpSp>
+        <p:nvGrpSpPr>
+          <p:cNvPr id="218" name="Group 217"/>
+          <p:cNvGrpSpPr/>
+          <p:nvPr/>
+        </p:nvGrpSpPr>
+        <p:grpSpPr>
+          <a:xfrm>
+            <a:off x="5760474" y="4224796"/>
+            <a:ext cx="555014" cy="942363"/>
+            <a:chOff x="5760474" y="4224796"/>
+            <a:chExt cx="555014" cy="942363"/>
+          </a:xfrm>
+        </p:grpSpPr>
+        <p:cxnSp>
+          <p:nvCxnSpPr>
+            <p:cNvPr id="142" name="Straight Arrow Connector 141"/>
+            <p:cNvCxnSpPr>
+              <a:endCxn id="141" idx="2"/>
+            </p:cNvCxnSpPr>
+            <p:nvPr/>
+          </p:nvCxnSpPr>
+          <p:spPr>
+            <a:xfrm flipH="1" flipV="1">
+              <a:off x="6037981" y="4224796"/>
+              <a:ext cx="3613" cy="305239"/>
+            </a:xfrm>
+            <a:prstGeom prst="straightConnector1">
+              <a:avLst/>
+            </a:prstGeom>
+            <a:ln w="31750">
+              <a:solidFill>
+                <a:schemeClr val="tx1"/>
+              </a:solidFill>
+              <a:tailEnd type="triangle"/>
+            </a:ln>
+          </p:spPr>
+          <p:style>
+            <a:lnRef idx="1">
+              <a:schemeClr val="accent1"/>
+            </a:lnRef>
+            <a:fillRef idx="0">
+              <a:schemeClr val="accent1"/>
+            </a:fillRef>
+            <a:effectRef idx="0">
+              <a:schemeClr val="accent1"/>
+            </a:effectRef>
+            <a:fontRef idx="minor">
+              <a:schemeClr val="tx1"/>
+            </a:fontRef>
+          </p:style>
+        </p:cxnSp>
+        <p:sp>
+          <p:nvSpPr>
+            <p:cNvPr id="217" name="Oval 216"/>
+            <p:cNvSpPr/>
+            <p:nvPr/>
+          </p:nvSpPr>
+          <p:spPr>
+            <a:xfrm>
+              <a:off x="5760474" y="4559506"/>
+              <a:ext cx="555014" cy="607653"/>
+            </a:xfrm>
+            <a:prstGeom prst="ellipse">
+              <a:avLst/>
+            </a:prstGeom>
+            <a:solidFill>
+              <a:srgbClr val="FFC000"/>
+            </a:solidFill>
+          </p:spPr>
+          <p:style>
+            <a:lnRef idx="2">
+              <a:schemeClr val="accent1">
+                <a:shade val="50000"/>
+              </a:schemeClr>
+            </a:lnRef>
+            <a:fillRef idx="1">
+              <a:schemeClr val="accent1"/>
+            </a:fillRef>
+            <a:effectRef idx="0">
+              <a:schemeClr val="accent1"/>
+            </a:effectRef>
+            <a:fontRef idx="minor">
+              <a:schemeClr val="lt1"/>
+            </a:fontRef>
+          </p:style>
+          <p:txBody>
+            <a:bodyPr rtlCol="0" anchor="ctr"/>
+            <a:lstStyle/>
+            <a:p>
+              <a:pPr algn="ctr"/>
+              <a:endParaRPr lang="en-US" b="0" i="1" dirty="0" smtClean="0">
+                <a:latin typeface="Cambria Math" charset="0"/>
+              </a:endParaRPr>
+            </a:p>
+            <a:p>
+              <a:pPr algn="ctr"/>
+              <a:r>
+                <a:rPr lang="en-US" b="0" dirty="0" smtClean="0">
+                  <a:solidFill>
+                    <a:schemeClr val="tx1"/>
+                  </a:solidFill>
+                </a:rPr>
+                <a:t>S</a:t>
+              </a:r>
+            </a:p>
+            <a:p>
+              <a:pPr algn="ctr"/>
+              <a:endParaRPr lang="en-US" dirty="0"/>
+            </a:p>
+          </p:txBody>
+        </p:sp>
+      </p:grpSp>
+      <p:cxnSp>
+        <p:nvCxnSpPr>
+          <p:cNvPr id="220" name="Straight Arrow Connector 219"/>
+          <p:cNvCxnSpPr/>
+          <p:nvPr/>
+        </p:nvCxnSpPr>
+        <p:spPr>
+          <a:xfrm flipH="1" flipV="1">
+            <a:off x="7675753" y="4245720"/>
+            <a:ext cx="3613" cy="305239"/>
+          </a:xfrm>
+          <a:prstGeom prst="straightConnector1">
+            <a:avLst/>
+          </a:prstGeom>
+          <a:ln w="31750">
+            <a:solidFill>
+              <a:schemeClr val="tx1"/>
+            </a:solidFill>
+            <a:tailEnd type="triangle"/>
+          </a:ln>
+        </p:spPr>
+        <p:style>
+          <a:lnRef idx="1">
+            <a:schemeClr val="accent1"/>
+          </a:lnRef>
+          <a:fillRef idx="0">
+            <a:schemeClr val="accent1"/>
+          </a:fillRef>
+          <a:effectRef idx="0">
+            <a:schemeClr val="accent1"/>
+          </a:effectRef>
+          <a:fontRef idx="minor">
+            <a:schemeClr val="tx1"/>
+          </a:fontRef>
+        </p:style>
+      </p:cxnSp>
+      <p:grpSp>
+        <p:nvGrpSpPr>
+          <p:cNvPr id="228" name="Group 227"/>
+          <p:cNvGrpSpPr/>
+          <p:nvPr/>
+        </p:nvGrpSpPr>
+        <p:grpSpPr>
+          <a:xfrm>
+            <a:off x="8762125" y="1057856"/>
+            <a:ext cx="1281165" cy="3493103"/>
+            <a:chOff x="8762125" y="1057856"/>
+            <a:chExt cx="1281165" cy="3493103"/>
+          </a:xfrm>
+        </p:grpSpPr>
+        <p:grpSp>
+          <p:nvGrpSpPr>
+            <p:cNvPr id="183" name="Group 182"/>
+            <p:cNvGrpSpPr/>
+            <p:nvPr/>
+          </p:nvGrpSpPr>
+          <p:grpSpPr>
+            <a:xfrm>
+              <a:off x="8762125" y="1057856"/>
+              <a:ext cx="1281165" cy="3187864"/>
+              <a:chOff x="5397398" y="1036932"/>
+              <a:chExt cx="1281165" cy="3187864"/>
+            </a:xfrm>
+          </p:grpSpPr>
+          <p:sp>
+            <p:nvSpPr>
+              <p:cNvPr id="184" name="Rounded Rectangle 183"/>
+              <p:cNvSpPr/>
+              <p:nvPr/>
+            </p:nvSpPr>
+            <p:spPr>
+              <a:xfrm>
+                <a:off x="5397398" y="2077109"/>
+                <a:ext cx="1281165" cy="347955"/>
+              </a:xfrm>
+              <a:prstGeom prst="roundRect">
+                <a:avLst/>
+              </a:prstGeom>
+              <a:solidFill>
+                <a:schemeClr val="accent3">
+                  <a:lumMod val="40000"/>
+                  <a:lumOff val="60000"/>
+                </a:schemeClr>
+              </a:solidFill>
+            </p:spPr>
+            <p:style>
+              <a:lnRef idx="2">
+                <a:schemeClr val="accent1">
+                  <a:shade val="50000"/>
+                </a:schemeClr>
+              </a:lnRef>
+              <a:fillRef idx="1">
+                <a:schemeClr val="accent1"/>
+              </a:fillRef>
+              <a:effectRef idx="0">
+                <a:schemeClr val="accent1"/>
+              </a:effectRef>
+              <a:fontRef idx="minor">
+                <a:schemeClr val="lt1"/>
+              </a:fontRef>
+            </p:style>
+            <p:txBody>
+              <a:bodyPr rtlCol="0" anchor="ctr"/>
+              <a:lstStyle/>
+              <a:p>
+                <a:pPr algn="ctr"/>
+                <a:r>
+                  <a:rPr lang="en-US" sz="1600" dirty="0" smtClean="0">
+                    <a:solidFill>
+                      <a:schemeClr val="tx1"/>
+                    </a:solidFill>
+                  </a:rPr>
+                  <a:t>Projection</a:t>
+                </a:r>
+                <a:endParaRPr lang="en-US" sz="1600" dirty="0">
+                  <a:solidFill>
+                    <a:schemeClr val="tx1"/>
+                  </a:solidFill>
+                </a:endParaRPr>
+              </a:p>
+            </p:txBody>
+          </p:sp>
+          <p:grpSp>
+            <p:nvGrpSpPr>
+              <p:cNvPr id="185" name="Group 184"/>
+              <p:cNvGrpSpPr/>
+              <p:nvPr/>
+            </p:nvGrpSpPr>
+            <p:grpSpPr>
+              <a:xfrm>
+                <a:off x="5397398" y="1036932"/>
+                <a:ext cx="1281165" cy="3187864"/>
+                <a:chOff x="5397398" y="1036932"/>
+                <a:chExt cx="1281165" cy="3187864"/>
+              </a:xfrm>
+            </p:grpSpPr>
+            <p:grpSp>
+              <p:nvGrpSpPr>
+                <p:cNvPr id="186" name="Group 185"/>
+                <p:cNvGrpSpPr/>
+                <p:nvPr/>
+              </p:nvGrpSpPr>
+              <p:grpSpPr>
+                <a:xfrm>
+                  <a:off x="5470550" y="1036932"/>
+                  <a:ext cx="1149314" cy="2472906"/>
+                  <a:chOff x="4419243" y="810451"/>
+                  <a:chExt cx="1149314" cy="2472906"/>
+                </a:xfrm>
+              </p:grpSpPr>
+              <p:sp>
+                <p:nvSpPr>
+                  <p:cNvPr id="193" name="Rounded Rectangle 192"/>
+                  <p:cNvSpPr/>
+                  <p:nvPr/>
+                </p:nvSpPr>
+                <p:spPr>
+                  <a:xfrm>
+                    <a:off x="4419243" y="2631108"/>
+                    <a:ext cx="1149314" cy="652249"/>
+                  </a:xfrm>
+                  <a:prstGeom prst="roundRect">
+                    <a:avLst/>
+                  </a:prstGeom>
+                  <a:solidFill>
+                    <a:srgbClr val="FFFF00">
+                      <a:alpha val="51000"/>
+                    </a:srgbClr>
+                  </a:solidFill>
+                </p:spPr>
+                <p:style>
+                  <a:lnRef idx="2">
+                    <a:schemeClr val="accent1">
+                      <a:shade val="50000"/>
+                    </a:schemeClr>
+                  </a:lnRef>
+                  <a:fillRef idx="1">
+                    <a:schemeClr val="accent1"/>
+                  </a:fillRef>
+                  <a:effectRef idx="0">
+                    <a:schemeClr val="accent1"/>
+                  </a:effectRef>
+                  <a:fontRef idx="minor">
+                    <a:schemeClr val="lt1"/>
+                  </a:fontRef>
+                </p:style>
+                <p:txBody>
+                  <a:bodyPr rtlCol="0" anchor="ctr"/>
+                  <a:lstStyle/>
+                  <a:p>
+                    <a:pPr algn="ctr"/>
+                    <a:r>
+                      <a:rPr lang="en-US" dirty="0" smtClean="0">
+                        <a:solidFill>
+                          <a:schemeClr val="tx1"/>
+                        </a:solidFill>
+                      </a:rPr>
+                      <a:t>RNN 2</a:t>
+                    </a:r>
+                    <a:endParaRPr lang="en-US" dirty="0">
+                      <a:solidFill>
+                        <a:schemeClr val="tx1"/>
+                      </a:solidFill>
+                    </a:endParaRPr>
+                  </a:p>
+                </p:txBody>
+              </p:sp>
+              <p:sp>
+                <p:nvSpPr>
+                  <p:cNvPr id="190" name="Oval 189"/>
+                  <p:cNvSpPr/>
+                  <p:nvPr/>
+                </p:nvSpPr>
+                <p:spPr>
+                  <a:xfrm>
+                    <a:off x="4709167" y="810451"/>
+                    <a:ext cx="555014" cy="607653"/>
+                  </a:xfrm>
+                  <a:prstGeom prst="ellipse">
+                    <a:avLst/>
+                  </a:prstGeom>
+                  <a:solidFill>
+                    <a:srgbClr val="FFC000"/>
+                  </a:solidFill>
+                </p:spPr>
+                <p:style>
+                  <a:lnRef idx="2">
+                    <a:schemeClr val="accent1">
+                      <a:shade val="50000"/>
+                    </a:schemeClr>
+                  </a:lnRef>
+                  <a:fillRef idx="1">
+                    <a:schemeClr val="accent1"/>
+                  </a:fillRef>
+                  <a:effectRef idx="0">
+                    <a:schemeClr val="accent1"/>
+                  </a:effectRef>
+                  <a:fontRef idx="minor">
+                    <a:schemeClr val="lt1"/>
+                  </a:fontRef>
+                </p:style>
+                <p:txBody>
+                  <a:bodyPr lIns="0" tIns="0" rIns="0" rtlCol="0" anchor="ctr"/>
+                  <a:lstStyle/>
+                  <a:p>
+                    <a:pPr algn="ctr"/>
+                    <a:r>
+                      <a:rPr lang="en-US" sz="1100" dirty="0" smtClean="0">
+                        <a:solidFill>
+                          <a:schemeClr val="tx2"/>
+                        </a:solidFill>
+                      </a:rPr>
+                      <a:t>sont</a:t>
+                    </a:r>
+                    <a:endParaRPr lang="en-US" sz="1100" dirty="0">
+                      <a:solidFill>
+                        <a:schemeClr val="tx2"/>
+                      </a:solidFill>
+                    </a:endParaRPr>
+                  </a:p>
+                </p:txBody>
+              </p:sp>
+              <p:cxnSp>
+                <p:nvCxnSpPr>
+                  <p:cNvPr id="191" name="Straight Arrow Connector 190"/>
+                  <p:cNvCxnSpPr/>
+                  <p:nvPr/>
+                </p:nvCxnSpPr>
+                <p:spPr>
+                  <a:xfrm flipH="1" flipV="1">
+                    <a:off x="4986674" y="2198583"/>
+                    <a:ext cx="7226" cy="432525"/>
+                  </a:xfrm>
+                  <a:prstGeom prst="straightConnector1">
+                    <a:avLst/>
+                  </a:prstGeom>
+                  <a:ln w="28575">
+                    <a:solidFill>
+                      <a:schemeClr val="tx1"/>
+                    </a:solidFill>
+                    <a:tailEnd type="triangle"/>
+                  </a:ln>
+                </p:spPr>
+                <p:style>
+                  <a:lnRef idx="1">
+                    <a:schemeClr val="accent1"/>
+                  </a:lnRef>
+                  <a:fillRef idx="0">
+                    <a:schemeClr val="accent1"/>
+                  </a:fillRef>
+                  <a:effectRef idx="0">
+                    <a:schemeClr val="accent1"/>
+                  </a:effectRef>
+                  <a:fontRef idx="minor">
+                    <a:schemeClr val="tx1"/>
+                  </a:fontRef>
+                </p:style>
+              </p:cxnSp>
+            </p:grpSp>
+            <p:sp>
+              <p:nvSpPr>
+                <p:cNvPr id="187" name="Rounded Rectangle 186"/>
+                <p:cNvSpPr/>
+                <p:nvPr/>
+              </p:nvSpPr>
+              <p:spPr>
+                <a:xfrm>
+                  <a:off x="5397398" y="3876841"/>
+                  <a:ext cx="1281165" cy="347955"/>
+                </a:xfrm>
+                <a:prstGeom prst="roundRect">
+                  <a:avLst/>
+                </a:prstGeom>
+                <a:solidFill>
+                  <a:schemeClr val="accent6">
+                    <a:lumMod val="75000"/>
+                  </a:schemeClr>
+                </a:solidFill>
+              </p:spPr>
+              <p:style>
+                <a:lnRef idx="2">
+                  <a:schemeClr val="accent1">
+                    <a:shade val="50000"/>
+                  </a:schemeClr>
+                </a:lnRef>
+                <a:fillRef idx="1">
+                  <a:schemeClr val="accent1"/>
+                </a:fillRef>
+                <a:effectRef idx="0">
+                  <a:schemeClr val="accent1"/>
+                </a:effectRef>
+                <a:fontRef idx="minor">
+                  <a:schemeClr val="lt1"/>
+                </a:fontRef>
+              </p:style>
+              <p:txBody>
+                <a:bodyPr rtlCol="0" anchor="ctr"/>
+                <a:lstStyle/>
+                <a:p>
+                  <a:pPr algn="ctr"/>
+                  <a:r>
+                    <a:rPr lang="en-US" sz="1600" dirty="0" smtClean="0">
+                      <a:solidFill>
+                        <a:schemeClr val="bg1"/>
+                      </a:solidFill>
+                    </a:rPr>
+                    <a:t>Embedding</a:t>
+                  </a:r>
+                  <a:endParaRPr lang="en-US" sz="1600" dirty="0">
+                    <a:solidFill>
+                      <a:schemeClr val="bg1"/>
+                    </a:solidFill>
+                  </a:endParaRPr>
+                </a:p>
+              </p:txBody>
+            </p:sp>
+            <p:cxnSp>
+              <p:nvCxnSpPr>
+                <p:cNvPr id="188" name="Straight Arrow Connector 187"/>
+                <p:cNvCxnSpPr/>
+                <p:nvPr/>
+              </p:nvCxnSpPr>
+              <p:spPr>
+                <a:xfrm flipV="1">
+                  <a:off x="6037981" y="3509838"/>
+                  <a:ext cx="7226" cy="367003"/>
+                </a:xfrm>
+                <a:prstGeom prst="straightConnector1">
+                  <a:avLst/>
+                </a:prstGeom>
+                <a:ln w="31750">
+                  <a:solidFill>
+                    <a:schemeClr val="tx1"/>
+                  </a:solidFill>
+                  <a:tailEnd type="triangle"/>
+                </a:ln>
+              </p:spPr>
+              <p:style>
+                <a:lnRef idx="1">
+                  <a:schemeClr val="accent1"/>
+                </a:lnRef>
+                <a:fillRef idx="0">
+                  <a:schemeClr val="accent1"/>
+                </a:fillRef>
+                <a:effectRef idx="0">
+                  <a:schemeClr val="accent1"/>
+                </a:effectRef>
+                <a:fontRef idx="minor">
+                  <a:schemeClr val="tx1"/>
+                </a:fontRef>
+              </p:style>
+            </p:cxnSp>
+          </p:grpSp>
+        </p:grpSp>
+        <p:cxnSp>
+          <p:nvCxnSpPr>
+            <p:cNvPr id="226" name="Straight Arrow Connector 225"/>
+            <p:cNvCxnSpPr/>
+            <p:nvPr/>
+          </p:nvCxnSpPr>
+          <p:spPr>
+            <a:xfrm flipH="1" flipV="1">
+              <a:off x="9407311" y="4245720"/>
+              <a:ext cx="3613" cy="305239"/>
+            </a:xfrm>
+            <a:prstGeom prst="straightConnector1">
+              <a:avLst/>
+            </a:prstGeom>
+            <a:ln w="31750">
+              <a:solidFill>
+                <a:schemeClr val="tx1"/>
+              </a:solidFill>
+              <a:tailEnd type="triangle"/>
+            </a:ln>
+          </p:spPr>
+          <p:style>
+            <a:lnRef idx="1">
+              <a:schemeClr val="accent1"/>
+            </a:lnRef>
+            <a:fillRef idx="0">
+              <a:schemeClr val="accent1"/>
+            </a:fillRef>
+            <a:effectRef idx="0">
+              <a:schemeClr val="accent1"/>
+            </a:effectRef>
+            <a:fontRef idx="minor">
+              <a:schemeClr val="tx1"/>
+            </a:fontRef>
+          </p:style>
+        </p:cxnSp>
+      </p:grpSp>
+      <p:grpSp>
+        <p:nvGrpSpPr>
+          <p:cNvPr id="229" name="Group 228"/>
+          <p:cNvGrpSpPr/>
+          <p:nvPr/>
+        </p:nvGrpSpPr>
+        <p:grpSpPr>
+          <a:xfrm>
+            <a:off x="10431162" y="1034934"/>
+            <a:ext cx="1281165" cy="3493103"/>
+            <a:chOff x="8762125" y="1057856"/>
+            <a:chExt cx="1281165" cy="3493103"/>
+          </a:xfrm>
+        </p:grpSpPr>
+        <p:grpSp>
+          <p:nvGrpSpPr>
+            <p:cNvPr id="230" name="Group 229"/>
+            <p:cNvGrpSpPr/>
+            <p:nvPr/>
+          </p:nvGrpSpPr>
+          <p:grpSpPr>
+            <a:xfrm>
+              <a:off x="8762125" y="1057856"/>
+              <a:ext cx="1281165" cy="3187864"/>
+              <a:chOff x="5397398" y="1036932"/>
+              <a:chExt cx="1281165" cy="3187864"/>
+            </a:xfrm>
+          </p:grpSpPr>
+          <p:sp>
+            <p:nvSpPr>
+              <p:cNvPr id="234" name="Rounded Rectangle 233"/>
+              <p:cNvSpPr/>
+              <p:nvPr/>
+            </p:nvSpPr>
+            <p:spPr>
+              <a:xfrm>
+                <a:off x="5397398" y="2077109"/>
+                <a:ext cx="1281165" cy="347955"/>
+              </a:xfrm>
+              <a:prstGeom prst="roundRect">
+                <a:avLst/>
+              </a:prstGeom>
+              <a:solidFill>
+                <a:schemeClr val="accent3">
+                  <a:lumMod val="40000"/>
+                  <a:lumOff val="60000"/>
+                </a:schemeClr>
+              </a:solidFill>
+            </p:spPr>
+            <p:style>
+              <a:lnRef idx="2">
+                <a:schemeClr val="accent1">
+                  <a:shade val="50000"/>
+                </a:schemeClr>
+              </a:lnRef>
+              <a:fillRef idx="1">
+                <a:schemeClr val="accent1"/>
+              </a:fillRef>
+              <a:effectRef idx="0">
+                <a:schemeClr val="accent1"/>
+              </a:effectRef>
+              <a:fontRef idx="minor">
+                <a:schemeClr val="lt1"/>
+              </a:fontRef>
+            </p:style>
+            <p:txBody>
+              <a:bodyPr rtlCol="0" anchor="ctr"/>
+              <a:lstStyle/>
+              <a:p>
+                <a:pPr algn="ctr"/>
+                <a:r>
+                  <a:rPr lang="en-US" sz="1600" dirty="0" smtClean="0">
+                    <a:solidFill>
+                      <a:schemeClr val="tx1"/>
+                    </a:solidFill>
+                  </a:rPr>
+                  <a:t>Projection</a:t>
+                </a:r>
+                <a:endParaRPr lang="en-US" sz="1600" dirty="0">
+                  <a:solidFill>
+                    <a:schemeClr val="tx1"/>
+                  </a:solidFill>
+                </a:endParaRPr>
+              </a:p>
+            </p:txBody>
+          </p:sp>
+          <p:grpSp>
+            <p:nvGrpSpPr>
+              <p:cNvPr id="235" name="Group 234"/>
+              <p:cNvGrpSpPr/>
+              <p:nvPr/>
+            </p:nvGrpSpPr>
+            <p:grpSpPr>
+              <a:xfrm>
+                <a:off x="5397398" y="1036932"/>
+                <a:ext cx="1281165" cy="3187864"/>
+                <a:chOff x="5397398" y="1036932"/>
+                <a:chExt cx="1281165" cy="3187864"/>
+              </a:xfrm>
+            </p:grpSpPr>
+            <p:grpSp>
+              <p:nvGrpSpPr>
+                <p:cNvPr id="236" name="Group 235"/>
+                <p:cNvGrpSpPr/>
+                <p:nvPr/>
+              </p:nvGrpSpPr>
+              <p:grpSpPr>
+                <a:xfrm>
+                  <a:off x="5470550" y="1036932"/>
+                  <a:ext cx="1149314" cy="2472906"/>
+                  <a:chOff x="4419243" y="810451"/>
+                  <a:chExt cx="1149314" cy="2472906"/>
+                </a:xfrm>
+              </p:grpSpPr>
+              <p:sp>
+                <p:nvSpPr>
+                  <p:cNvPr id="239" name="Rounded Rectangle 238"/>
+                  <p:cNvSpPr/>
+                  <p:nvPr/>
+                </p:nvSpPr>
+                <p:spPr>
+                  <a:xfrm>
+                    <a:off x="4419243" y="2631108"/>
+                    <a:ext cx="1149314" cy="652249"/>
+                  </a:xfrm>
+                  <a:prstGeom prst="roundRect">
+                    <a:avLst/>
+                  </a:prstGeom>
+                  <a:solidFill>
+                    <a:srgbClr val="FFFF00">
+                      <a:alpha val="51000"/>
+                    </a:srgbClr>
+                  </a:solidFill>
+                </p:spPr>
+                <p:style>
+                  <a:lnRef idx="2">
+                    <a:schemeClr val="accent1">
+                      <a:shade val="50000"/>
+                    </a:schemeClr>
+                  </a:lnRef>
+                  <a:fillRef idx="1">
+                    <a:schemeClr val="accent1"/>
+                  </a:fillRef>
+                  <a:effectRef idx="0">
+                    <a:schemeClr val="accent1"/>
+                  </a:effectRef>
+                  <a:fontRef idx="minor">
+                    <a:schemeClr val="lt1"/>
+                  </a:fontRef>
+                </p:style>
+                <p:txBody>
+                  <a:bodyPr rtlCol="0" anchor="ctr"/>
+                  <a:lstStyle/>
+                  <a:p>
+                    <a:pPr algn="ctr"/>
+                    <a:r>
+                      <a:rPr lang="en-US" dirty="0" smtClean="0">
+                        <a:solidFill>
+                          <a:schemeClr val="tx1"/>
+                        </a:solidFill>
+                      </a:rPr>
+                      <a:t>RNN 2</a:t>
+                    </a:r>
+                    <a:endParaRPr lang="en-US" dirty="0">
+                      <a:solidFill>
+                        <a:schemeClr val="tx1"/>
+                      </a:solidFill>
+                    </a:endParaRPr>
+                  </a:p>
+                </p:txBody>
+              </p:sp>
+              <p:sp>
+                <p:nvSpPr>
+                  <p:cNvPr id="240" name="Oval 239"/>
+                  <p:cNvSpPr/>
+                  <p:nvPr/>
+                </p:nvSpPr>
+                <p:spPr>
+                  <a:xfrm>
+                    <a:off x="4709167" y="810451"/>
+                    <a:ext cx="611486" cy="607653"/>
+                  </a:xfrm>
+                  <a:prstGeom prst="ellipse">
+                    <a:avLst/>
+                  </a:prstGeom>
+                  <a:solidFill>
+                    <a:srgbClr val="FFC000"/>
+                  </a:solidFill>
+                </p:spPr>
+                <p:style>
+                  <a:lnRef idx="2">
+                    <a:schemeClr val="accent1">
+                      <a:shade val="50000"/>
+                    </a:schemeClr>
+                  </a:lnRef>
+                  <a:fillRef idx="1">
+                    <a:schemeClr val="accent1"/>
+                  </a:fillRef>
+                  <a:effectRef idx="0">
+                    <a:schemeClr val="accent1"/>
+                  </a:effectRef>
+                  <a:fontRef idx="minor">
+                    <a:schemeClr val="lt1"/>
+                  </a:fontRef>
+                </p:style>
+                <p:txBody>
+                  <a:bodyPr lIns="0" rIns="0" rtlCol="0" anchor="ctr"/>
+                  <a:lstStyle/>
+                  <a:p>
+                    <a:pPr algn="ctr"/>
+                    <a:r>
+                      <a:rPr lang="en-US" sz="1100" smtClean="0">
+                        <a:solidFill>
+                          <a:schemeClr val="tx1"/>
+                        </a:solidFill>
+                      </a:rPr>
+                      <a:t>rouges</a:t>
+                    </a:r>
+                    <a:endParaRPr lang="en-US" sz="1100" dirty="0">
+                      <a:solidFill>
+                        <a:schemeClr val="tx1"/>
+                      </a:solidFill>
+                    </a:endParaRPr>
+                  </a:p>
+                </p:txBody>
+              </p:sp>
+              <p:cxnSp>
+                <p:nvCxnSpPr>
+                  <p:cNvPr id="241" name="Straight Arrow Connector 240"/>
+                  <p:cNvCxnSpPr/>
+                  <p:nvPr/>
+                </p:nvCxnSpPr>
+                <p:spPr>
+                  <a:xfrm flipH="1" flipV="1">
+                    <a:off x="4986674" y="2198583"/>
+                    <a:ext cx="7226" cy="432525"/>
+                  </a:xfrm>
+                  <a:prstGeom prst="straightConnector1">
+                    <a:avLst/>
+                  </a:prstGeom>
+                  <a:ln w="28575">
+                    <a:solidFill>
+                      <a:schemeClr val="tx1"/>
+                    </a:solidFill>
+                    <a:tailEnd type="triangle"/>
+                  </a:ln>
+                </p:spPr>
+                <p:style>
+                  <a:lnRef idx="1">
+                    <a:schemeClr val="accent1"/>
+                  </a:lnRef>
+                  <a:fillRef idx="0">
+                    <a:schemeClr val="accent1"/>
+                  </a:fillRef>
+                  <a:effectRef idx="0">
+                    <a:schemeClr val="accent1"/>
+                  </a:effectRef>
+                  <a:fontRef idx="minor">
+                    <a:schemeClr val="tx1"/>
+                  </a:fontRef>
+                </p:style>
+              </p:cxnSp>
+            </p:grpSp>
+            <p:sp>
+              <p:nvSpPr>
+                <p:cNvPr id="237" name="Rounded Rectangle 236"/>
+                <p:cNvSpPr/>
+                <p:nvPr/>
+              </p:nvSpPr>
+              <p:spPr>
+                <a:xfrm>
+                  <a:off x="5397398" y="3876841"/>
+                  <a:ext cx="1281165" cy="347955"/>
+                </a:xfrm>
+                <a:prstGeom prst="roundRect">
+                  <a:avLst/>
+                </a:prstGeom>
+                <a:solidFill>
+                  <a:schemeClr val="accent6">
+                    <a:lumMod val="75000"/>
+                  </a:schemeClr>
+                </a:solidFill>
+              </p:spPr>
+              <p:style>
+                <a:lnRef idx="2">
+                  <a:schemeClr val="accent1">
+                    <a:shade val="50000"/>
+                  </a:schemeClr>
+                </a:lnRef>
+                <a:fillRef idx="1">
+                  <a:schemeClr val="accent1"/>
+                </a:fillRef>
+                <a:effectRef idx="0">
+                  <a:schemeClr val="accent1"/>
+                </a:effectRef>
+                <a:fontRef idx="minor">
+                  <a:schemeClr val="lt1"/>
+                </a:fontRef>
+              </p:style>
+              <p:txBody>
+                <a:bodyPr rtlCol="0" anchor="ctr"/>
+                <a:lstStyle/>
+                <a:p>
+                  <a:pPr algn="ctr"/>
+                  <a:r>
+                    <a:rPr lang="en-US" sz="1600" dirty="0" smtClean="0">
+                      <a:solidFill>
+                        <a:schemeClr val="bg1"/>
+                      </a:solidFill>
+                    </a:rPr>
+                    <a:t>Embedding</a:t>
+                  </a:r>
+                  <a:endParaRPr lang="en-US" sz="1600" dirty="0">
+                    <a:solidFill>
+                      <a:schemeClr val="bg1"/>
+                    </a:solidFill>
+                  </a:endParaRPr>
+                </a:p>
+              </p:txBody>
+            </p:sp>
+            <p:cxnSp>
+              <p:nvCxnSpPr>
+                <p:cNvPr id="238" name="Straight Arrow Connector 237"/>
+                <p:cNvCxnSpPr/>
+                <p:nvPr/>
+              </p:nvCxnSpPr>
+              <p:spPr>
+                <a:xfrm flipV="1">
+                  <a:off x="6037981" y="3509838"/>
+                  <a:ext cx="7226" cy="367003"/>
+                </a:xfrm>
+                <a:prstGeom prst="straightConnector1">
+                  <a:avLst/>
+                </a:prstGeom>
+                <a:ln w="31750">
+                  <a:solidFill>
+                    <a:schemeClr val="tx1"/>
+                  </a:solidFill>
+                  <a:tailEnd type="triangle"/>
+                </a:ln>
+              </p:spPr>
+              <p:style>
+                <a:lnRef idx="1">
+                  <a:schemeClr val="accent1"/>
+                </a:lnRef>
+                <a:fillRef idx="0">
+                  <a:schemeClr val="accent1"/>
+                </a:fillRef>
+                <a:effectRef idx="0">
+                  <a:schemeClr val="accent1"/>
+                </a:effectRef>
+                <a:fontRef idx="minor">
+                  <a:schemeClr val="tx1"/>
+                </a:fontRef>
+              </p:style>
+            </p:cxnSp>
+          </p:grpSp>
+        </p:grpSp>
+        <p:cxnSp>
+          <p:nvCxnSpPr>
+            <p:cNvPr id="232" name="Straight Arrow Connector 231"/>
+            <p:cNvCxnSpPr/>
+            <p:nvPr/>
+          </p:nvCxnSpPr>
+          <p:spPr>
+            <a:xfrm flipH="1" flipV="1">
+              <a:off x="9407311" y="4245720"/>
+              <a:ext cx="3613" cy="305239"/>
+            </a:xfrm>
+            <a:prstGeom prst="straightConnector1">
+              <a:avLst/>
+            </a:prstGeom>
+            <a:ln w="31750">
+              <a:solidFill>
+                <a:schemeClr val="tx1"/>
+              </a:solidFill>
+              <a:tailEnd type="triangle"/>
+            </a:ln>
+          </p:spPr>
+          <p:style>
+            <a:lnRef idx="1">
+              <a:schemeClr val="accent1"/>
+            </a:lnRef>
+            <a:fillRef idx="0">
+              <a:schemeClr val="accent1"/>
+            </a:fillRef>
+            <a:effectRef idx="0">
+              <a:schemeClr val="accent1"/>
+            </a:effectRef>
+            <a:fontRef idx="minor">
+              <a:schemeClr val="tx1"/>
+            </a:fontRef>
+          </p:style>
+        </p:cxnSp>
+      </p:grpSp>
+      <p:cxnSp>
+        <p:nvCxnSpPr>
+          <p:cNvPr id="242" name="Straight Arrow Connector 241"/>
+          <p:cNvCxnSpPr/>
+          <p:nvPr/>
+        </p:nvCxnSpPr>
+        <p:spPr>
+          <a:xfrm flipV="1">
+            <a:off x="11092348" y="1642587"/>
+            <a:ext cx="0" cy="432524"/>
+          </a:xfrm>
+          <a:prstGeom prst="straightConnector1">
+            <a:avLst/>
+          </a:prstGeom>
+          <a:ln w="28575">
+            <a:solidFill>
+              <a:schemeClr val="tx1"/>
+            </a:solidFill>
+            <a:tailEnd type="triangle"/>
+          </a:ln>
+        </p:spPr>
+        <p:style>
+          <a:lnRef idx="1">
+            <a:schemeClr val="accent1"/>
+          </a:lnRef>
+          <a:fillRef idx="0">
+            <a:schemeClr val="accent1"/>
+          </a:fillRef>
+          <a:effectRef idx="0">
+            <a:schemeClr val="accent1"/>
+          </a:effectRef>
+          <a:fontRef idx="minor">
+            <a:schemeClr val="tx1"/>
+          </a:fontRef>
+        </p:style>
+      </p:cxnSp>
+      <p:cxnSp>
+        <p:nvCxnSpPr>
+          <p:cNvPr id="246" name="Elbow Connector 245"/>
+          <p:cNvCxnSpPr>
+            <a:stCxn id="76" idx="6"/>
+          </p:cNvCxnSpPr>
+          <p:nvPr/>
+        </p:nvCxnSpPr>
+        <p:spPr>
+          <a:xfrm>
+            <a:off x="6315488" y="1340759"/>
+            <a:ext cx="1068691" cy="3534712"/>
+          </a:xfrm>
+          <a:prstGeom prst="bentConnector3">
+            <a:avLst>
+              <a:gd name="adj1" fmla="val 50000"/>
+            </a:avLst>
+          </a:prstGeom>
+          <a:ln>
+            <a:solidFill>
+              <a:schemeClr val="accent4"/>
+            </a:solidFill>
+            <a:prstDash val="dash"/>
+            <a:tailEnd type="triangle"/>
+          </a:ln>
+        </p:spPr>
+        <p:style>
+          <a:lnRef idx="1">
+            <a:schemeClr val="accent1"/>
+          </a:lnRef>
+          <a:fillRef idx="0">
+            <a:schemeClr val="accent1"/>
+          </a:fillRef>
+          <a:effectRef idx="0">
+            <a:schemeClr val="accent1"/>
+          </a:effectRef>
+          <a:fontRef idx="minor">
+            <a:schemeClr val="tx1"/>
+          </a:fontRef>
+        </p:style>
+      </p:cxnSp>
+      <p:cxnSp>
+        <p:nvCxnSpPr>
+          <p:cNvPr id="249" name="Elbow Connector 248"/>
+          <p:cNvCxnSpPr>
+            <a:stCxn id="190" idx="6"/>
+            <a:endCxn id="88" idx="2"/>
+          </p:cNvCxnSpPr>
+          <p:nvPr/>
+        </p:nvCxnSpPr>
+        <p:spPr>
+          <a:xfrm>
+            <a:off x="9680215" y="1361683"/>
+            <a:ext cx="1120976" cy="3490337"/>
+          </a:xfrm>
+          <a:prstGeom prst="bentConnector3">
+            <a:avLst>
+              <a:gd name="adj1" fmla="val 50000"/>
+            </a:avLst>
+          </a:prstGeom>
+          <a:ln>
+            <a:solidFill>
+              <a:schemeClr val="accent4"/>
+            </a:solidFill>
+            <a:prstDash val="dash"/>
+            <a:tailEnd type="triangle"/>
+          </a:ln>
+        </p:spPr>
+        <p:style>
+          <a:lnRef idx="1">
+            <a:schemeClr val="accent1"/>
+          </a:lnRef>
+          <a:fillRef idx="0">
+            <a:schemeClr val="accent1"/>
+          </a:fillRef>
+          <a:effectRef idx="0">
+            <a:schemeClr val="accent1"/>
+          </a:effectRef>
+          <a:fontRef idx="minor">
+            <a:schemeClr val="tx1"/>
+          </a:fontRef>
+        </p:style>
+      </p:cxnSp>
+      <p:cxnSp>
+        <p:nvCxnSpPr>
+          <p:cNvPr id="250" name="Elbow Connector 249"/>
+          <p:cNvCxnSpPr>
+            <a:stCxn id="179" idx="6"/>
+            <a:endCxn id="86" idx="2"/>
+          </p:cNvCxnSpPr>
+          <p:nvPr/>
+        </p:nvCxnSpPr>
+        <p:spPr>
+          <a:xfrm>
+            <a:off x="8070350" y="1335528"/>
+            <a:ext cx="968637" cy="3542270"/>
+          </a:xfrm>
+          <a:prstGeom prst="bentConnector3">
+            <a:avLst>
+              <a:gd name="adj1" fmla="val 50000"/>
+            </a:avLst>
+          </a:prstGeom>
+          <a:ln>
+            <a:solidFill>
+              <a:schemeClr val="accent4"/>
+            </a:solidFill>
+            <a:prstDash val="dash"/>
+            <a:tailEnd type="triangle"/>
+          </a:ln>
+        </p:spPr>
+        <p:style>
+          <a:lnRef idx="1">
+            <a:schemeClr val="accent1"/>
+          </a:lnRef>
+          <a:fillRef idx="0">
+            <a:schemeClr val="accent1"/>
+          </a:fillRef>
+          <a:effectRef idx="0">
+            <a:schemeClr val="accent1"/>
+          </a:effectRef>
+          <a:fontRef idx="minor">
+            <a:schemeClr val="tx1"/>
+          </a:fontRef>
+        </p:style>
+      </p:cxnSp>
+      <p:sp>
+        <p:nvSpPr>
+          <p:cNvPr id="81" name="TextBox 80"/>
+          <p:cNvSpPr txBox="1"/>
+          <p:nvPr/>
+        </p:nvSpPr>
+        <p:spPr>
+          <a:xfrm>
+            <a:off x="717773" y="3583861"/>
+            <a:ext cx="2627779" cy="461665"/>
+          </a:xfrm>
+          <a:prstGeom prst="rect">
+            <a:avLst/>
+          </a:prstGeom>
+          <a:noFill/>
+        </p:spPr>
+        <p:txBody>
+          <a:bodyPr wrap="square" rtlCol="0">
+            <a:spAutoFit/>
+          </a:bodyPr>
+          <a:lstStyle/>
+          <a:p>
+            <a:r>
+              <a:rPr lang="en-US" sz="2400" u="sng" dirty="0" smtClean="0">
+                <a:solidFill>
+                  <a:srgbClr val="7030A0"/>
+                </a:solidFill>
+              </a:rPr>
+              <a:t>ENCODER</a:t>
+            </a:r>
+            <a:endParaRPr lang="en-US" sz="2400" u="sng" dirty="0">
+              <a:solidFill>
+                <a:srgbClr val="7030A0"/>
+              </a:solidFill>
+            </a:endParaRPr>
+          </a:p>
+        </p:txBody>
+      </p:sp>
+      <p:sp>
+        <p:nvSpPr>
+          <p:cNvPr id="82" name="TextBox 81"/>
+          <p:cNvSpPr txBox="1"/>
+          <p:nvPr/>
+        </p:nvSpPr>
+        <p:spPr>
+          <a:xfrm>
+            <a:off x="8514494" y="5668923"/>
+            <a:ext cx="2627779" cy="461665"/>
+          </a:xfrm>
+          <a:prstGeom prst="rect">
+            <a:avLst/>
+          </a:prstGeom>
+          <a:noFill/>
+        </p:spPr>
+        <p:txBody>
+          <a:bodyPr wrap="square" rtlCol="0">
+            <a:spAutoFit/>
+          </a:bodyPr>
+          <a:lstStyle/>
+          <a:p>
+            <a:r>
+              <a:rPr lang="en-US" sz="2400" u="sng" dirty="0" smtClean="0">
+                <a:solidFill>
+                  <a:schemeClr val="accent5">
+                    <a:lumMod val="75000"/>
+                  </a:schemeClr>
+                </a:solidFill>
+              </a:rPr>
+              <a:t>DECODER</a:t>
+            </a:r>
+            <a:endParaRPr lang="en-US" sz="2400" u="sng" dirty="0">
+              <a:solidFill>
+                <a:schemeClr val="accent5">
+                  <a:lumMod val="75000"/>
+                </a:schemeClr>
+              </a:solidFill>
+            </a:endParaRPr>
+          </a:p>
+        </p:txBody>
+      </p:sp>
+      <p:sp>
+        <p:nvSpPr>
+          <p:cNvPr id="85" name="Oval 84"/>
+          <p:cNvSpPr/>
+          <p:nvPr/>
+        </p:nvSpPr>
+        <p:spPr>
+          <a:xfrm>
+            <a:off x="7390884" y="4580430"/>
+            <a:ext cx="555014" cy="607653"/>
+          </a:xfrm>
+          <a:prstGeom prst="ellipse">
+            <a:avLst/>
+          </a:prstGeom>
+          <a:solidFill>
+            <a:srgbClr val="FFC000"/>
+          </a:solidFill>
+        </p:spPr>
+        <p:style>
+          <a:lnRef idx="2">
+            <a:schemeClr val="accent1">
+              <a:shade val="50000"/>
+            </a:schemeClr>
+          </a:lnRef>
+          <a:fillRef idx="1">
+            <a:schemeClr val="accent1"/>
+          </a:fillRef>
+          <a:effectRef idx="0">
+            <a:schemeClr val="accent1"/>
+          </a:effectRef>
+          <a:fontRef idx="minor">
+            <a:schemeClr val="lt1"/>
+          </a:fontRef>
+        </p:style>
+        <p:txBody>
+          <a:bodyPr rtlCol="0" anchor="ctr"/>
+          <a:lstStyle/>
+          <a:p>
+            <a:pPr algn="ctr"/>
+            <a:endParaRPr lang="en-US" b="0" i="1" dirty="0" smtClean="0">
+              <a:solidFill>
+                <a:schemeClr val="tx1"/>
+              </a:solidFill>
+              <a:latin typeface="Cambria Math" charset="0"/>
+            </a:endParaRPr>
+          </a:p>
+          <a:p>
+            <a:pPr algn="ctr"/>
+            <a:r>
+              <a:rPr lang="en-US" sz="1100" b="0" dirty="0" smtClean="0">
+                <a:solidFill>
+                  <a:schemeClr val="tx1"/>
+                </a:solidFill>
+              </a:rPr>
+              <a:t>les</a:t>
+            </a:r>
+            <a:endParaRPr lang="en-US" sz="1100" b="0" dirty="0" smtClean="0">
+              <a:solidFill>
+                <a:schemeClr val="tx1"/>
+              </a:solidFill>
+            </a:endParaRPr>
+          </a:p>
+          <a:p>
+            <a:pPr algn="ctr"/>
+            <a:endParaRPr lang="en-US" dirty="0">
+              <a:solidFill>
+                <a:schemeClr val="tx1"/>
+              </a:solidFill>
+            </a:endParaRPr>
+          </a:p>
+        </p:txBody>
+      </p:sp>
+      <p:sp>
+        <p:nvSpPr>
+          <p:cNvPr id="86" name="Oval 85"/>
+          <p:cNvSpPr/>
+          <p:nvPr/>
+        </p:nvSpPr>
+        <p:spPr>
+          <a:xfrm>
+            <a:off x="9038987" y="4573971"/>
+            <a:ext cx="684133" cy="607653"/>
+          </a:xfrm>
+          <a:prstGeom prst="ellipse">
+            <a:avLst/>
+          </a:prstGeom>
+          <a:solidFill>
+            <a:srgbClr val="FFC000"/>
+          </a:solidFill>
+        </p:spPr>
+        <p:style>
+          <a:lnRef idx="2">
+            <a:schemeClr val="accent1">
+              <a:shade val="50000"/>
+            </a:schemeClr>
+          </a:lnRef>
+          <a:fillRef idx="1">
+            <a:schemeClr val="accent1"/>
+          </a:fillRef>
+          <a:effectRef idx="0">
+            <a:schemeClr val="accent1"/>
+          </a:effectRef>
+          <a:fontRef idx="minor">
+            <a:schemeClr val="lt1"/>
+          </a:fontRef>
+        </p:style>
+        <p:txBody>
+          <a:bodyPr lIns="0" tIns="0" rIns="0" bIns="0" rtlCol="0" anchor="ctr">
+            <a:normAutofit fontScale="92500"/>
+          </a:bodyPr>
+          <a:lstStyle/>
+          <a:p>
+            <a:pPr algn="ctr"/>
+            <a:endParaRPr lang="en-US" b="0" i="1" dirty="0" smtClean="0">
+              <a:solidFill>
+                <a:schemeClr val="tx1"/>
+              </a:solidFill>
+              <a:latin typeface="Cambria Math" charset="0"/>
+            </a:endParaRPr>
+          </a:p>
+          <a:p>
+            <a:pPr algn="ctr"/>
+            <a:r>
+              <a:rPr lang="en-US" sz="1100" b="0" dirty="0" smtClean="0">
+                <a:solidFill>
+                  <a:schemeClr val="tx1"/>
+                </a:solidFill>
+              </a:rPr>
+              <a:t>pommes</a:t>
+            </a:r>
+            <a:endParaRPr lang="en-US" sz="1100" b="0" dirty="0" smtClean="0">
+              <a:solidFill>
+                <a:schemeClr val="tx1"/>
+              </a:solidFill>
+            </a:endParaRPr>
+          </a:p>
+          <a:p>
+            <a:pPr algn="ctr"/>
+            <a:endParaRPr lang="en-US" dirty="0">
+              <a:solidFill>
+                <a:schemeClr val="tx1"/>
+              </a:solidFill>
+            </a:endParaRPr>
+          </a:p>
+        </p:txBody>
+      </p:sp>
+      <p:sp>
+        <p:nvSpPr>
+          <p:cNvPr id="88" name="Oval 87"/>
+          <p:cNvSpPr/>
+          <p:nvPr/>
+        </p:nvSpPr>
+        <p:spPr>
+          <a:xfrm>
+            <a:off x="10801191" y="4548193"/>
+            <a:ext cx="555014" cy="607653"/>
+          </a:xfrm>
+          <a:prstGeom prst="ellipse">
+            <a:avLst/>
+          </a:prstGeom>
+          <a:solidFill>
+            <a:srgbClr val="FFC000"/>
+          </a:solidFill>
+        </p:spPr>
+        <p:style>
+          <a:lnRef idx="2">
+            <a:schemeClr val="accent1">
+              <a:shade val="50000"/>
+            </a:schemeClr>
+          </a:lnRef>
+          <a:fillRef idx="1">
+            <a:schemeClr val="accent1"/>
+          </a:fillRef>
+          <a:effectRef idx="0">
+            <a:schemeClr val="accent1"/>
+          </a:effectRef>
+          <a:fontRef idx="minor">
+            <a:schemeClr val="lt1"/>
+          </a:fontRef>
+        </p:style>
+        <p:txBody>
+          <a:bodyPr lIns="0" tIns="0" rIns="0" rtlCol="0" anchor="ctr"/>
+          <a:lstStyle/>
+          <a:p>
+            <a:pPr algn="ctr"/>
+            <a:r>
+              <a:rPr lang="en-US" sz="1100" dirty="0" smtClean="0">
+                <a:solidFill>
+                  <a:schemeClr val="tx1"/>
+                </a:solidFill>
+              </a:rPr>
+              <a:t>sont</a:t>
+            </a:r>
+            <a:endParaRPr lang="en-US" sz="1100" dirty="0">
+              <a:solidFill>
+                <a:schemeClr val="tx1"/>
+              </a:solidFill>
+            </a:endParaRPr>
+          </a:p>
+        </p:txBody>
+      </p:sp>
+    </p:spTree>
+    <p:extLst>
+      <p:ext uri="{BB962C8B-B14F-4D97-AF65-F5344CB8AC3E}">
+        <p14:creationId xmlns:p14="http://schemas.microsoft.com/office/powerpoint/2010/main" val="1660782004"/>
+      </p:ext>
+    </p:extLst>
+  </p:cSld>
+  <p:clrMapOvr>
+    <a:masterClrMapping/>
+  </p:clrMapOvr>
+  <p:timing>
+    <p:tnLst>
+      <p:par>
+        <p:cTn id="1" dur="indefinite" restart="never" nodeType="tmRoot"/>
+      </p:par>
+    </p:tnLst>
+  </p:timing>
+</p:sld>
+</file>
+
+<file path=ppt/slides/slide13.xml><?xml version="1.0" encoding="utf-8"?>
+<p:sld xmlns:a="http://schemas.openxmlformats.org/drawingml/2006/main" xmlns:r="http://schemas.openxmlformats.org/officeDocument/2006/relationships" xmlns:p="http://schemas.openxmlformats.org/presentationml/2006/main" showMasterSp="0">
+  <p:cSld>
+    <p:spTree>
+      <p:nvGrpSpPr>
+        <p:cNvPr id="1" name=""/>
+        <p:cNvGrpSpPr/>
+        <p:nvPr/>
+      </p:nvGrpSpPr>
+      <p:grpSpPr>
+        <a:xfrm>
+          <a:off x="0" y="0"/>
+          <a:ext cx="0" cy="0"/>
+          <a:chOff x="0" y="0"/>
+          <a:chExt cx="0" cy="0"/>
+        </a:xfrm>
+      </p:grpSpPr>
+      <p:sp>
+        <p:nvSpPr>
+          <p:cNvPr id="2" name="Title 1"/>
+          <p:cNvSpPr>
+            <a:spLocks noGrp="1"/>
+          </p:cNvSpPr>
+          <p:nvPr>
+            <p:ph type="title"/>
+          </p:nvPr>
+        </p:nvSpPr>
+        <p:spPr/>
+        <p:txBody>
+          <a:bodyPr/>
+          <a:lstStyle/>
+          <a:p>
+            <a:r>
+              <a:rPr lang="en-US" dirty="0" smtClean="0"/>
+              <a:t>Teacher Forcing- Making Training Better</a:t>
+            </a:r>
+            <a:endParaRPr lang="en-US" dirty="0"/>
+          </a:p>
+        </p:txBody>
+      </p:sp>
+      <p:sp>
+        <p:nvSpPr>
+          <p:cNvPr id="3" name="Content Placeholder 2"/>
+          <p:cNvSpPr>
+            <a:spLocks noGrp="1"/>
+          </p:cNvSpPr>
+          <p:nvPr>
+            <p:ph idx="1"/>
+          </p:nvPr>
+        </p:nvSpPr>
+        <p:spPr/>
+        <p:txBody>
+          <a:bodyPr/>
+          <a:lstStyle/>
+          <a:p>
+            <a:r>
+              <a:rPr lang="en-US" dirty="0" smtClean="0"/>
+              <a:t>In the earlier slide we saw that  in the Decoder, we use the predictions of previous time step as inputs of the current timestep</a:t>
+            </a:r>
+          </a:p>
+          <a:p>
+            <a:r>
+              <a:rPr lang="en-US" dirty="0" smtClean="0"/>
+              <a:t>However this is usually not ideal for training,</a:t>
+            </a:r>
+          </a:p>
+          <a:p>
+            <a:pPr lvl="1"/>
+            <a:r>
+              <a:rPr lang="en-US" dirty="0"/>
+              <a:t>O</a:t>
+            </a:r>
+            <a:r>
+              <a:rPr lang="en-US" dirty="0" smtClean="0"/>
+              <a:t>ne error in the middle can make the rest of the training sequence meaningless as we will be learning based on the wrong sequence after that</a:t>
+            </a:r>
+          </a:p>
+          <a:p>
+            <a:r>
+              <a:rPr lang="en-US" dirty="0" smtClean="0"/>
+              <a:t>The usual solution is teacher forcing</a:t>
+            </a:r>
+          </a:p>
+          <a:p>
+            <a:pPr lvl="1"/>
+            <a:r>
+              <a:rPr lang="en-US" dirty="0" smtClean="0"/>
+              <a:t>During training we instead use the actual elements of the output sequence as inputs to the Decoder</a:t>
+            </a:r>
+          </a:p>
+          <a:p>
+            <a:pPr lvl="1"/>
+            <a:r>
+              <a:rPr lang="en-US" dirty="0" smtClean="0"/>
+              <a:t>During Inference however since we don’t have access to the actual outputs, we revert to the non-teacher forced approach.</a:t>
+            </a:r>
+          </a:p>
+          <a:p>
+            <a:r>
+              <a:rPr lang="en-US" dirty="0" smtClean="0"/>
+              <a:t>Can dramatically speed up training, especially initially</a:t>
+            </a:r>
+            <a:endParaRPr lang="en-US" dirty="0"/>
+          </a:p>
+        </p:txBody>
+      </p:sp>
+    </p:spTree>
+    <p:extLst>
+      <p:ext uri="{BB962C8B-B14F-4D97-AF65-F5344CB8AC3E}">
+        <p14:creationId xmlns:p14="http://schemas.microsoft.com/office/powerpoint/2010/main" val="1284155799"/>
+      </p:ext>
+    </p:extLst>
+  </p:cSld>
+  <p:clrMapOvr>
+    <a:masterClrMapping/>
+  </p:clrMapOvr>
+  <p:timing>
+    <p:tnLst>
+      <p:par>
+        <p:cTn id="1" dur="indefinite" restart="never" nodeType="tmRoot"/>
+      </p:par>
+    </p:tnLst>
+  </p:timing>
+</p:sld>
+</file>
+
+<file path=ppt/slides/slide14.xml><?xml version="1.0" encoding="utf-8"?>
+<p:sld xmlns:a="http://schemas.openxmlformats.org/drawingml/2006/main" xmlns:r="http://schemas.openxmlformats.org/officeDocument/2006/relationships" xmlns:p="http://schemas.openxmlformats.org/presentationml/2006/main" showMasterSp="0">
+  <p:cSld>
+    <p:spTree>
+      <p:nvGrpSpPr>
+        <p:cNvPr id="1" name=""/>
+        <p:cNvGrpSpPr/>
+        <p:nvPr/>
+      </p:nvGrpSpPr>
+      <p:grpSpPr>
+        <a:xfrm>
+          <a:off x="0" y="0"/>
+          <a:ext cx="0" cy="0"/>
+          <a:chOff x="0" y="0"/>
+          <a:chExt cx="0" cy="0"/>
+        </a:xfrm>
+      </p:grpSpPr>
+      <p:sp>
+        <p:nvSpPr>
+          <p:cNvPr id="2" name="Title 1"/>
+          <p:cNvSpPr>
+            <a:spLocks noGrp="1"/>
+          </p:cNvSpPr>
+          <p:nvPr>
+            <p:ph type="title"/>
+          </p:nvPr>
+        </p:nvSpPr>
+        <p:spPr>
+          <a:xfrm>
+            <a:off x="523464" y="323785"/>
+            <a:ext cx="11480467" cy="1320800"/>
+          </a:xfrm>
+        </p:spPr>
+        <p:txBody>
+          <a:bodyPr>
+            <a:normAutofit/>
+          </a:bodyPr>
+          <a:lstStyle/>
+          <a:p>
+            <a:r>
+              <a:rPr lang="en-US" dirty="0" smtClean="0"/>
+              <a:t>Teacher Forcing in Detail</a:t>
+            </a:r>
+            <a:endParaRPr lang="en-US" dirty="0"/>
+          </a:p>
+        </p:txBody>
+      </p:sp>
+      <p:cxnSp>
+        <p:nvCxnSpPr>
+          <p:cNvPr id="24" name="Straight Arrow Connector 23"/>
+          <p:cNvCxnSpPr>
+            <a:stCxn id="25" idx="3"/>
+          </p:cNvCxnSpPr>
+          <p:nvPr/>
+        </p:nvCxnSpPr>
+        <p:spPr>
+          <a:xfrm flipV="1">
+            <a:off x="1760637" y="4591129"/>
+            <a:ext cx="518318" cy="4876"/>
+          </a:xfrm>
+          <a:prstGeom prst="straightConnector1">
+            <a:avLst/>
+          </a:prstGeom>
+          <a:ln w="31750">
+            <a:solidFill>
+              <a:schemeClr val="tx1"/>
+            </a:solidFill>
+            <a:tailEnd type="triangle"/>
+          </a:ln>
+        </p:spPr>
+        <p:style>
+          <a:lnRef idx="1">
+            <a:schemeClr val="accent1"/>
+          </a:lnRef>
+          <a:fillRef idx="0">
+            <a:schemeClr val="accent1"/>
+          </a:fillRef>
+          <a:effectRef idx="0">
+            <a:schemeClr val="accent1"/>
+          </a:effectRef>
+          <a:fontRef idx="minor">
+            <a:schemeClr val="tx1"/>
+          </a:fontRef>
+        </p:style>
+      </p:cxnSp>
+      <p:sp>
+        <p:nvSpPr>
+          <p:cNvPr id="25" name="Rounded Rectangle 24"/>
+          <p:cNvSpPr/>
+          <p:nvPr/>
+        </p:nvSpPr>
+        <p:spPr>
+          <a:xfrm>
+            <a:off x="694040" y="4269880"/>
+            <a:ext cx="1066597" cy="652249"/>
+          </a:xfrm>
+          <a:prstGeom prst="roundRect">
+            <a:avLst/>
+          </a:prstGeom>
+          <a:solidFill>
+            <a:srgbClr val="00B0F0">
+              <a:alpha val="51000"/>
+            </a:srgbClr>
+          </a:solidFill>
+        </p:spPr>
+        <p:style>
+          <a:lnRef idx="2">
+            <a:schemeClr val="accent1">
+              <a:shade val="50000"/>
+            </a:schemeClr>
+          </a:lnRef>
+          <a:fillRef idx="1">
+            <a:schemeClr val="accent1"/>
+          </a:fillRef>
+          <a:effectRef idx="0">
+            <a:schemeClr val="accent1"/>
+          </a:effectRef>
+          <a:fontRef idx="minor">
+            <a:schemeClr val="lt1"/>
+          </a:fontRef>
+        </p:style>
+        <p:txBody>
+          <a:bodyPr rtlCol="0" anchor="ctr"/>
+          <a:lstStyle/>
+          <a:p>
+            <a:pPr algn="ctr"/>
+            <a:r>
+              <a:rPr lang="en-US" smtClean="0">
+                <a:solidFill>
+                  <a:schemeClr val="tx1"/>
+                </a:solidFill>
+              </a:rPr>
+              <a:t>RNN 1</a:t>
+            </a:r>
+            <a:endParaRPr lang="en-US" dirty="0">
+              <a:solidFill>
+                <a:schemeClr val="tx1"/>
+              </a:solidFill>
+            </a:endParaRPr>
+          </a:p>
+        </p:txBody>
+      </p:sp>
+      <mc:AlternateContent xmlns:mc="http://schemas.openxmlformats.org/markup-compatibility/2006" xmlns:a14="http://schemas.microsoft.com/office/drawing/2010/main">
+        <mc:Choice Requires="a14">
+          <p:sp>
+            <p:nvSpPr>
+              <p:cNvPr id="26" name="Oval 25"/>
+              <p:cNvSpPr/>
+              <p:nvPr/>
+            </p:nvSpPr>
+            <p:spPr>
+              <a:xfrm>
+                <a:off x="941277" y="5899757"/>
+                <a:ext cx="572121" cy="652249"/>
+              </a:xfrm>
+              <a:prstGeom prst="ellipse">
+                <a:avLst/>
+              </a:prstGeom>
+            </p:spPr>
+            <p:style>
+              <a:lnRef idx="2">
+                <a:schemeClr val="accent1">
+                  <a:shade val="50000"/>
+                </a:schemeClr>
+              </a:lnRef>
+              <a:fillRef idx="1">
+                <a:schemeClr val="accent1"/>
+              </a:fillRef>
+              <a:effectRef idx="0">
+                <a:schemeClr val="accent1"/>
+              </a:effectRef>
+              <a:fontRef idx="minor">
+                <a:schemeClr val="lt1"/>
+              </a:fontRef>
+            </p:style>
+            <p:txBody>
+              <a:bodyPr rtlCol="0" anchor="ctr"/>
+              <a:lstStyle/>
+              <a:p>
+                <a:pPr algn="ctr"/>
+                <a:endParaRPr lang="en-US" b="0" i="1" dirty="0" smtClean="0">
+                  <a:latin typeface="Cambria Math" charset="0"/>
+                </a:endParaRPr>
+              </a:p>
+              <a:p>
+                <a:pPr algn="ctr"/>
+                <a14:m>
+                  <m:oMathPara xmlns:m="http://schemas.openxmlformats.org/officeDocument/2006/math">
+                    <m:oMathParaPr>
+                      <m:jc m:val="centerGroup"/>
+                    </m:oMathParaPr>
+                    <m:oMath xmlns:m="http://schemas.openxmlformats.org/officeDocument/2006/math">
+                      <m:sSub>
+                        <m:sSubPr>
+                          <m:ctrlPr>
+                            <a:rPr lang="en-US" b="0" i="1" smtClean="0">
+                              <a:solidFill>
+                                <a:schemeClr val="tx1"/>
+                              </a:solidFill>
+                              <a:latin typeface="Cambria Math" charset="0"/>
+                            </a:rPr>
+                          </m:ctrlPr>
+                        </m:sSubPr>
+                        <m:e>
+                          <m:r>
+                            <a:rPr lang="en-US" b="0" i="1" smtClean="0">
+                              <a:solidFill>
+                                <a:schemeClr val="tx1"/>
+                              </a:solidFill>
+                              <a:latin typeface="Cambria Math" charset="0"/>
+                            </a:rPr>
+                            <m:t>𝑥</m:t>
+                          </m:r>
+                        </m:e>
+                        <m:sub>
+                          <m:r>
+                            <a:rPr lang="en-US" b="0" i="1" smtClean="0">
+                              <a:solidFill>
+                                <a:schemeClr val="tx1"/>
+                              </a:solidFill>
+                              <a:latin typeface="Cambria Math" charset="0"/>
+                            </a:rPr>
+                            <m:t>0</m:t>
+                          </m:r>
+                        </m:sub>
+                      </m:sSub>
+                    </m:oMath>
+                  </m:oMathPara>
+                </a14:m>
+                <a:endParaRPr lang="en-US" b="0" dirty="0" smtClean="0"/>
+              </a:p>
+              <a:p>
+                <a:pPr algn="ctr"/>
+                <a:endParaRPr lang="en-US" dirty="0"/>
+              </a:p>
+            </p:txBody>
+          </p:sp>
+        </mc:Choice>
+        <mc:Fallback xmlns="">
+          <p:sp>
+            <p:nvSpPr>
+              <p:cNvPr id="26" name="Oval 25"/>
+              <p:cNvSpPr>
+                <a:spLocks noRot="1" noChangeAspect="1" noMove="1" noResize="1" noEditPoints="1" noAdjustHandles="1" noChangeArrowheads="1" noChangeShapeType="1" noTextEdit="1"/>
+              </p:cNvSpPr>
+              <p:nvPr/>
+            </p:nvSpPr>
+            <p:spPr>
+              <a:xfrm>
+                <a:off x="941277" y="5899757"/>
+                <a:ext cx="572121" cy="652249"/>
+              </a:xfrm>
+              <a:prstGeom prst="ellipse">
+                <a:avLst/>
+              </a:prstGeom>
+              <a:blipFill rotWithShape="0">
+                <a:blip r:embed="rId2"/>
+                <a:stretch>
+                  <a:fillRect/>
+                </a:stretch>
+              </a:blipFill>
+            </p:spPr>
+            <p:txBody>
+              <a:bodyPr/>
+              <a:lstStyle/>
+              <a:p>
+                <a:r>
+                  <a:rPr lang="en-US">
+                    <a:noFill/>
+                  </a:rPr>
+                  <a:t> </a:t>
+                </a:r>
+              </a:p>
+            </p:txBody>
+          </p:sp>
+        </mc:Fallback>
+      </mc:AlternateContent>
+      <p:cxnSp>
+        <p:nvCxnSpPr>
+          <p:cNvPr id="28" name="Straight Arrow Connector 27"/>
+          <p:cNvCxnSpPr/>
+          <p:nvPr/>
+        </p:nvCxnSpPr>
+        <p:spPr>
+          <a:xfrm flipV="1">
+            <a:off x="1227339" y="4922129"/>
+            <a:ext cx="4269" cy="328093"/>
+          </a:xfrm>
+          <a:prstGeom prst="straightConnector1">
+            <a:avLst/>
+          </a:prstGeom>
+          <a:ln w="31750">
+            <a:solidFill>
+              <a:schemeClr val="tx1"/>
+            </a:solidFill>
+            <a:tailEnd type="triangle"/>
+          </a:ln>
+        </p:spPr>
+        <p:style>
+          <a:lnRef idx="1">
+            <a:schemeClr val="accent1"/>
+          </a:lnRef>
+          <a:fillRef idx="0">
+            <a:schemeClr val="accent1"/>
+          </a:fillRef>
+          <a:effectRef idx="0">
+            <a:schemeClr val="accent1"/>
+          </a:effectRef>
+          <a:fontRef idx="minor">
+            <a:schemeClr val="tx1"/>
+          </a:fontRef>
+        </p:style>
+      </p:cxnSp>
+      <p:cxnSp>
+        <p:nvCxnSpPr>
+          <p:cNvPr id="36" name="Straight Arrow Connector 35"/>
+          <p:cNvCxnSpPr/>
+          <p:nvPr/>
+        </p:nvCxnSpPr>
+        <p:spPr>
+          <a:xfrm flipV="1">
+            <a:off x="3364093" y="4591129"/>
+            <a:ext cx="518318" cy="4877"/>
+          </a:xfrm>
+          <a:prstGeom prst="straightConnector1">
+            <a:avLst/>
+          </a:prstGeom>
+          <a:ln w="31750">
+            <a:solidFill>
+              <a:schemeClr val="tx1"/>
+            </a:solidFill>
+            <a:tailEnd type="triangle"/>
+          </a:ln>
+        </p:spPr>
+        <p:style>
+          <a:lnRef idx="1">
+            <a:schemeClr val="accent1"/>
+          </a:lnRef>
+          <a:fillRef idx="0">
+            <a:schemeClr val="accent1"/>
+          </a:fillRef>
+          <a:effectRef idx="0">
+            <a:schemeClr val="accent1"/>
+          </a:effectRef>
+          <a:fontRef idx="minor">
+            <a:schemeClr val="tx1"/>
+          </a:fontRef>
+        </p:style>
+      </p:cxnSp>
+      <mc:AlternateContent xmlns:mc="http://schemas.openxmlformats.org/markup-compatibility/2006" xmlns:a14="http://schemas.microsoft.com/office/drawing/2010/main">
+        <mc:Choice Requires="a14">
+          <p:sp>
+            <p:nvSpPr>
+              <p:cNvPr id="38" name="Oval 37"/>
+              <p:cNvSpPr/>
+              <p:nvPr/>
+            </p:nvSpPr>
+            <p:spPr>
+              <a:xfrm>
+                <a:off x="2595418" y="5905377"/>
+                <a:ext cx="572121" cy="652249"/>
+              </a:xfrm>
+              <a:prstGeom prst="ellipse">
+                <a:avLst/>
+              </a:prstGeom>
+            </p:spPr>
+            <p:style>
+              <a:lnRef idx="2">
+                <a:schemeClr val="accent1">
+                  <a:shade val="50000"/>
+                </a:schemeClr>
+              </a:lnRef>
+              <a:fillRef idx="1">
+                <a:schemeClr val="accent1"/>
+              </a:fillRef>
+              <a:effectRef idx="0">
+                <a:schemeClr val="accent1"/>
+              </a:effectRef>
+              <a:fontRef idx="minor">
+                <a:schemeClr val="lt1"/>
+              </a:fontRef>
+            </p:style>
+            <p:txBody>
+              <a:bodyPr rtlCol="0" anchor="ctr"/>
+              <a:lstStyle/>
+              <a:p>
+                <a:pPr algn="ctr"/>
+                <a:endParaRPr lang="en-US" b="0" i="1" dirty="0" smtClean="0">
+                  <a:latin typeface="Cambria Math" charset="0"/>
+                </a:endParaRPr>
+              </a:p>
+              <a:p>
+                <a:pPr algn="ctr"/>
+                <a14:m>
+                  <m:oMathPara xmlns:m="http://schemas.openxmlformats.org/officeDocument/2006/math">
+                    <m:oMathParaPr>
+                      <m:jc m:val="centerGroup"/>
+                    </m:oMathParaPr>
+                    <m:oMath xmlns:m="http://schemas.openxmlformats.org/officeDocument/2006/math">
+                      <m:sSub>
+                        <m:sSubPr>
+                          <m:ctrlPr>
+                            <a:rPr lang="en-US" b="0" i="1" smtClean="0">
+                              <a:solidFill>
+                                <a:schemeClr val="tx1"/>
+                              </a:solidFill>
+                              <a:latin typeface="Cambria Math" charset="0"/>
+                            </a:rPr>
+                          </m:ctrlPr>
+                        </m:sSubPr>
+                        <m:e>
+                          <m:r>
+                            <a:rPr lang="en-US" b="0" i="1" smtClean="0">
+                              <a:solidFill>
+                                <a:schemeClr val="tx1"/>
+                              </a:solidFill>
+                              <a:latin typeface="Cambria Math" charset="0"/>
+                            </a:rPr>
+                            <m:t>𝑥</m:t>
+                          </m:r>
+                        </m:e>
+                        <m:sub>
+                          <m:r>
+                            <a:rPr lang="en-US" b="0" i="1" smtClean="0">
+                              <a:solidFill>
+                                <a:schemeClr val="tx1"/>
+                              </a:solidFill>
+                              <a:latin typeface="Cambria Math" charset="0"/>
+                            </a:rPr>
+                            <m:t>1</m:t>
+                          </m:r>
+                        </m:sub>
+                      </m:sSub>
+                    </m:oMath>
+                  </m:oMathPara>
+                </a14:m>
+                <a:endParaRPr lang="en-US" b="0" dirty="0" smtClean="0"/>
+              </a:p>
+              <a:p>
+                <a:pPr algn="ctr"/>
+                <a:endParaRPr lang="en-US" dirty="0"/>
+              </a:p>
+            </p:txBody>
+          </p:sp>
+        </mc:Choice>
+        <mc:Fallback xmlns="">
+          <p:sp>
+            <p:nvSpPr>
+              <p:cNvPr id="38" name="Oval 37"/>
+              <p:cNvSpPr>
+                <a:spLocks noRot="1" noChangeAspect="1" noMove="1" noResize="1" noEditPoints="1" noAdjustHandles="1" noChangeArrowheads="1" noChangeShapeType="1" noTextEdit="1"/>
+              </p:cNvSpPr>
+              <p:nvPr/>
+            </p:nvSpPr>
+            <p:spPr>
+              <a:xfrm>
+                <a:off x="2595418" y="5905377"/>
+                <a:ext cx="572121" cy="652249"/>
+              </a:xfrm>
+              <a:prstGeom prst="ellipse">
+                <a:avLst/>
+              </a:prstGeom>
+              <a:blipFill rotWithShape="0">
+                <a:blip r:embed="rId3"/>
+                <a:stretch>
+                  <a:fillRect/>
+                </a:stretch>
+              </a:blipFill>
+            </p:spPr>
+            <p:txBody>
+              <a:bodyPr/>
+              <a:lstStyle/>
+              <a:p>
+                <a:r>
+                  <a:rPr lang="en-US">
+                    <a:noFill/>
+                  </a:rPr>
+                  <a:t> </a:t>
+                </a:r>
+              </a:p>
+            </p:txBody>
+          </p:sp>
+        </mc:Fallback>
+      </mc:AlternateContent>
+      <p:cxnSp>
+        <p:nvCxnSpPr>
+          <p:cNvPr id="39" name="Straight Arrow Connector 38"/>
+          <p:cNvCxnSpPr/>
+          <p:nvPr/>
+        </p:nvCxnSpPr>
+        <p:spPr>
+          <a:xfrm flipV="1">
+            <a:off x="2868070" y="4901281"/>
+            <a:ext cx="4269" cy="328093"/>
+          </a:xfrm>
+          <a:prstGeom prst="straightConnector1">
+            <a:avLst/>
+          </a:prstGeom>
+          <a:ln w="31750">
+            <a:solidFill>
+              <a:schemeClr val="tx1"/>
+            </a:solidFill>
+            <a:tailEnd type="triangle"/>
+          </a:ln>
+        </p:spPr>
+        <p:style>
+          <a:lnRef idx="1">
+            <a:schemeClr val="accent1"/>
+          </a:lnRef>
+          <a:fillRef idx="0">
+            <a:schemeClr val="accent1"/>
+          </a:fillRef>
+          <a:effectRef idx="0">
+            <a:schemeClr val="accent1"/>
+          </a:effectRef>
+          <a:fontRef idx="minor">
+            <a:schemeClr val="tx1"/>
+          </a:fontRef>
+        </p:style>
+      </p:cxnSp>
+      <mc:AlternateContent xmlns:mc="http://schemas.openxmlformats.org/markup-compatibility/2006" xmlns:a14="http://schemas.microsoft.com/office/drawing/2010/main">
+        <mc:Choice Requires="a14">
+          <p:sp>
+            <p:nvSpPr>
+              <p:cNvPr id="43" name="Oval 42"/>
+              <p:cNvSpPr/>
+              <p:nvPr/>
+            </p:nvSpPr>
+            <p:spPr>
+              <a:xfrm>
+                <a:off x="4148187" y="5899756"/>
+                <a:ext cx="572123" cy="652249"/>
+              </a:xfrm>
+              <a:prstGeom prst="ellipse">
+                <a:avLst/>
+              </a:prstGeom>
+            </p:spPr>
+            <p:style>
+              <a:lnRef idx="2">
+                <a:schemeClr val="accent1">
+                  <a:shade val="50000"/>
+                </a:schemeClr>
+              </a:lnRef>
+              <a:fillRef idx="1">
+                <a:schemeClr val="accent1"/>
+              </a:fillRef>
+              <a:effectRef idx="0">
+                <a:schemeClr val="accent1"/>
+              </a:effectRef>
+              <a:fontRef idx="minor">
+                <a:schemeClr val="lt1"/>
+              </a:fontRef>
+            </p:style>
+            <p:txBody>
+              <a:bodyPr rtlCol="0" anchor="ctr"/>
+              <a:lstStyle/>
+              <a:p>
+                <a:pPr algn="ctr"/>
+                <a:endParaRPr lang="en-US" b="0" i="1" dirty="0" smtClean="0">
+                  <a:latin typeface="Cambria Math" charset="0"/>
+                </a:endParaRPr>
+              </a:p>
+              <a:p>
+                <a:pPr algn="ctr"/>
+                <a14:m>
+                  <m:oMathPara xmlns:m="http://schemas.openxmlformats.org/officeDocument/2006/math">
+                    <m:oMathParaPr>
+                      <m:jc m:val="centerGroup"/>
+                    </m:oMathParaPr>
+                    <m:oMath xmlns:m="http://schemas.openxmlformats.org/officeDocument/2006/math">
+                      <m:sSub>
+                        <m:sSubPr>
+                          <m:ctrlPr>
+                            <a:rPr lang="en-US" b="0" i="1" smtClean="0">
+                              <a:solidFill>
+                                <a:schemeClr val="tx1"/>
+                              </a:solidFill>
+                              <a:latin typeface="Cambria Math" charset="0"/>
+                            </a:rPr>
+                          </m:ctrlPr>
+                        </m:sSubPr>
+                        <m:e>
+                          <m:r>
+                            <a:rPr lang="en-US" b="0" i="1" smtClean="0">
+                              <a:solidFill>
+                                <a:schemeClr val="tx1"/>
+                              </a:solidFill>
+                              <a:latin typeface="Cambria Math" charset="0"/>
+                            </a:rPr>
+                            <m:t>𝑥</m:t>
+                          </m:r>
+                        </m:e>
+                        <m:sub>
+                          <m:r>
+                            <a:rPr lang="en-US" b="0" i="1" smtClean="0">
+                              <a:solidFill>
+                                <a:schemeClr val="tx1"/>
+                              </a:solidFill>
+                              <a:latin typeface="Cambria Math" charset="0"/>
+                            </a:rPr>
+                            <m:t>2</m:t>
+                          </m:r>
+                        </m:sub>
+                      </m:sSub>
+                    </m:oMath>
+                  </m:oMathPara>
+                </a14:m>
+                <a:endParaRPr lang="en-US" b="0" dirty="0" smtClean="0"/>
+              </a:p>
+              <a:p>
+                <a:pPr algn="ctr"/>
+                <a:endParaRPr lang="en-US" dirty="0"/>
+              </a:p>
+            </p:txBody>
+          </p:sp>
+        </mc:Choice>
+        <mc:Fallback xmlns="">
+          <p:sp>
+            <p:nvSpPr>
+              <p:cNvPr id="43" name="Oval 42"/>
+              <p:cNvSpPr>
+                <a:spLocks noRot="1" noChangeAspect="1" noMove="1" noResize="1" noEditPoints="1" noAdjustHandles="1" noChangeArrowheads="1" noChangeShapeType="1" noTextEdit="1"/>
+              </p:cNvSpPr>
+              <p:nvPr/>
+            </p:nvSpPr>
+            <p:spPr>
+              <a:xfrm>
+                <a:off x="4148187" y="5899756"/>
+                <a:ext cx="572123" cy="652249"/>
+              </a:xfrm>
+              <a:prstGeom prst="ellipse">
+                <a:avLst/>
+              </a:prstGeom>
+              <a:blipFill rotWithShape="0">
+                <a:blip r:embed="rId4"/>
+                <a:stretch>
+                  <a:fillRect/>
+                </a:stretch>
+              </a:blipFill>
+            </p:spPr>
+            <p:txBody>
+              <a:bodyPr/>
+              <a:lstStyle/>
+              <a:p>
+                <a:r>
+                  <a:rPr lang="en-US">
+                    <a:noFill/>
+                  </a:rPr>
+                  <a:t> </a:t>
+                </a:r>
+              </a:p>
+            </p:txBody>
+          </p:sp>
+        </mc:Fallback>
+      </mc:AlternateContent>
+      <p:cxnSp>
+        <p:nvCxnSpPr>
+          <p:cNvPr id="44" name="Straight Arrow Connector 43"/>
+          <p:cNvCxnSpPr/>
+          <p:nvPr/>
+        </p:nvCxnSpPr>
+        <p:spPr>
+          <a:xfrm flipV="1">
+            <a:off x="4434249" y="4901280"/>
+            <a:ext cx="4269" cy="328093"/>
+          </a:xfrm>
+          <a:prstGeom prst="straightConnector1">
+            <a:avLst/>
+          </a:prstGeom>
+          <a:ln w="31750">
+            <a:solidFill>
+              <a:schemeClr val="tx1"/>
+            </a:solidFill>
+            <a:tailEnd type="triangle"/>
+          </a:ln>
+        </p:spPr>
+        <p:style>
+          <a:lnRef idx="1">
+            <a:schemeClr val="accent1"/>
+          </a:lnRef>
+          <a:fillRef idx="0">
+            <a:schemeClr val="accent1"/>
+          </a:fillRef>
+          <a:effectRef idx="0">
+            <a:schemeClr val="accent1"/>
+          </a:effectRef>
+          <a:fontRef idx="minor">
+            <a:schemeClr val="tx1"/>
+          </a:fontRef>
+        </p:style>
+      </p:cxnSp>
+      <p:cxnSp>
+        <p:nvCxnSpPr>
+          <p:cNvPr id="55" name="Elbow Connector 54"/>
+          <p:cNvCxnSpPr>
+            <a:stCxn id="102" idx="0"/>
+            <a:endCxn id="71" idx="1"/>
+          </p:cNvCxnSpPr>
+          <p:nvPr/>
+        </p:nvCxnSpPr>
+        <p:spPr>
+          <a:xfrm rot="5400000" flipH="1" flipV="1">
+            <a:off x="4409318" y="3208648"/>
+            <a:ext cx="1086165" cy="1036299"/>
+          </a:xfrm>
+          <a:prstGeom prst="bentConnector2">
+            <a:avLst/>
+          </a:prstGeom>
+          <a:ln w="31750">
+            <a:solidFill>
+              <a:schemeClr val="tx1"/>
+            </a:solidFill>
+            <a:tailEnd type="triangle"/>
+          </a:ln>
+        </p:spPr>
+        <p:style>
+          <a:lnRef idx="1">
+            <a:schemeClr val="accent1"/>
+          </a:lnRef>
+          <a:fillRef idx="0">
+            <a:schemeClr val="accent1"/>
+          </a:fillRef>
+          <a:effectRef idx="0">
+            <a:schemeClr val="accent1"/>
+          </a:effectRef>
+          <a:fontRef idx="minor">
+            <a:schemeClr val="tx1"/>
+          </a:fontRef>
+        </p:style>
+      </p:cxnSp>
+      <p:sp>
+        <p:nvSpPr>
+          <p:cNvPr id="102" name="Rounded Rectangle 101"/>
+          <p:cNvSpPr/>
+          <p:nvPr/>
+        </p:nvSpPr>
+        <p:spPr>
+          <a:xfrm>
+            <a:off x="3900952" y="4269879"/>
+            <a:ext cx="1066597" cy="652249"/>
+          </a:xfrm>
+          <a:prstGeom prst="roundRect">
+            <a:avLst/>
+          </a:prstGeom>
+          <a:solidFill>
+            <a:srgbClr val="00B0F0">
+              <a:alpha val="51000"/>
+            </a:srgbClr>
+          </a:solidFill>
+        </p:spPr>
+        <p:style>
+          <a:lnRef idx="2">
+            <a:schemeClr val="accent1">
+              <a:shade val="50000"/>
+            </a:schemeClr>
+          </a:lnRef>
+          <a:fillRef idx="1">
+            <a:schemeClr val="accent1"/>
+          </a:fillRef>
+          <a:effectRef idx="0">
+            <a:schemeClr val="accent1"/>
+          </a:effectRef>
+          <a:fontRef idx="minor">
+            <a:schemeClr val="lt1"/>
+          </a:fontRef>
+        </p:style>
+        <p:txBody>
+          <a:bodyPr rtlCol="0" anchor="ctr"/>
+          <a:lstStyle/>
+          <a:p>
+            <a:pPr algn="ctr"/>
+            <a:r>
+              <a:rPr lang="en-US" smtClean="0">
+                <a:solidFill>
+                  <a:schemeClr val="tx1"/>
+                </a:solidFill>
+              </a:rPr>
+              <a:t>RNN 1</a:t>
+            </a:r>
+            <a:endParaRPr lang="en-US" dirty="0">
+              <a:solidFill>
+                <a:schemeClr val="tx1"/>
+              </a:solidFill>
+            </a:endParaRPr>
+          </a:p>
+        </p:txBody>
+      </p:sp>
+      <p:sp>
+        <p:nvSpPr>
+          <p:cNvPr id="103" name="Rounded Rectangle 102"/>
+          <p:cNvSpPr/>
+          <p:nvPr/>
+        </p:nvSpPr>
+        <p:spPr>
+          <a:xfrm>
+            <a:off x="2278955" y="4280267"/>
+            <a:ext cx="1066597" cy="652249"/>
+          </a:xfrm>
+          <a:prstGeom prst="roundRect">
+            <a:avLst/>
+          </a:prstGeom>
+          <a:solidFill>
+            <a:srgbClr val="00B0F0">
+              <a:alpha val="51000"/>
+            </a:srgbClr>
+          </a:solidFill>
+        </p:spPr>
+        <p:style>
+          <a:lnRef idx="2">
+            <a:schemeClr val="accent1">
+              <a:shade val="50000"/>
+            </a:schemeClr>
+          </a:lnRef>
+          <a:fillRef idx="1">
+            <a:schemeClr val="accent1"/>
+          </a:fillRef>
+          <a:effectRef idx="0">
+            <a:schemeClr val="accent1"/>
+          </a:effectRef>
+          <a:fontRef idx="minor">
+            <a:schemeClr val="lt1"/>
+          </a:fontRef>
+        </p:style>
+        <p:txBody>
+          <a:bodyPr rtlCol="0" anchor="ctr"/>
+          <a:lstStyle/>
+          <a:p>
+            <a:pPr algn="ctr"/>
+            <a:r>
+              <a:rPr lang="en-US" smtClean="0">
+                <a:solidFill>
+                  <a:schemeClr val="tx1"/>
+                </a:solidFill>
+              </a:rPr>
+              <a:t>RNN 1</a:t>
+            </a:r>
+            <a:endParaRPr lang="en-US" dirty="0">
+              <a:solidFill>
+                <a:schemeClr val="tx1"/>
+              </a:solidFill>
+            </a:endParaRPr>
+          </a:p>
+        </p:txBody>
+      </p:sp>
+      <p:cxnSp>
+        <p:nvCxnSpPr>
+          <p:cNvPr id="127" name="Straight Arrow Connector 126"/>
+          <p:cNvCxnSpPr>
+            <a:stCxn id="126" idx="0"/>
+            <a:endCxn id="76" idx="4"/>
+          </p:cNvCxnSpPr>
+          <p:nvPr/>
+        </p:nvCxnSpPr>
+        <p:spPr>
+          <a:xfrm flipV="1">
+            <a:off x="6037981" y="1644585"/>
+            <a:ext cx="0" cy="432524"/>
+          </a:xfrm>
+          <a:prstGeom prst="straightConnector1">
+            <a:avLst/>
+          </a:prstGeom>
+          <a:ln w="28575">
+            <a:solidFill>
+              <a:schemeClr val="tx1"/>
+            </a:solidFill>
+            <a:tailEnd type="triangle"/>
+          </a:ln>
+        </p:spPr>
+        <p:style>
+          <a:lnRef idx="1">
+            <a:schemeClr val="accent1"/>
+          </a:lnRef>
+          <a:fillRef idx="0">
+            <a:schemeClr val="accent1"/>
+          </a:fillRef>
+          <a:effectRef idx="0">
+            <a:schemeClr val="accent1"/>
+          </a:effectRef>
+          <a:fontRef idx="minor">
+            <a:schemeClr val="tx1"/>
+          </a:fontRef>
+        </p:style>
+      </p:cxnSp>
+      <p:sp>
+        <p:nvSpPr>
+          <p:cNvPr id="132" name="Rounded Rectangle 131"/>
+          <p:cNvSpPr/>
+          <p:nvPr/>
+        </p:nvSpPr>
+        <p:spPr>
+          <a:xfrm>
+            <a:off x="586754" y="5257510"/>
+            <a:ext cx="1281165" cy="347955"/>
+          </a:xfrm>
+          <a:prstGeom prst="roundRect">
+            <a:avLst/>
+          </a:prstGeom>
+          <a:solidFill>
+            <a:schemeClr val="accent5">
+              <a:lumMod val="20000"/>
+              <a:lumOff val="80000"/>
+            </a:schemeClr>
+          </a:solidFill>
+        </p:spPr>
+        <p:style>
+          <a:lnRef idx="2">
+            <a:schemeClr val="accent1">
+              <a:shade val="50000"/>
+            </a:schemeClr>
+          </a:lnRef>
+          <a:fillRef idx="1">
+            <a:schemeClr val="accent1"/>
+          </a:fillRef>
+          <a:effectRef idx="0">
+            <a:schemeClr val="accent1"/>
+          </a:effectRef>
+          <a:fontRef idx="minor">
+            <a:schemeClr val="lt1"/>
+          </a:fontRef>
+        </p:style>
+        <p:txBody>
+          <a:bodyPr rtlCol="0" anchor="ctr"/>
+          <a:lstStyle/>
+          <a:p>
+            <a:pPr algn="ctr"/>
+            <a:r>
+              <a:rPr lang="en-US" sz="1600" dirty="0" smtClean="0">
+                <a:solidFill>
+                  <a:schemeClr val="tx1"/>
+                </a:solidFill>
+              </a:rPr>
+              <a:t>Embedding</a:t>
+            </a:r>
+            <a:endParaRPr lang="en-US" sz="1600" dirty="0">
+              <a:solidFill>
+                <a:schemeClr val="tx1"/>
+              </a:solidFill>
+            </a:endParaRPr>
+          </a:p>
+        </p:txBody>
+      </p:sp>
+      <p:cxnSp>
+        <p:nvCxnSpPr>
+          <p:cNvPr id="133" name="Straight Arrow Connector 132"/>
+          <p:cNvCxnSpPr>
+            <a:endCxn id="132" idx="2"/>
+          </p:cNvCxnSpPr>
+          <p:nvPr/>
+        </p:nvCxnSpPr>
+        <p:spPr>
+          <a:xfrm flipV="1">
+            <a:off x="1227336" y="5605465"/>
+            <a:ext cx="1" cy="264429"/>
+          </a:xfrm>
+          <a:prstGeom prst="straightConnector1">
+            <a:avLst/>
+          </a:prstGeom>
+          <a:ln w="31750">
+            <a:solidFill>
+              <a:schemeClr val="tx1"/>
+            </a:solidFill>
+            <a:tailEnd type="triangle"/>
+          </a:ln>
+        </p:spPr>
+        <p:style>
+          <a:lnRef idx="1">
+            <a:schemeClr val="accent1"/>
+          </a:lnRef>
+          <a:fillRef idx="0">
+            <a:schemeClr val="accent1"/>
+          </a:fillRef>
+          <a:effectRef idx="0">
+            <a:schemeClr val="accent1"/>
+          </a:effectRef>
+          <a:fontRef idx="minor">
+            <a:schemeClr val="tx1"/>
+          </a:fontRef>
+        </p:style>
+      </p:cxnSp>
+      <p:sp>
+        <p:nvSpPr>
+          <p:cNvPr id="136" name="Rounded Rectangle 135"/>
+          <p:cNvSpPr/>
+          <p:nvPr/>
+        </p:nvSpPr>
+        <p:spPr>
+          <a:xfrm>
+            <a:off x="2227486" y="5245068"/>
+            <a:ext cx="1281165" cy="347955"/>
+          </a:xfrm>
+          <a:prstGeom prst="roundRect">
+            <a:avLst/>
+          </a:prstGeom>
+          <a:solidFill>
+            <a:schemeClr val="accent5">
+              <a:lumMod val="20000"/>
+              <a:lumOff val="80000"/>
+            </a:schemeClr>
+          </a:solidFill>
+        </p:spPr>
+        <p:style>
+          <a:lnRef idx="2">
+            <a:schemeClr val="accent1">
+              <a:shade val="50000"/>
+            </a:schemeClr>
+          </a:lnRef>
+          <a:fillRef idx="1">
+            <a:schemeClr val="accent1"/>
+          </a:fillRef>
+          <a:effectRef idx="0">
+            <a:schemeClr val="accent1"/>
+          </a:effectRef>
+          <a:fontRef idx="minor">
+            <a:schemeClr val="lt1"/>
+          </a:fontRef>
+        </p:style>
+        <p:txBody>
+          <a:bodyPr rtlCol="0" anchor="ctr"/>
+          <a:lstStyle/>
+          <a:p>
+            <a:pPr algn="ctr"/>
+            <a:r>
+              <a:rPr lang="en-US" sz="1600" dirty="0" smtClean="0">
+                <a:solidFill>
+                  <a:schemeClr val="tx1"/>
+                </a:solidFill>
+              </a:rPr>
+              <a:t>Embedding</a:t>
+            </a:r>
+            <a:endParaRPr lang="en-US" sz="1600" dirty="0">
+              <a:solidFill>
+                <a:schemeClr val="tx1"/>
+              </a:solidFill>
+            </a:endParaRPr>
+          </a:p>
+        </p:txBody>
+      </p:sp>
+      <p:cxnSp>
+        <p:nvCxnSpPr>
+          <p:cNvPr id="137" name="Straight Arrow Connector 136"/>
+          <p:cNvCxnSpPr/>
+          <p:nvPr/>
+        </p:nvCxnSpPr>
+        <p:spPr>
+          <a:xfrm flipV="1">
+            <a:off x="2868069" y="5614241"/>
+            <a:ext cx="1" cy="264429"/>
+          </a:xfrm>
+          <a:prstGeom prst="straightConnector1">
+            <a:avLst/>
+          </a:prstGeom>
+          <a:ln w="31750">
+            <a:solidFill>
+              <a:schemeClr val="tx1"/>
+            </a:solidFill>
+            <a:tailEnd type="triangle"/>
+          </a:ln>
+        </p:spPr>
+        <p:style>
+          <a:lnRef idx="1">
+            <a:schemeClr val="accent1"/>
+          </a:lnRef>
+          <a:fillRef idx="0">
+            <a:schemeClr val="accent1"/>
+          </a:fillRef>
+          <a:effectRef idx="0">
+            <a:schemeClr val="accent1"/>
+          </a:effectRef>
+          <a:fontRef idx="minor">
+            <a:schemeClr val="tx1"/>
+          </a:fontRef>
+        </p:style>
+      </p:cxnSp>
+      <p:sp>
+        <p:nvSpPr>
+          <p:cNvPr id="138" name="Rounded Rectangle 137"/>
+          <p:cNvSpPr/>
+          <p:nvPr/>
+        </p:nvSpPr>
+        <p:spPr>
+          <a:xfrm>
+            <a:off x="3782293" y="5227406"/>
+            <a:ext cx="1281165" cy="347955"/>
+          </a:xfrm>
+          <a:prstGeom prst="roundRect">
+            <a:avLst/>
+          </a:prstGeom>
+          <a:solidFill>
+            <a:schemeClr val="accent5">
+              <a:lumMod val="20000"/>
+              <a:lumOff val="80000"/>
+            </a:schemeClr>
+          </a:solidFill>
+        </p:spPr>
+        <p:style>
+          <a:lnRef idx="2">
+            <a:schemeClr val="accent1">
+              <a:shade val="50000"/>
+            </a:schemeClr>
+          </a:lnRef>
+          <a:fillRef idx="1">
+            <a:schemeClr val="accent1"/>
+          </a:fillRef>
+          <a:effectRef idx="0">
+            <a:schemeClr val="accent1"/>
+          </a:effectRef>
+          <a:fontRef idx="minor">
+            <a:schemeClr val="lt1"/>
+          </a:fontRef>
+        </p:style>
+        <p:txBody>
+          <a:bodyPr rtlCol="0" anchor="ctr"/>
+          <a:lstStyle/>
+          <a:p>
+            <a:pPr algn="ctr"/>
+            <a:r>
+              <a:rPr lang="en-US" sz="1600" dirty="0" smtClean="0">
+                <a:solidFill>
+                  <a:schemeClr val="tx1"/>
+                </a:solidFill>
+              </a:rPr>
+              <a:t>Embedding</a:t>
+            </a:r>
+            <a:endParaRPr lang="en-US" sz="1600" dirty="0">
+              <a:solidFill>
+                <a:schemeClr val="tx1"/>
+              </a:solidFill>
+            </a:endParaRPr>
+          </a:p>
+        </p:txBody>
+      </p:sp>
+      <p:cxnSp>
+        <p:nvCxnSpPr>
+          <p:cNvPr id="139" name="Straight Arrow Connector 138"/>
+          <p:cNvCxnSpPr/>
+          <p:nvPr/>
+        </p:nvCxnSpPr>
+        <p:spPr>
+          <a:xfrm flipV="1">
+            <a:off x="4422876" y="5596579"/>
+            <a:ext cx="1" cy="264429"/>
+          </a:xfrm>
+          <a:prstGeom prst="straightConnector1">
+            <a:avLst/>
+          </a:prstGeom>
+          <a:ln w="31750">
+            <a:solidFill>
+              <a:schemeClr val="tx1"/>
+            </a:solidFill>
+            <a:tailEnd type="triangle"/>
+          </a:ln>
+        </p:spPr>
+        <p:style>
+          <a:lnRef idx="1">
+            <a:schemeClr val="accent1"/>
+          </a:lnRef>
+          <a:fillRef idx="0">
+            <a:schemeClr val="accent1"/>
+          </a:fillRef>
+          <a:effectRef idx="0">
+            <a:schemeClr val="accent1"/>
+          </a:effectRef>
+          <a:fontRef idx="minor">
+            <a:schemeClr val="tx1"/>
+          </a:fontRef>
+        </p:style>
+      </p:cxnSp>
+      <p:grpSp>
+        <p:nvGrpSpPr>
+          <p:cNvPr id="171" name="Group 170"/>
+          <p:cNvGrpSpPr/>
+          <p:nvPr/>
+        </p:nvGrpSpPr>
+        <p:grpSpPr>
+          <a:xfrm>
+            <a:off x="5397398" y="1036932"/>
+            <a:ext cx="1281165" cy="3187864"/>
+            <a:chOff x="5397398" y="1036932"/>
+            <a:chExt cx="1281165" cy="3187864"/>
+          </a:xfrm>
+        </p:grpSpPr>
+        <p:sp>
+          <p:nvSpPr>
+            <p:cNvPr id="126" name="Rounded Rectangle 125"/>
+            <p:cNvSpPr/>
+            <p:nvPr/>
+          </p:nvSpPr>
+          <p:spPr>
+            <a:xfrm>
+              <a:off x="5397398" y="2077109"/>
+              <a:ext cx="1281165" cy="347955"/>
+            </a:xfrm>
+            <a:prstGeom prst="roundRect">
+              <a:avLst/>
+            </a:prstGeom>
+            <a:solidFill>
+              <a:schemeClr val="accent3">
+                <a:lumMod val="40000"/>
+                <a:lumOff val="60000"/>
+              </a:schemeClr>
+            </a:solidFill>
+          </p:spPr>
+          <p:style>
+            <a:lnRef idx="2">
+              <a:schemeClr val="accent1">
+                <a:shade val="50000"/>
+              </a:schemeClr>
+            </a:lnRef>
+            <a:fillRef idx="1">
+              <a:schemeClr val="accent1"/>
+            </a:fillRef>
+            <a:effectRef idx="0">
+              <a:schemeClr val="accent1"/>
+            </a:effectRef>
+            <a:fontRef idx="minor">
+              <a:schemeClr val="lt1"/>
+            </a:fontRef>
+          </p:style>
+          <p:txBody>
+            <a:bodyPr rtlCol="0" anchor="ctr"/>
+            <a:lstStyle/>
+            <a:p>
+              <a:pPr algn="ctr"/>
+              <a:r>
+                <a:rPr lang="en-US" sz="1600" dirty="0" smtClean="0">
+                  <a:solidFill>
+                    <a:schemeClr val="tx1"/>
+                  </a:solidFill>
+                </a:rPr>
+                <a:t>Projection</a:t>
+              </a:r>
+              <a:endParaRPr lang="en-US" sz="1600" dirty="0">
+                <a:solidFill>
+                  <a:schemeClr val="tx1"/>
+                </a:solidFill>
+              </a:endParaRPr>
+            </a:p>
+          </p:txBody>
+        </p:sp>
+        <p:grpSp>
+          <p:nvGrpSpPr>
+            <p:cNvPr id="161" name="Group 160"/>
+            <p:cNvGrpSpPr/>
+            <p:nvPr/>
+          </p:nvGrpSpPr>
+          <p:grpSpPr>
+            <a:xfrm>
+              <a:off x="5397398" y="1036932"/>
+              <a:ext cx="1281165" cy="3187864"/>
+              <a:chOff x="5397398" y="1036932"/>
+              <a:chExt cx="1281165" cy="3187864"/>
+            </a:xfrm>
+          </p:grpSpPr>
+          <p:grpSp>
+            <p:nvGrpSpPr>
+              <p:cNvPr id="107" name="Group 106"/>
+              <p:cNvGrpSpPr/>
+              <p:nvPr/>
+            </p:nvGrpSpPr>
+            <p:grpSpPr>
+              <a:xfrm>
+                <a:off x="5470550" y="1036932"/>
+                <a:ext cx="1149314" cy="2472906"/>
+                <a:chOff x="4419243" y="810451"/>
+                <a:chExt cx="1149314" cy="2472906"/>
+              </a:xfrm>
+            </p:grpSpPr>
+            <p:sp>
+              <p:nvSpPr>
+                <p:cNvPr id="71" name="Rounded Rectangle 70"/>
+                <p:cNvSpPr/>
+                <p:nvPr/>
+              </p:nvSpPr>
+              <p:spPr>
+                <a:xfrm>
+                  <a:off x="4419243" y="2631108"/>
+                  <a:ext cx="1149314" cy="652249"/>
+                </a:xfrm>
+                <a:prstGeom prst="roundRect">
+                  <a:avLst/>
+                </a:prstGeom>
+                <a:solidFill>
+                  <a:srgbClr val="FFFF00">
+                    <a:alpha val="51000"/>
+                  </a:srgbClr>
+                </a:solidFill>
+              </p:spPr>
+              <p:style>
+                <a:lnRef idx="2">
+                  <a:schemeClr val="accent1">
+                    <a:shade val="50000"/>
+                  </a:schemeClr>
+                </a:lnRef>
+                <a:fillRef idx="1">
+                  <a:schemeClr val="accent1"/>
+                </a:fillRef>
+                <a:effectRef idx="0">
+                  <a:schemeClr val="accent1"/>
+                </a:effectRef>
+                <a:fontRef idx="minor">
+                  <a:schemeClr val="lt1"/>
+                </a:fontRef>
+              </p:style>
+              <p:txBody>
+                <a:bodyPr rtlCol="0" anchor="ctr"/>
+                <a:lstStyle/>
+                <a:p>
+                  <a:pPr algn="ctr"/>
+                  <a:r>
+                    <a:rPr lang="en-US" dirty="0" smtClean="0">
+                      <a:solidFill>
+                        <a:schemeClr val="tx1"/>
+                      </a:solidFill>
+                    </a:rPr>
+                    <a:t>RNN 2</a:t>
+                  </a:r>
+                  <a:endParaRPr lang="en-US" dirty="0">
+                    <a:solidFill>
+                      <a:schemeClr val="tx1"/>
+                    </a:solidFill>
+                  </a:endParaRPr>
+                </a:p>
+              </p:txBody>
+            </p:sp>
+            <mc:AlternateContent xmlns:mc="http://schemas.openxmlformats.org/markup-compatibility/2006" xmlns:a14="http://schemas.microsoft.com/office/drawing/2010/main">
+              <mc:Choice Requires="a14">
                 <p:sp>
                   <p:nvSpPr>
                     <p:cNvPr id="76" name="Oval 75"/>
@@ -12983,7 +16425,7 @@
                   </p:txBody>
                 </p:sp>
               </mc:Choice>
-              <mc:Fallback>
+              <mc:Fallback xmlns="">
                 <p:sp>
                   <p:nvSpPr>
                     <p:cNvPr id="76" name="Oval 75"/>
@@ -13317,8 +16759,8 @@
                 </a:p>
               </p:txBody>
             </p:sp>
-            <mc:AlternateContent xmlns:mc="http://schemas.openxmlformats.org/markup-compatibility/2006">
-              <mc:Choice xmlns:a14="http://schemas.microsoft.com/office/drawing/2010/main" Requires="a14">
+            <mc:AlternateContent xmlns:mc="http://schemas.openxmlformats.org/markup-compatibility/2006" xmlns:a14="http://schemas.microsoft.com/office/drawing/2010/main">
+              <mc:Choice Requires="a14">
                 <p:sp>
                   <p:nvSpPr>
                     <p:cNvPr id="179" name="Oval 178"/>
@@ -13416,7 +16858,7 @@
                   </p:txBody>
                 </p:sp>
               </mc:Choice>
-              <mc:Fallback>
+              <mc:Fallback xmlns="">
                 <p:sp>
                   <p:nvSpPr>
                     <p:cNvPr id="179" name="Oval 178"/>
@@ -13943,8 +17385,8 @@
             </a:fontRef>
           </p:style>
         </p:cxnSp>
-        <mc:AlternateContent xmlns:mc="http://schemas.openxmlformats.org/markup-compatibility/2006">
-          <mc:Choice xmlns:a14="http://schemas.microsoft.com/office/drawing/2010/main" Requires="a14">
+        <mc:AlternateContent xmlns:mc="http://schemas.openxmlformats.org/markup-compatibility/2006" xmlns:a14="http://schemas.microsoft.com/office/drawing/2010/main">
+          <mc:Choice Requires="a14">
             <p:sp>
               <p:nvSpPr>
                 <p:cNvPr id="221" name="Oval 220"/>
@@ -14045,7 +17487,7 @@
               </p:txBody>
             </p:sp>
           </mc:Choice>
-          <mc:Fallback>
+          <mc:Fallback xmlns="">
             <p:sp>
               <p:nvSpPr>
                 <p:cNvPr id="221" name="Oval 220"/>
@@ -14256,8 +17698,8 @@
                   </a:p>
                 </p:txBody>
               </p:sp>
-              <mc:AlternateContent xmlns:mc="http://schemas.openxmlformats.org/markup-compatibility/2006">
-                <mc:Choice xmlns:a14="http://schemas.microsoft.com/office/drawing/2010/main" Requires="a14">
+              <mc:AlternateContent xmlns:mc="http://schemas.openxmlformats.org/markup-compatibility/2006" xmlns:a14="http://schemas.microsoft.com/office/drawing/2010/main">
+                <mc:Choice Requires="a14">
                   <p:sp>
                     <p:nvSpPr>
                       <p:cNvPr id="190" name="Oval 189"/>
@@ -14355,7 +17797,7 @@
                     </p:txBody>
                   </p:sp>
                 </mc:Choice>
-                <mc:Fallback>
+                <mc:Fallback xmlns="">
                   <p:sp>
                     <p:nvSpPr>
                       <p:cNvPr id="190" name="Oval 189"/>
@@ -14576,8 +18018,8 @@
               </a:fontRef>
             </p:style>
           </p:cxnSp>
-          <mc:AlternateContent xmlns:mc="http://schemas.openxmlformats.org/markup-compatibility/2006">
-            <mc:Choice xmlns:a14="http://schemas.microsoft.com/office/drawing/2010/main" Requires="a14">
+          <mc:AlternateContent xmlns:mc="http://schemas.openxmlformats.org/markup-compatibility/2006" xmlns:a14="http://schemas.microsoft.com/office/drawing/2010/main">
+            <mc:Choice Requires="a14">
               <p:sp>
                 <p:nvSpPr>
                   <p:cNvPr id="227" name="Oval 226"/>
@@ -14678,7 +18120,7 @@
                 </p:txBody>
               </p:sp>
             </mc:Choice>
-            <mc:Fallback>
+            <mc:Fallback xmlns="">
               <p:sp>
                 <p:nvSpPr>
                   <p:cNvPr id="227" name="Oval 226"/>
@@ -14890,8 +18332,8 @@
                   </a:p>
                 </p:txBody>
               </p:sp>
-              <mc:AlternateContent xmlns:mc="http://schemas.openxmlformats.org/markup-compatibility/2006">
-                <mc:Choice xmlns:a14="http://schemas.microsoft.com/office/drawing/2010/main" Requires="a14">
+              <mc:AlternateContent xmlns:mc="http://schemas.openxmlformats.org/markup-compatibility/2006" xmlns:a14="http://schemas.microsoft.com/office/drawing/2010/main">
+                <mc:Choice Requires="a14">
                   <p:sp>
                     <p:nvSpPr>
                       <p:cNvPr id="240" name="Oval 239"/>
@@ -14989,7 +18431,7 @@
                     </p:txBody>
                   </p:sp>
                 </mc:Choice>
-                <mc:Fallback>
+                <mc:Fallback xmlns="">
                   <p:sp>
                     <p:nvSpPr>
                       <p:cNvPr id="240" name="Oval 239"/>
@@ -15210,8 +18652,8 @@
               </a:fontRef>
             </p:style>
           </p:cxnSp>
-          <mc:AlternateContent xmlns:mc="http://schemas.openxmlformats.org/markup-compatibility/2006">
-            <mc:Choice xmlns:a14="http://schemas.microsoft.com/office/drawing/2010/main" Requires="a14">
+          <mc:AlternateContent xmlns:mc="http://schemas.openxmlformats.org/markup-compatibility/2006" xmlns:a14="http://schemas.microsoft.com/office/drawing/2010/main">
+            <mc:Choice Requires="a14">
               <p:sp>
                 <p:nvSpPr>
                   <p:cNvPr id="233" name="Oval 232"/>
@@ -15312,7 +18754,7 @@
                 </p:txBody>
               </p:sp>
             </mc:Choice>
-            <mc:Fallback>
+            <mc:Fallback xmlns="">
               <p:sp>
                 <p:nvSpPr>
                   <p:cNvPr id="233" name="Oval 232"/>
@@ -15409,7 +18851,7 @@
 </p:sld>
 </file>
 
-<file path=ppt/slides/slide14.xml><?xml version="1.0" encoding="utf-8"?>
+<file path=ppt/slides/slide15.xml><?xml version="1.0" encoding="utf-8"?>
 <p:sld xmlns:a="http://schemas.openxmlformats.org/drawingml/2006/main" xmlns:r="http://schemas.openxmlformats.org/officeDocument/2006/relationships" xmlns:p="http://schemas.openxmlformats.org/presentationml/2006/main" showMasterSp="0">
   <p:cSld>
     <p:spTree>
@@ -15751,7 +19193,7 @@
 </p:sld>
 </file>
 
-<file path=ppt/slides/slide15.xml><?xml version="1.0" encoding="utf-8"?>
+<file path=ppt/slides/slide16.xml><?xml version="1.0" encoding="utf-8"?>
 <p:sld xmlns:a="http://schemas.openxmlformats.org/drawingml/2006/main" xmlns:r="http://schemas.openxmlformats.org/officeDocument/2006/relationships" xmlns:p="http://schemas.openxmlformats.org/presentationml/2006/main" showMasterSp="0">
   <p:cSld>
     <p:spTree>
@@ -15838,15 +19280,7 @@
             <a:pPr lvl="1"/>
             <a:r>
               <a:rPr lang="en-US" dirty="0" smtClean="0"/>
-              <a:t>The Decoder </a:t>
-            </a:r>
-            <a:r>
-              <a:rPr lang="en-US" dirty="0" smtClean="0"/>
-              <a:t>predictions </a:t>
-            </a:r>
-            <a:r>
-              <a:rPr lang="en-US" dirty="0" smtClean="0"/>
-              <a:t>are greedy and might not produce the best overall output sequence</a:t>
+              <a:t>The Decoder predictions are greedy and might not produce the best overall output sequence</a:t>
             </a:r>
           </a:p>
           <a:p>
@@ -15873,11 +19307,7 @@
             <a:pPr lvl="1"/>
             <a:r>
               <a:rPr lang="en-US" dirty="0" smtClean="0"/>
-              <a:t>Beam Search- Addresses </a:t>
-            </a:r>
-            <a:r>
-              <a:rPr lang="en-US" dirty="0" smtClean="0"/>
-              <a:t>greedy </a:t>
+              <a:t>Beam Search- Addresses greedy </a:t>
             </a:r>
             <a:r>
               <a:rPr lang="en-US" dirty="0"/>
@@ -15895,7 +19325,6 @@
               <a:rPr lang="en-US" dirty="0" smtClean="0"/>
               <a:t>roblem</a:t>
             </a:r>
-            <a:endParaRPr lang="en-US" dirty="0" smtClean="0"/>
           </a:p>
           <a:p>
             <a:pPr lvl="1"/>
@@ -15908,15 +19337,7 @@
             <a:pPr lvl="1"/>
             <a:r>
               <a:rPr lang="en-US" dirty="0" smtClean="0"/>
-              <a:t>Bidirectional Encoders- Employ 2 RNNs in Encoder. One looks at </a:t>
-            </a:r>
-            <a:r>
-              <a:rPr lang="en-US" dirty="0" smtClean="0"/>
-              <a:t>normal forward </a:t>
-            </a:r>
-            <a:r>
-              <a:rPr lang="en-US" dirty="0" smtClean="0"/>
-              <a:t>input sequence while other looks at reversed sequence . Outputs are then combined</a:t>
+              <a:t>Bidirectional Encoders- Employ 2 RNNs in Encoder. One looks at normal forward input sequence while other looks at reversed sequence . Outputs are then combined</a:t>
             </a:r>
           </a:p>
           <a:p>
@@ -15939,11 +19360,7 @@
             </a:r>
             <a:r>
               <a:rPr lang="en-US" dirty="0" smtClean="0"/>
-              <a:t>atch </a:t>
-            </a:r>
-            <a:r>
-              <a:rPr lang="en-US" dirty="0" smtClean="0"/>
-              <a:t>of data is normalized to have similar mean and variance. Helps with training a lot. </a:t>
+              <a:t>atch of data is normalized to have similar mean and variance. Helps with training a lot. </a:t>
             </a:r>
             <a:endParaRPr lang="en-US" dirty="0"/>
           </a:p>
@@ -15969,7 +19386,7 @@
 </p:sld>
 </file>
 
-<file path=ppt/slides/slide16.xml><?xml version="1.0" encoding="utf-8"?>
+<file path=ppt/slides/slide17.xml><?xml version="1.0" encoding="utf-8"?>
 <p:sld xmlns:a="http://schemas.openxmlformats.org/drawingml/2006/main" xmlns:r="http://schemas.openxmlformats.org/officeDocument/2006/relationships" xmlns:p="http://schemas.openxmlformats.org/presentationml/2006/main" showMasterSp="0">
   <p:cSld>
     <p:spTree>
@@ -16193,7 +19610,7 @@
 </p:sld>
 </file>
 
-<file path=ppt/slides/slide17.xml><?xml version="1.0" encoding="utf-8"?>
+<file path=ppt/slides/slide18.xml><?xml version="1.0" encoding="utf-8"?>
 <p:sld xmlns:a="http://schemas.openxmlformats.org/drawingml/2006/main" xmlns:r="http://schemas.openxmlformats.org/officeDocument/2006/relationships" xmlns:p="http://schemas.openxmlformats.org/presentationml/2006/main" showMasterSp="0">
   <p:cSld>
     <p:spTree>
@@ -16868,8 +20285,8 @@
                 </a:p>
               </p:txBody>
             </p:sp>
-            <mc:AlternateContent xmlns:mc="http://schemas.openxmlformats.org/markup-compatibility/2006">
-              <mc:Choice xmlns:a14="http://schemas.microsoft.com/office/drawing/2010/main" Requires="a14">
+            <mc:AlternateContent xmlns:mc="http://schemas.openxmlformats.org/markup-compatibility/2006" xmlns:a14="http://schemas.microsoft.com/office/drawing/2010/main">
+              <mc:Choice Requires="a14">
                 <p:sp>
                   <p:nvSpPr>
                     <p:cNvPr id="5" name="Oval 4"/>
@@ -16964,7 +20381,7 @@
                   </p:txBody>
                 </p:sp>
               </mc:Choice>
-              <mc:Fallback>
+              <mc:Fallback xmlns="">
                 <p:sp>
                   <p:nvSpPr>
                     <p:cNvPr id="5" name="Oval 4"/>
@@ -17342,8 +20759,8 @@
                 </a:p>
               </p:txBody>
             </p:sp>
-            <mc:AlternateContent xmlns:mc="http://schemas.openxmlformats.org/markup-compatibility/2006">
-              <mc:Choice xmlns:a14="http://schemas.microsoft.com/office/drawing/2010/main" Requires="a14">
+            <mc:AlternateContent xmlns:mc="http://schemas.openxmlformats.org/markup-compatibility/2006" xmlns:a14="http://schemas.microsoft.com/office/drawing/2010/main">
+              <mc:Choice Requires="a14">
                 <p:sp>
                   <p:nvSpPr>
                     <p:cNvPr id="59" name="Oval 58"/>
@@ -17438,7 +20855,7 @@
                   </p:txBody>
                 </p:sp>
               </mc:Choice>
-              <mc:Fallback>
+              <mc:Fallback xmlns="">
                 <p:sp>
                   <p:nvSpPr>
                     <p:cNvPr id="59" name="Oval 58"/>
@@ -17841,8 +21258,8 @@
                 </a:p>
               </p:txBody>
             </p:sp>
-            <mc:AlternateContent xmlns:mc="http://schemas.openxmlformats.org/markup-compatibility/2006">
-              <mc:Choice xmlns:a14="http://schemas.microsoft.com/office/drawing/2010/main" Requires="a14">
+            <mc:AlternateContent xmlns:mc="http://schemas.openxmlformats.org/markup-compatibility/2006" xmlns:a14="http://schemas.microsoft.com/office/drawing/2010/main">
+              <mc:Choice Requires="a14">
                 <p:sp>
                   <p:nvSpPr>
                     <p:cNvPr id="113" name="Oval 112"/>
@@ -17937,7 +21354,7 @@
                   </p:txBody>
                 </p:sp>
               </mc:Choice>
-              <mc:Fallback>
+              <mc:Fallback xmlns="">
                 <p:sp>
                   <p:nvSpPr>
                     <p:cNvPr id="113" name="Oval 112"/>
@@ -18257,8 +21674,8 @@
                 </a:p>
               </p:txBody>
             </p:sp>
-            <mc:AlternateContent xmlns:mc="http://schemas.openxmlformats.org/markup-compatibility/2006">
-              <mc:Choice xmlns:a14="http://schemas.microsoft.com/office/drawing/2010/main" Requires="a14">
+            <mc:AlternateContent xmlns:mc="http://schemas.openxmlformats.org/markup-compatibility/2006" xmlns:a14="http://schemas.microsoft.com/office/drawing/2010/main">
+              <mc:Choice Requires="a14">
                 <p:sp>
                   <p:nvSpPr>
                     <p:cNvPr id="119" name="Oval 118"/>
@@ -18353,7 +21770,7 @@
                   </p:txBody>
                 </p:sp>
               </mc:Choice>
-              <mc:Fallback>
+              <mc:Fallback xmlns="">
                 <p:sp>
                   <p:nvSpPr>
                     <p:cNvPr id="119" name="Oval 118"/>
@@ -18886,8 +22303,8 @@
               </a:p>
             </p:txBody>
           </p:sp>
-          <mc:AlternateContent xmlns:mc="http://schemas.openxmlformats.org/markup-compatibility/2006">
-            <mc:Choice xmlns:a14="http://schemas.microsoft.com/office/drawing/2010/main" Requires="a14">
+          <mc:AlternateContent xmlns:mc="http://schemas.openxmlformats.org/markup-compatibility/2006" xmlns:a14="http://schemas.microsoft.com/office/drawing/2010/main">
+            <mc:Choice Requires="a14">
               <p:sp>
                 <p:nvSpPr>
                   <p:cNvPr id="139" name="Oval 138"/>
@@ -18982,7 +22399,7 @@
                 </p:txBody>
               </p:sp>
             </mc:Choice>
-            <mc:Fallback>
+            <mc:Fallback xmlns="">
               <p:sp>
                 <p:nvSpPr>
                   <p:cNvPr id="139" name="Oval 138"/>
@@ -19309,8 +22726,8 @@
           </a:p>
         </p:txBody>
       </p:sp>
-      <mc:AlternateContent xmlns:mc="http://schemas.openxmlformats.org/markup-compatibility/2006">
-        <mc:Choice xmlns:a14="http://schemas.microsoft.com/office/drawing/2010/main" Requires="a14">
+      <mc:AlternateContent xmlns:mc="http://schemas.openxmlformats.org/markup-compatibility/2006" xmlns:a14="http://schemas.microsoft.com/office/drawing/2010/main">
+        <mc:Choice Requires="a14">
           <p:sp>
             <p:nvSpPr>
               <p:cNvPr id="12" name="Oval 11"/>
@@ -19414,7 +22831,7 @@
             </p:txBody>
           </p:sp>
         </mc:Choice>
-        <mc:Fallback>
+        <mc:Fallback xmlns="">
           <p:sp>
             <p:nvSpPr>
               <p:cNvPr id="12" name="Oval 11"/>
@@ -19453,8 +22870,8 @@
           </p:sp>
         </mc:Fallback>
       </mc:AlternateContent>
-      <mc:AlternateContent xmlns:mc="http://schemas.openxmlformats.org/markup-compatibility/2006">
-        <mc:Choice xmlns:a14="http://schemas.microsoft.com/office/drawing/2010/main" Requires="a14">
+      <mc:AlternateContent xmlns:mc="http://schemas.openxmlformats.org/markup-compatibility/2006" xmlns:a14="http://schemas.microsoft.com/office/drawing/2010/main">
+        <mc:Choice Requires="a14">
           <p:sp>
             <p:nvSpPr>
               <p:cNvPr id="21" name="Oval 20"/>
@@ -19558,7 +22975,7 @@
             </p:txBody>
           </p:sp>
         </mc:Choice>
-        <mc:Fallback>
+        <mc:Fallback xmlns="">
           <p:sp>
             <p:nvSpPr>
               <p:cNvPr id="21" name="Oval 20"/>
@@ -20550,10 +23967,10 @@
         </p:nvGrpSpPr>
         <p:grpSpPr>
           <a:xfrm>
-            <a:off x="448344" y="2760895"/>
-            <a:ext cx="4447452" cy="3648382"/>
-            <a:chOff x="424015" y="3037707"/>
-            <a:chExt cx="4447452" cy="3648382"/>
+            <a:off x="438775" y="2760895"/>
+            <a:ext cx="4445228" cy="3661725"/>
+            <a:chOff x="414446" y="3037707"/>
+            <a:chExt cx="4445228" cy="3661725"/>
           </a:xfrm>
         </p:grpSpPr>
         <p:pic>
@@ -20577,7 +23994,7 @@
           </p:blipFill>
           <p:spPr>
             <a:xfrm>
-              <a:off x="565228" y="3453735"/>
+              <a:off x="553435" y="3472879"/>
               <a:ext cx="4306239" cy="2941413"/>
             </a:xfrm>
             <a:prstGeom prst="rect">
@@ -20729,8 +24146,8 @@
             </a:p>
           </p:txBody>
         </p:sp>
-        <mc:AlternateContent xmlns:mc="http://schemas.openxmlformats.org/markup-compatibility/2006" xmlns:a14="http://schemas.microsoft.com/office/drawing/2010/main">
-          <mc:Choice Requires="a14">
+        <mc:AlternateContent xmlns:mc="http://schemas.openxmlformats.org/markup-compatibility/2006">
+          <mc:Choice xmlns:a14="http://schemas.microsoft.com/office/drawing/2010/main" Requires="a14">
             <p:sp>
               <p:nvSpPr>
                 <p:cNvPr id="8" name="Oval 7"/>
@@ -20739,7 +24156,7 @@
               </p:nvSpPr>
               <p:spPr>
                 <a:xfrm>
-                  <a:off x="1201906" y="6290943"/>
+                  <a:off x="1213464" y="6304286"/>
                   <a:ext cx="397804" cy="395146"/>
                 </a:xfrm>
                 <a:prstGeom prst="ellipse">
@@ -20798,15 +24215,6 @@
                                 </a:solidFill>
                                 <a:latin typeface="Cambria Math" charset="0"/>
                               </a:rPr>
-                              <m:t>  </m:t>
-                            </m:r>
-                            <m:r>
-                              <a:rPr lang="en-US" sz="1400" b="0" i="1" smtClean="0">
-                                <a:solidFill>
-                                  <a:schemeClr val="tx1"/>
-                                </a:solidFill>
-                                <a:latin typeface="Cambria Math" charset="0"/>
-                              </a:rPr>
                               <m:t>𝑥</m:t>
                             </m:r>
                           </m:e>
@@ -20834,7 +24242,7 @@
               </p:txBody>
             </p:sp>
           </mc:Choice>
-          <mc:Fallback xmlns="">
+          <mc:Fallback>
             <p:sp>
               <p:nvSpPr>
                 <p:cNvPr id="8" name="Oval 7"/>
@@ -20845,7 +24253,7 @@
               </p:nvSpPr>
               <p:spPr>
                 <a:xfrm>
-                  <a:off x="1201906" y="6290943"/>
+                  <a:off x="1213464" y="6304286"/>
                   <a:ext cx="397804" cy="395146"/>
                 </a:xfrm>
                 <a:prstGeom prst="ellipse">
@@ -20854,7 +24262,7 @@
                 <a:blipFill rotWithShape="0">
                   <a:blip r:embed="rId5"/>
                   <a:stretch>
-                    <a:fillRect l="-7353" t="-50746" b="-70149"/>
+                    <a:fillRect/>
                   </a:stretch>
                 </a:blipFill>
               </p:spPr>
@@ -20873,8 +24281,8 @@
             </p:sp>
           </mc:Fallback>
         </mc:AlternateContent>
-        <mc:AlternateContent xmlns:mc="http://schemas.openxmlformats.org/markup-compatibility/2006" xmlns:a14="http://schemas.microsoft.com/office/drawing/2010/main">
-          <mc:Choice Requires="a14">
+        <mc:AlternateContent xmlns:mc="http://schemas.openxmlformats.org/markup-compatibility/2006">
+          <mc:Choice xmlns:a14="http://schemas.microsoft.com/office/drawing/2010/main" Requires="a14">
             <p:sp>
               <p:nvSpPr>
                 <p:cNvPr id="9" name="Oval 8"/>
@@ -20883,7 +24291,7 @@
               </p:nvSpPr>
               <p:spPr>
                 <a:xfrm>
-                  <a:off x="424015" y="4010189"/>
+                  <a:off x="414446" y="4031255"/>
                   <a:ext cx="460724" cy="445769"/>
                 </a:xfrm>
                 <a:prstGeom prst="ellipse">
@@ -20907,7 +24315,7 @@
                 </a:fontRef>
               </p:style>
               <p:txBody>
-                <a:bodyPr rtlCol="0" anchor="ctr"/>
+                <a:bodyPr lIns="0" rtlCol="0" anchor="ctr"/>
                 <a:lstStyle/>
                 <a:p>
                   <a:pPr algn="ctr"/>
@@ -20920,7 +24328,7 @@
                   <a14:m>
                     <m:oMathPara xmlns:m="http://schemas.openxmlformats.org/officeDocument/2006/math">
                       <m:oMathParaPr>
-                        <m:jc m:val="centerGroup"/>
+                        <m:jc m:val="left"/>
                       </m:oMathParaPr>
                       <m:oMath xmlns:m="http://schemas.openxmlformats.org/officeDocument/2006/math">
                         <m:sSub>
@@ -20935,15 +24343,6 @@
                             </m:ctrlPr>
                           </m:sSubPr>
                           <m:e>
-                            <m:r>
-                              <a:rPr lang="en-US" sz="1400" b="0" i="1" smtClean="0">
-                                <a:solidFill>
-                                  <a:schemeClr val="tx1"/>
-                                </a:solidFill>
-                                <a:latin typeface="Cambria Math" charset="0"/>
-                              </a:rPr>
-                              <m:t>  </m:t>
-                            </m:r>
                             <m:r>
                               <a:rPr lang="en-US" sz="1400" b="0" i="1" smtClean="0">
                                 <a:solidFill>
@@ -20987,7 +24386,7 @@
               </p:txBody>
             </p:sp>
           </mc:Choice>
-          <mc:Fallback xmlns="">
+          <mc:Fallback>
             <p:sp>
               <p:nvSpPr>
                 <p:cNvPr id="9" name="Oval 8"/>
@@ -20998,7 +24397,7 @@
               </p:nvSpPr>
               <p:spPr>
                 <a:xfrm>
-                  <a:off x="424015" y="4010189"/>
+                  <a:off x="414446" y="4031255"/>
                   <a:ext cx="460724" cy="445769"/>
                 </a:xfrm>
                 <a:prstGeom prst="ellipse">
@@ -21007,7 +24406,7 @@
                 <a:blipFill rotWithShape="0">
                   <a:blip r:embed="rId6"/>
                   <a:stretch>
-                    <a:fillRect l="-19231" t="-37662" b="-54545"/>
+                    <a:fillRect/>
                   </a:stretch>
                 </a:blipFill>
               </p:spPr>
@@ -21026,8 +24425,8 @@
             </p:sp>
           </mc:Fallback>
         </mc:AlternateContent>
-        <mc:AlternateContent xmlns:mc="http://schemas.openxmlformats.org/markup-compatibility/2006" xmlns:a14="http://schemas.microsoft.com/office/drawing/2010/main">
-          <mc:Choice Requires="a14">
+        <mc:AlternateContent xmlns:mc="http://schemas.openxmlformats.org/markup-compatibility/2006">
+          <mc:Choice xmlns:a14="http://schemas.microsoft.com/office/drawing/2010/main" Requires="a14">
             <p:sp>
               <p:nvSpPr>
                 <p:cNvPr id="10" name="Oval 9"/>
@@ -21098,15 +24497,6 @@
                                 </a:solidFill>
                                 <a:latin typeface="Cambria Math" charset="0"/>
                               </a:rPr>
-                              <m:t>  </m:t>
-                            </m:r>
-                            <m:r>
-                              <a:rPr lang="en-US" sz="1400" b="0" i="1" smtClean="0">
-                                <a:solidFill>
-                                  <a:schemeClr val="tx1"/>
-                                </a:solidFill>
-                                <a:latin typeface="Cambria Math" charset="0"/>
-                              </a:rPr>
                               <m:t>𝑦</m:t>
                             </m:r>
                           </m:e>
@@ -21134,7 +24524,7 @@
               </p:txBody>
             </p:sp>
           </mc:Choice>
-          <mc:Fallback xmlns="">
+          <mc:Fallback>
             <p:sp>
               <p:nvSpPr>
                 <p:cNvPr id="10" name="Oval 9"/>
@@ -21154,7 +24544,7 @@
                 <a:blipFill rotWithShape="0">
                   <a:blip r:embed="rId7"/>
                   <a:stretch>
-                    <a:fillRect t="-40000" b="-57333"/>
+                    <a:fillRect/>
                   </a:stretch>
                 </a:blipFill>
               </p:spPr>
@@ -21217,8 +24607,8 @@
             </a:prstGeom>
           </p:spPr>
         </p:pic>
-        <mc:AlternateContent xmlns:mc="http://schemas.openxmlformats.org/markup-compatibility/2006" xmlns:a14="http://schemas.microsoft.com/office/drawing/2010/main">
-          <mc:Choice Requires="a14">
+        <mc:AlternateContent xmlns:mc="http://schemas.openxmlformats.org/markup-compatibility/2006">
+          <mc:Choice xmlns:a14="http://schemas.microsoft.com/office/drawing/2010/main" Requires="a14">
             <p:sp>
               <p:nvSpPr>
                 <p:cNvPr id="14" name="Oval 13"/>
@@ -21289,7 +24679,7 @@
                                 </a:solidFill>
                                 <a:latin typeface="Cambria Math" charset="0"/>
                               </a:rPr>
-                              <m:t>  </m:t>
+                              <m:t> </m:t>
                             </m:r>
                             <m:r>
                               <a:rPr lang="en-US" sz="1400" b="0" i="1" smtClean="0">
@@ -21325,7 +24715,7 @@
               </p:txBody>
             </p:sp>
           </mc:Choice>
-          <mc:Fallback xmlns="">
+          <mc:Fallback>
             <p:sp>
               <p:nvSpPr>
                 <p:cNvPr id="14" name="Oval 13"/>
@@ -21345,7 +24735,7 @@
                 <a:blipFill rotWithShape="0">
                   <a:blip r:embed="rId9"/>
                   <a:stretch>
-                    <a:fillRect l="-4000" t="-48529" b="-67647"/>
+                    <a:fillRect t="-48529" b="-67647"/>
                   </a:stretch>
                 </a:blipFill>
               </p:spPr>
@@ -21364,8 +24754,8 @@
             </p:sp>
           </mc:Fallback>
         </mc:AlternateContent>
-        <mc:AlternateContent xmlns:mc="http://schemas.openxmlformats.org/markup-compatibility/2006" xmlns:a14="http://schemas.microsoft.com/office/drawing/2010/main">
-          <mc:Choice Requires="a14">
+        <mc:AlternateContent xmlns:mc="http://schemas.openxmlformats.org/markup-compatibility/2006">
+          <mc:Choice xmlns:a14="http://schemas.microsoft.com/office/drawing/2010/main" Requires="a14">
             <p:sp>
               <p:nvSpPr>
                 <p:cNvPr id="15" name="Oval 14"/>
@@ -21374,7 +24764,7 @@
               </p:nvSpPr>
               <p:spPr>
                 <a:xfrm>
-                  <a:off x="4871467" y="3969293"/>
+                  <a:off x="4882000" y="3985190"/>
                   <a:ext cx="460724" cy="445769"/>
                 </a:xfrm>
                 <a:prstGeom prst="ellipse">
@@ -21398,7 +24788,7 @@
                 </a:fontRef>
               </p:style>
               <p:txBody>
-                <a:bodyPr rtlCol="0" anchor="ctr"/>
+                <a:bodyPr lIns="0" rtlCol="0" anchor="ctr"/>
                 <a:lstStyle/>
                 <a:p>
                   <a:pPr algn="ctr"/>
@@ -21426,15 +24816,6 @@
                             </m:ctrlPr>
                           </m:sSubPr>
                           <m:e>
-                            <m:r>
-                              <a:rPr lang="en-US" sz="1400" b="0" i="1" smtClean="0">
-                                <a:solidFill>
-                                  <a:schemeClr val="tx1"/>
-                                </a:solidFill>
-                                <a:latin typeface="Cambria Math" charset="0"/>
-                              </a:rPr>
-                              <m:t>  </m:t>
-                            </m:r>
                             <m:r>
                               <a:rPr lang="en-US" sz="1400" b="0" i="1" smtClean="0">
                                 <a:solidFill>
@@ -21478,7 +24859,7 @@
               </p:txBody>
             </p:sp>
           </mc:Choice>
-          <mc:Fallback xmlns="">
+          <mc:Fallback>
             <p:sp>
               <p:nvSpPr>
                 <p:cNvPr id="15" name="Oval 14"/>
@@ -21489,7 +24870,7 @@
               </p:nvSpPr>
               <p:spPr>
                 <a:xfrm>
-                  <a:off x="4871467" y="3969293"/>
+                  <a:off x="4882000" y="3985190"/>
                   <a:ext cx="460724" cy="445769"/>
                 </a:xfrm>
                 <a:prstGeom prst="ellipse">
@@ -21498,7 +24879,7 @@
                 <a:blipFill rotWithShape="0">
                   <a:blip r:embed="rId10"/>
                   <a:stretch>
-                    <a:fillRect l="-20000" t="-38158" b="-55263"/>
+                    <a:fillRect/>
                   </a:stretch>
                 </a:blipFill>
               </p:spPr>
@@ -21517,8 +24898,8 @@
             </p:sp>
           </mc:Fallback>
         </mc:AlternateContent>
-        <mc:AlternateContent xmlns:mc="http://schemas.openxmlformats.org/markup-compatibility/2006" xmlns:a14="http://schemas.microsoft.com/office/drawing/2010/main">
-          <mc:Choice Requires="a14">
+        <mc:AlternateContent xmlns:mc="http://schemas.openxmlformats.org/markup-compatibility/2006">
+          <mc:Choice xmlns:a14="http://schemas.microsoft.com/office/drawing/2010/main" Requires="a14">
             <p:sp>
               <p:nvSpPr>
                 <p:cNvPr id="16" name="Oval 15"/>
@@ -21551,7 +24932,7 @@
                 </a:fontRef>
               </p:style>
               <p:txBody>
-                <a:bodyPr rtlCol="0" anchor="ctr"/>
+                <a:bodyPr lIns="0" rtlCol="0" anchor="ctr"/>
                 <a:lstStyle/>
                 <a:p>
                   <a:pPr algn="ctr"/>
@@ -21579,15 +24960,6 @@
                             </m:ctrlPr>
                           </m:sSubPr>
                           <m:e>
-                            <m:r>
-                              <a:rPr lang="en-US" sz="1400" b="0" i="1" smtClean="0">
-                                <a:solidFill>
-                                  <a:schemeClr val="tx1"/>
-                                </a:solidFill>
-                                <a:latin typeface="Cambria Math" charset="0"/>
-                              </a:rPr>
-                              <m:t>  </m:t>
-                            </m:r>
                             <m:r>
                               <a:rPr lang="en-US" sz="1400" b="0" i="1" smtClean="0">
                                 <a:solidFill>
@@ -21631,7 +25003,7 @@
               </p:txBody>
             </p:sp>
           </mc:Choice>
-          <mc:Fallback xmlns="">
+          <mc:Fallback>
             <p:sp>
               <p:nvSpPr>
                 <p:cNvPr id="16" name="Oval 15"/>
@@ -21651,7 +25023,7 @@
                 <a:blipFill rotWithShape="0">
                   <a:blip r:embed="rId11"/>
                   <a:stretch>
-                    <a:fillRect l="-21333" t="-38158" b="-55263"/>
+                    <a:fillRect/>
                   </a:stretch>
                 </a:blipFill>
               </p:spPr>
@@ -21670,8 +25042,8 @@
             </p:sp>
           </mc:Fallback>
         </mc:AlternateContent>
-        <mc:AlternateContent xmlns:mc="http://schemas.openxmlformats.org/markup-compatibility/2006" xmlns:a14="http://schemas.microsoft.com/office/drawing/2010/main">
-          <mc:Choice Requires="a14">
+        <mc:AlternateContent xmlns:mc="http://schemas.openxmlformats.org/markup-compatibility/2006">
+          <mc:Choice xmlns:a14="http://schemas.microsoft.com/office/drawing/2010/main" Requires="a14">
             <p:sp>
               <p:nvSpPr>
                 <p:cNvPr id="17" name="Oval 16"/>
@@ -21704,7 +25076,7 @@
                 </a:fontRef>
               </p:style>
               <p:txBody>
-                <a:bodyPr rtlCol="0" anchor="ctr"/>
+                <a:bodyPr lIns="0" rtlCol="0" anchor="ctr"/>
                 <a:lstStyle/>
                 <a:p>
                   <a:pPr algn="ctr"/>
@@ -21775,7 +25147,7 @@
               </p:txBody>
             </p:sp>
           </mc:Choice>
-          <mc:Fallback xmlns="">
+          <mc:Fallback>
             <p:sp>
               <p:nvSpPr>
                 <p:cNvPr id="17" name="Oval 16"/>
@@ -21795,7 +25167,7 @@
                 <a:blipFill rotWithShape="0">
                   <a:blip r:embed="rId12"/>
                   <a:stretch>
-                    <a:fillRect l="-2667" t="-38158" b="-55263"/>
+                    <a:fillRect l="-5333" t="-38158" b="-55263"/>
                   </a:stretch>
                 </a:blipFill>
               </p:spPr>
@@ -21814,8 +25186,8 @@
             </p:sp>
           </mc:Fallback>
         </mc:AlternateContent>
-        <mc:AlternateContent xmlns:mc="http://schemas.openxmlformats.org/markup-compatibility/2006" xmlns:a14="http://schemas.microsoft.com/office/drawing/2010/main">
-          <mc:Choice Requires="a14">
+        <mc:AlternateContent xmlns:mc="http://schemas.openxmlformats.org/markup-compatibility/2006">
+          <mc:Choice xmlns:a14="http://schemas.microsoft.com/office/drawing/2010/main" Requires="a14">
             <p:sp>
               <p:nvSpPr>
                 <p:cNvPr id="18" name="Oval 17"/>
@@ -21851,7 +25223,7 @@
                 </a:fontRef>
               </p:style>
               <p:txBody>
-                <a:bodyPr rtlCol="0" anchor="ctr"/>
+                <a:bodyPr lIns="0" rtlCol="0" anchor="ctr"/>
                 <a:lstStyle/>
                 <a:p>
                   <a:pPr algn="ctr"/>
@@ -21922,7 +25294,7 @@
               </p:txBody>
             </p:sp>
           </mc:Choice>
-          <mc:Fallback xmlns="">
+          <mc:Fallback>
             <p:sp>
               <p:nvSpPr>
                 <p:cNvPr id="18" name="Oval 17"/>
@@ -21942,7 +25314,7 @@
                 <a:blipFill rotWithShape="0">
                   <a:blip r:embed="rId13"/>
                   <a:stretch>
-                    <a:fillRect l="-1333" t="-46377" b="-66667"/>
+                    <a:fillRect l="-4000" t="-46377" b="-66667"/>
                   </a:stretch>
                 </a:blipFill>
               </p:spPr>

--- a/Seq2seq_meetup.pptx
+++ b/Seq2seq_meetup.pptx
@@ -5,7 +5,7 @@
     <p:sldMasterId id="2147483869" r:id="rId1"/>
   </p:sldMasterIdLst>
   <p:notesMasterIdLst>
-    <p:notesMasterId r:id="rId20"/>
+    <p:notesMasterId r:id="rId21"/>
   </p:notesMasterIdLst>
   <p:sldIdLst>
     <p:sldId id="256" r:id="rId2"/>
@@ -20,12 +20,13 @@
     <p:sldId id="267" r:id="rId11"/>
     <p:sldId id="266" r:id="rId12"/>
     <p:sldId id="274" r:id="rId13"/>
-    <p:sldId id="268" r:id="rId14"/>
-    <p:sldId id="269" r:id="rId15"/>
-    <p:sldId id="270" r:id="rId16"/>
-    <p:sldId id="271" r:id="rId17"/>
-    <p:sldId id="272" r:id="rId18"/>
-    <p:sldId id="273" r:id="rId19"/>
+    <p:sldId id="276" r:id="rId14"/>
+    <p:sldId id="268" r:id="rId15"/>
+    <p:sldId id="269" r:id="rId16"/>
+    <p:sldId id="270" r:id="rId17"/>
+    <p:sldId id="271" r:id="rId18"/>
+    <p:sldId id="272" r:id="rId19"/>
+    <p:sldId id="273" r:id="rId20"/>
   </p:sldIdLst>
   <p:sldSz cx="12192000" cy="6858000"/>
   <p:notesSz cx="6858000" cy="9144000"/>
@@ -214,7 +215,7 @@
           <a:p>
             <a:fld id="{2EB95825-84A9-604F-BC9F-7ED18F5C0F2B}" type="datetimeFigureOut">
               <a:rPr lang="en-US" smtClean="0"/>
-              <a:t>8/13/18</a:t>
+              <a:t>8/14/18</a:t>
             </a:fld>
             <a:endParaRPr lang="en-US"/>
           </a:p>
@@ -1555,7 +1556,7 @@
             <a:fld id="{B61BEF0D-F0BB-DE4B-95CE-6DB70DBA9567}" type="datetimeFigureOut">
               <a:rPr lang="en-US" smtClean="0"/>
               <a:pPr/>
-              <a:t>8/13/18</a:t>
+              <a:t>8/14/18</a:t>
             </a:fld>
             <a:endParaRPr lang="en-US" dirty="0"/>
           </a:p>
@@ -1815,7 +1816,7 @@
             <a:fld id="{B61BEF0D-F0BB-DE4B-95CE-6DB70DBA9567}" type="datetimeFigureOut">
               <a:rPr lang="en-US" smtClean="0"/>
               <a:pPr/>
-              <a:t>8/13/18</a:t>
+              <a:t>8/14/18</a:t>
             </a:fld>
             <a:endParaRPr lang="en-US" dirty="0"/>
           </a:p>
@@ -2138,7 +2139,7 @@
             <a:fld id="{B61BEF0D-F0BB-DE4B-95CE-6DB70DBA9567}" type="datetimeFigureOut">
               <a:rPr lang="en-US" smtClean="0"/>
               <a:pPr/>
-              <a:t>8/13/18</a:t>
+              <a:t>8/14/18</a:t>
             </a:fld>
             <a:endParaRPr lang="en-US" dirty="0"/>
           </a:p>
@@ -2488,7 +2489,7 @@
             <a:fld id="{B61BEF0D-F0BB-DE4B-95CE-6DB70DBA9567}" type="datetimeFigureOut">
               <a:rPr lang="en-US" smtClean="0"/>
               <a:pPr/>
-              <a:t>8/13/18</a:t>
+              <a:t>8/14/18</a:t>
             </a:fld>
             <a:endParaRPr lang="en-US" dirty="0"/>
           </a:p>
@@ -2811,7 +2812,7 @@
             <a:fld id="{B61BEF0D-F0BB-DE4B-95CE-6DB70DBA9567}" type="datetimeFigureOut">
               <a:rPr lang="en-US" smtClean="0"/>
               <a:pPr/>
-              <a:t>8/13/18</a:t>
+              <a:t>8/14/18</a:t>
             </a:fld>
             <a:endParaRPr lang="en-US" dirty="0"/>
           </a:p>
@@ -3213,7 +3214,7 @@
             <a:fld id="{B61BEF0D-F0BB-DE4B-95CE-6DB70DBA9567}" type="datetimeFigureOut">
               <a:rPr lang="en-US" smtClean="0"/>
               <a:pPr/>
-              <a:t>8/13/18</a:t>
+              <a:t>8/14/18</a:t>
             </a:fld>
             <a:endParaRPr lang="en-US" dirty="0"/>
           </a:p>
@@ -3391,7 +3392,7 @@
           <a:p>
             <a:fld id="{55C6B4A9-1611-4792-9094-5F34BCA07E0B}" type="datetimeFigureOut">
               <a:rPr lang="en-US" smtClean="0"/>
-              <a:t>8/13/18</a:t>
+              <a:t>8/14/18</a:t>
             </a:fld>
             <a:endParaRPr lang="en-US" dirty="0"/>
           </a:p>
@@ -3579,7 +3580,7 @@
             <a:fld id="{B61BEF0D-F0BB-DE4B-95CE-6DB70DBA9567}" type="datetimeFigureOut">
               <a:rPr lang="en-US" smtClean="0"/>
               <a:pPr/>
-              <a:t>8/13/18</a:t>
+              <a:t>8/14/18</a:t>
             </a:fld>
             <a:endParaRPr lang="en-US" dirty="0"/>
           </a:p>
@@ -3778,7 +3779,7 @@
             <a:fld id="{B61BEF0D-F0BB-DE4B-95CE-6DB70DBA9567}" type="datetimeFigureOut">
               <a:rPr lang="en-US" smtClean="0"/>
               <a:pPr/>
-              <a:t>8/13/18</a:t>
+              <a:t>8/14/18</a:t>
             </a:fld>
             <a:endParaRPr lang="en-US" dirty="0"/>
           </a:p>
@@ -4034,7 +4035,7 @@
             <a:fld id="{B61BEF0D-F0BB-DE4B-95CE-6DB70DBA9567}" type="datetimeFigureOut">
               <a:rPr lang="en-US" smtClean="0"/>
               <a:pPr/>
-              <a:t>8/13/18</a:t>
+              <a:t>8/14/18</a:t>
             </a:fld>
             <a:endParaRPr lang="en-US" dirty="0"/>
           </a:p>
@@ -4267,7 +4268,7 @@
           <a:p>
             <a:fld id="{EB712588-04B1-427B-82EE-E8DB90309F08}" type="datetimeFigureOut">
               <a:rPr lang="en-US" smtClean="0"/>
-              <a:t>8/13/18</a:t>
+              <a:t>8/14/18</a:t>
             </a:fld>
             <a:endParaRPr lang="en-US" dirty="0"/>
           </a:p>
@@ -4642,7 +4643,7 @@
             <a:fld id="{B61BEF0D-F0BB-DE4B-95CE-6DB70DBA9567}" type="datetimeFigureOut">
               <a:rPr lang="en-US" smtClean="0"/>
               <a:pPr/>
-              <a:t>8/13/18</a:t>
+              <a:t>8/14/18</a:t>
             </a:fld>
             <a:endParaRPr lang="en-US" dirty="0"/>
           </a:p>
@@ -4767,7 +4768,7 @@
             <a:fld id="{B61BEF0D-F0BB-DE4B-95CE-6DB70DBA9567}" type="datetimeFigureOut">
               <a:rPr lang="en-US" smtClean="0"/>
               <a:pPr/>
-              <a:t>8/13/18</a:t>
+              <a:t>8/14/18</a:t>
             </a:fld>
             <a:endParaRPr lang="en-US" dirty="0"/>
           </a:p>
@@ -4871,7 +4872,7 @@
             <a:fld id="{B61BEF0D-F0BB-DE4B-95CE-6DB70DBA9567}" type="datetimeFigureOut">
               <a:rPr lang="en-US" smtClean="0"/>
               <a:pPr/>
-              <a:t>8/13/18</a:t>
+              <a:t>8/14/18</a:t>
             </a:fld>
             <a:endParaRPr lang="en-US" dirty="0"/>
           </a:p>
@@ -5134,7 +5135,7 @@
           <a:p>
             <a:fld id="{42A54C80-263E-416B-A8E0-580EDEADCBDC}" type="datetimeFigureOut">
               <a:rPr lang="en-US" smtClean="0"/>
-              <a:t>8/13/18</a:t>
+              <a:t>8/14/18</a:t>
             </a:fld>
             <a:endParaRPr lang="en-US" dirty="0"/>
           </a:p>
@@ -5405,7 +5406,7 @@
             <a:fld id="{B61BEF0D-F0BB-DE4B-95CE-6DB70DBA9567}" type="datetimeFigureOut">
               <a:rPr lang="en-US" smtClean="0"/>
               <a:pPr/>
-              <a:t>8/13/18</a:t>
+              <a:t>8/14/18</a:t>
             </a:fld>
             <a:endParaRPr lang="en-US" dirty="0"/>
           </a:p>
@@ -6166,7 +6167,7 @@
             <a:fld id="{B61BEF0D-F0BB-DE4B-95CE-6DB70DBA9567}" type="datetimeFigureOut">
               <a:rPr lang="en-US" smtClean="0"/>
               <a:pPr/>
-              <a:t>8/13/18</a:t>
+              <a:t>8/14/18</a:t>
             </a:fld>
             <a:endParaRPr lang="en-US" dirty="0"/>
           </a:p>
@@ -11798,11 +11799,6 @@
               </a:rPr>
               <a:t>apples</a:t>
             </a:r>
-            <a:endParaRPr lang="en-US" sz="1100" b="0" dirty="0" smtClean="0">
-              <a:solidFill>
-                <a:schemeClr val="tx1"/>
-              </a:solidFill>
-            </a:endParaRPr>
           </a:p>
           <a:p>
             <a:pPr algn="ctr"/>
@@ -12029,11 +12025,6 @@
               </a:rPr>
               <a:t>red</a:t>
             </a:r>
-            <a:endParaRPr lang="en-US" sz="1100" b="0" dirty="0" smtClean="0">
-              <a:solidFill>
-                <a:schemeClr val="tx1"/>
-              </a:solidFill>
-            </a:endParaRPr>
           </a:p>
           <a:p>
             <a:pPr algn="ctr"/>
@@ -12770,11 +12761,6 @@
                     </a:rPr>
                     <a:t>les</a:t>
                   </a:r>
-                  <a:endParaRPr lang="en-US" sz="1100" b="0" dirty="0" smtClean="0">
-                    <a:solidFill>
-                      <a:schemeClr val="tx1"/>
-                    </a:solidFill>
-                  </a:endParaRPr>
                 </a:p>
                 <a:p>
                   <a:pPr algn="ctr"/>
@@ -13137,11 +13123,6 @@
                     </a:rPr>
                     <a:t>pommes</a:t>
                   </a:r>
-                  <a:endParaRPr lang="en-US" sz="1100" b="0" dirty="0" smtClean="0">
-                    <a:solidFill>
-                      <a:schemeClr val="tx1"/>
-                    </a:solidFill>
-                  </a:endParaRPr>
                 </a:p>
                 <a:p>
                   <a:pPr algn="ctr"/>
@@ -14711,11 +14692,6 @@
               </a:rPr>
               <a:t>les</a:t>
             </a:r>
-            <a:endParaRPr lang="en-US" sz="1100" b="0" dirty="0" smtClean="0">
-              <a:solidFill>
-                <a:schemeClr val="tx1"/>
-              </a:solidFill>
-            </a:endParaRPr>
           </a:p>
           <a:p>
             <a:pPr algn="ctr"/>
@@ -14785,11 +14761,6 @@
               </a:rPr>
               <a:t>pommes</a:t>
             </a:r>
-            <a:endParaRPr lang="en-US" sz="1100" b="0" dirty="0" smtClean="0">
-              <a:solidFill>
-                <a:schemeClr val="tx1"/>
-              </a:solidFill>
-            </a:endParaRPr>
           </a:p>
           <a:p>
             <a:pPr algn="ctr"/>
@@ -14893,6 +14864,404 @@
           <a:chExt cx="0" cy="0"/>
         </a:xfrm>
       </p:grpSpPr>
+      <p:grpSp>
+        <p:nvGrpSpPr>
+          <p:cNvPr id="16" name="Group 15"/>
+          <p:cNvGrpSpPr/>
+          <p:nvPr/>
+        </p:nvGrpSpPr>
+        <p:grpSpPr>
+          <a:xfrm>
+            <a:off x="1866900" y="1778000"/>
+            <a:ext cx="7543800" cy="4686300"/>
+            <a:chOff x="1536700" y="825500"/>
+            <a:chExt cx="7543800" cy="4686300"/>
+          </a:xfrm>
+        </p:grpSpPr>
+        <p:sp>
+          <p:nvSpPr>
+            <p:cNvPr id="3" name="Rounded Rectangle 2"/>
+            <p:cNvSpPr/>
+            <p:nvPr/>
+          </p:nvSpPr>
+          <p:spPr>
+            <a:xfrm>
+              <a:off x="2794000" y="4762500"/>
+              <a:ext cx="5029200" cy="749300"/>
+            </a:xfrm>
+            <a:prstGeom prst="roundRect">
+              <a:avLst/>
+            </a:prstGeom>
+          </p:spPr>
+          <p:style>
+            <a:lnRef idx="2">
+              <a:schemeClr val="accent1">
+                <a:shade val="50000"/>
+              </a:schemeClr>
+            </a:lnRef>
+            <a:fillRef idx="1">
+              <a:schemeClr val="accent1"/>
+            </a:fillRef>
+            <a:effectRef idx="0">
+              <a:schemeClr val="accent1"/>
+            </a:effectRef>
+            <a:fontRef idx="minor">
+              <a:schemeClr val="lt1"/>
+            </a:fontRef>
+          </p:style>
+          <p:txBody>
+            <a:bodyPr rtlCol="0" anchor="ctr"/>
+            <a:lstStyle/>
+            <a:p>
+              <a:pPr algn="ctr"/>
+              <a:r>
+                <a:rPr lang="en-US" dirty="0" smtClean="0">
+                  <a:solidFill>
+                    <a:schemeClr val="tx1"/>
+                  </a:solidFill>
+                </a:rPr>
+                <a:t>RNN Output Vector</a:t>
+              </a:r>
+              <a:endParaRPr lang="en-US" dirty="0">
+                <a:solidFill>
+                  <a:schemeClr val="tx1"/>
+                </a:solidFill>
+              </a:endParaRPr>
+            </a:p>
+          </p:txBody>
+        </p:sp>
+        <p:sp>
+          <p:nvSpPr>
+            <p:cNvPr id="4" name="Rounded Rectangle 3"/>
+            <p:cNvSpPr/>
+            <p:nvPr/>
+          </p:nvSpPr>
+          <p:spPr>
+            <a:xfrm>
+              <a:off x="1536700" y="1917700"/>
+              <a:ext cx="7543800" cy="635000"/>
+            </a:xfrm>
+            <a:prstGeom prst="roundRect">
+              <a:avLst/>
+            </a:prstGeom>
+            <a:solidFill>
+              <a:schemeClr val="accent3"/>
+            </a:solidFill>
+          </p:spPr>
+          <p:style>
+            <a:lnRef idx="2">
+              <a:schemeClr val="accent1">
+                <a:shade val="50000"/>
+              </a:schemeClr>
+            </a:lnRef>
+            <a:fillRef idx="1">
+              <a:schemeClr val="accent1"/>
+            </a:fillRef>
+            <a:effectRef idx="0">
+              <a:schemeClr val="accent1"/>
+            </a:effectRef>
+            <a:fontRef idx="minor">
+              <a:schemeClr val="lt1"/>
+            </a:fontRef>
+          </p:style>
+          <p:txBody>
+            <a:bodyPr rtlCol="0" anchor="ctr"/>
+            <a:lstStyle/>
+            <a:p>
+              <a:pPr algn="ctr"/>
+              <a:r>
+                <a:rPr lang="en-US" dirty="0" smtClean="0">
+                  <a:solidFill>
+                    <a:schemeClr val="tx1"/>
+                  </a:solidFill>
+                </a:rPr>
+                <a:t>Probabilities for each element in the Vocabulary</a:t>
+              </a:r>
+              <a:endParaRPr lang="en-US" dirty="0">
+                <a:solidFill>
+                  <a:schemeClr val="tx1"/>
+                </a:solidFill>
+              </a:endParaRPr>
+            </a:p>
+          </p:txBody>
+        </p:sp>
+        <p:sp>
+          <p:nvSpPr>
+            <p:cNvPr id="5" name="Rounded Rectangle 4"/>
+            <p:cNvSpPr/>
+            <p:nvPr/>
+          </p:nvSpPr>
+          <p:spPr>
+            <a:xfrm>
+              <a:off x="4768850" y="3302000"/>
+              <a:ext cx="1079500" cy="660400"/>
+            </a:xfrm>
+            <a:prstGeom prst="roundRect">
+              <a:avLst/>
+            </a:prstGeom>
+            <a:solidFill>
+              <a:schemeClr val="accent4">
+                <a:lumMod val="20000"/>
+                <a:lumOff val="80000"/>
+              </a:schemeClr>
+            </a:solidFill>
+          </p:spPr>
+          <p:style>
+            <a:lnRef idx="2">
+              <a:schemeClr val="accent1">
+                <a:shade val="50000"/>
+              </a:schemeClr>
+            </a:lnRef>
+            <a:fillRef idx="1">
+              <a:schemeClr val="accent1"/>
+            </a:fillRef>
+            <a:effectRef idx="0">
+              <a:schemeClr val="accent1"/>
+            </a:effectRef>
+            <a:fontRef idx="minor">
+              <a:schemeClr val="lt1"/>
+            </a:fontRef>
+          </p:style>
+          <p:txBody>
+            <a:bodyPr rtlCol="0" anchor="ctr"/>
+            <a:lstStyle/>
+            <a:p>
+              <a:pPr algn="ctr"/>
+              <a:r>
+                <a:rPr lang="en-US" dirty="0" smtClean="0">
+                  <a:solidFill>
+                    <a:schemeClr val="tx1"/>
+                  </a:solidFill>
+                </a:rPr>
+                <a:t>W</a:t>
+              </a:r>
+              <a:r>
+                <a:rPr lang="en-US" baseline="-25000" dirty="0" smtClean="0">
+                  <a:solidFill>
+                    <a:schemeClr val="tx1"/>
+                  </a:solidFill>
+                </a:rPr>
+                <a:t>P</a:t>
+              </a:r>
+              <a:endParaRPr lang="en-US" dirty="0">
+                <a:solidFill>
+                  <a:schemeClr val="tx1"/>
+                </a:solidFill>
+              </a:endParaRPr>
+            </a:p>
+          </p:txBody>
+        </p:sp>
+        <p:cxnSp>
+          <p:nvCxnSpPr>
+            <p:cNvPr id="7" name="Straight Arrow Connector 6"/>
+            <p:cNvCxnSpPr>
+              <a:stCxn id="3" idx="0"/>
+              <a:endCxn id="5" idx="2"/>
+            </p:cNvCxnSpPr>
+            <p:nvPr/>
+          </p:nvCxnSpPr>
+          <p:spPr>
+            <a:xfrm flipV="1">
+              <a:off x="5308600" y="3962400"/>
+              <a:ext cx="0" cy="800100"/>
+            </a:xfrm>
+            <a:prstGeom prst="straightConnector1">
+              <a:avLst/>
+            </a:prstGeom>
+            <a:ln w="31750">
+              <a:solidFill>
+                <a:schemeClr val="tx2"/>
+              </a:solidFill>
+              <a:tailEnd type="triangle"/>
+            </a:ln>
+          </p:spPr>
+          <p:style>
+            <a:lnRef idx="1">
+              <a:schemeClr val="accent1"/>
+            </a:lnRef>
+            <a:fillRef idx="0">
+              <a:schemeClr val="accent1"/>
+            </a:fillRef>
+            <a:effectRef idx="0">
+              <a:schemeClr val="accent1"/>
+            </a:effectRef>
+            <a:fontRef idx="minor">
+              <a:schemeClr val="tx1"/>
+            </a:fontRef>
+          </p:style>
+        </p:cxnSp>
+        <p:cxnSp>
+          <p:nvCxnSpPr>
+            <p:cNvPr id="9" name="Straight Arrow Connector 8"/>
+            <p:cNvCxnSpPr>
+              <a:stCxn id="5" idx="0"/>
+              <a:endCxn id="4" idx="2"/>
+            </p:cNvCxnSpPr>
+            <p:nvPr/>
+          </p:nvCxnSpPr>
+          <p:spPr>
+            <a:xfrm flipV="1">
+              <a:off x="5308600" y="2552700"/>
+              <a:ext cx="0" cy="749300"/>
+            </a:xfrm>
+            <a:prstGeom prst="straightConnector1">
+              <a:avLst/>
+            </a:prstGeom>
+            <a:ln w="31750">
+              <a:solidFill>
+                <a:schemeClr val="tx2"/>
+              </a:solidFill>
+              <a:tailEnd type="triangle"/>
+            </a:ln>
+          </p:spPr>
+          <p:style>
+            <a:lnRef idx="1">
+              <a:schemeClr val="accent1"/>
+            </a:lnRef>
+            <a:fillRef idx="0">
+              <a:schemeClr val="accent1"/>
+            </a:fillRef>
+            <a:effectRef idx="0">
+              <a:schemeClr val="accent1"/>
+            </a:effectRef>
+            <a:fontRef idx="minor">
+              <a:schemeClr val="tx1"/>
+            </a:fontRef>
+          </p:style>
+        </p:cxnSp>
+        <p:cxnSp>
+          <p:nvCxnSpPr>
+            <p:cNvPr id="14" name="Straight Arrow Connector 13"/>
+            <p:cNvCxnSpPr/>
+            <p:nvPr/>
+          </p:nvCxnSpPr>
+          <p:spPr>
+            <a:xfrm flipV="1">
+              <a:off x="5283200" y="1168400"/>
+              <a:ext cx="0" cy="749300"/>
+            </a:xfrm>
+            <a:prstGeom prst="straightConnector1">
+              <a:avLst/>
+            </a:prstGeom>
+            <a:ln w="31750">
+              <a:solidFill>
+                <a:schemeClr val="tx2"/>
+              </a:solidFill>
+              <a:tailEnd type="triangle"/>
+            </a:ln>
+          </p:spPr>
+          <p:style>
+            <a:lnRef idx="1">
+              <a:schemeClr val="accent1"/>
+            </a:lnRef>
+            <a:fillRef idx="0">
+              <a:schemeClr val="accent1"/>
+            </a:fillRef>
+            <a:effectRef idx="0">
+              <a:schemeClr val="accent1"/>
+            </a:effectRef>
+            <a:fontRef idx="minor">
+              <a:schemeClr val="tx1"/>
+            </a:fontRef>
+          </p:style>
+        </p:cxnSp>
+        <p:sp>
+          <p:nvSpPr>
+            <p:cNvPr id="15" name="TextBox 14"/>
+            <p:cNvSpPr txBox="1"/>
+            <p:nvPr/>
+          </p:nvSpPr>
+          <p:spPr>
+            <a:xfrm>
+              <a:off x="3962400" y="825500"/>
+              <a:ext cx="3703536" cy="369332"/>
+            </a:xfrm>
+            <a:prstGeom prst="rect">
+              <a:avLst/>
+            </a:prstGeom>
+            <a:noFill/>
+          </p:spPr>
+          <p:txBody>
+            <a:bodyPr wrap="square" rtlCol="0">
+              <a:spAutoFit/>
+            </a:bodyPr>
+            <a:lstStyle/>
+            <a:p>
+              <a:r>
+                <a:rPr lang="en-US" dirty="0" smtClean="0"/>
+                <a:t>Take Most </a:t>
+              </a:r>
+              <a:r>
+                <a:rPr lang="en-US" smtClean="0"/>
+                <a:t>Probable element (y)</a:t>
+              </a:r>
+              <a:endParaRPr lang="en-US" dirty="0"/>
+            </a:p>
+          </p:txBody>
+        </p:sp>
+      </p:grpSp>
+      <p:sp>
+        <p:nvSpPr>
+          <p:cNvPr id="17" name="Title 16"/>
+          <p:cNvSpPr>
+            <a:spLocks noGrp="1"/>
+          </p:cNvSpPr>
+          <p:nvPr>
+            <p:ph type="title"/>
+          </p:nvPr>
+        </p:nvSpPr>
+        <p:spPr>
+          <a:xfrm>
+            <a:off x="677334" y="609600"/>
+            <a:ext cx="9711266" cy="1320800"/>
+          </a:xfrm>
+        </p:spPr>
+        <p:txBody>
+          <a:bodyPr/>
+          <a:lstStyle/>
+          <a:p>
+            <a:r>
+              <a:rPr lang="en-US" dirty="0" smtClean="0"/>
+              <a:t>Inside the Projector- a One </a:t>
+            </a:r>
+            <a:r>
+              <a:rPr lang="en-US" smtClean="0"/>
+              <a:t>layer Neural Net</a:t>
+            </a:r>
+            <a:endParaRPr lang="en-US"/>
+          </a:p>
+        </p:txBody>
+      </p:sp>
+    </p:spTree>
+    <p:extLst>
+      <p:ext uri="{BB962C8B-B14F-4D97-AF65-F5344CB8AC3E}">
+        <p14:creationId xmlns:p14="http://schemas.microsoft.com/office/powerpoint/2010/main" val="310876887"/>
+      </p:ext>
+    </p:extLst>
+  </p:cSld>
+  <p:clrMapOvr>
+    <a:masterClrMapping/>
+  </p:clrMapOvr>
+</p:sld>
+</file>
+
+<file path=ppt/slides/slide14.xml><?xml version="1.0" encoding="utf-8"?>
+<p:sld xmlns:a="http://schemas.openxmlformats.org/drawingml/2006/main" xmlns:r="http://schemas.openxmlformats.org/officeDocument/2006/relationships" xmlns:p="http://schemas.openxmlformats.org/presentationml/2006/main" showMasterSp="0">
+  <p:cSld>
+    <p:spTree>
+      <p:nvGrpSpPr>
+        <p:cNvPr id="1" name=""/>
+        <p:cNvGrpSpPr/>
+        <p:nvPr/>
+      </p:nvGrpSpPr>
+      <p:grpSpPr>
+        <a:xfrm>
+          <a:off x="0" y="0"/>
+          <a:ext cx="0" cy="0"/>
+          <a:chOff x="0" y="0"/>
+          <a:chExt cx="0" cy="0"/>
+        </a:xfrm>
+      </p:grpSpPr>
       <p:sp>
         <p:nvSpPr>
           <p:cNvPr id="2" name="Title 1"/>
@@ -15002,7 +15371,7 @@
 </p:sld>
 </file>
 
-<file path=ppt/slides/slide14.xml><?xml version="1.0" encoding="utf-8"?>
+<file path=ppt/slides/slide15.xml><?xml version="1.0" encoding="utf-8"?>
 <p:sld xmlns:a="http://schemas.openxmlformats.org/drawingml/2006/main" xmlns:r="http://schemas.openxmlformats.org/officeDocument/2006/relationships" xmlns:p="http://schemas.openxmlformats.org/presentationml/2006/main" showMasterSp="0">
   <p:cSld>
     <p:spTree>
@@ -18851,7 +19220,7 @@
 </p:sld>
 </file>
 
-<file path=ppt/slides/slide15.xml><?xml version="1.0" encoding="utf-8"?>
+<file path=ppt/slides/slide16.xml><?xml version="1.0" encoding="utf-8"?>
 <p:sld xmlns:a="http://schemas.openxmlformats.org/drawingml/2006/main" xmlns:r="http://schemas.openxmlformats.org/officeDocument/2006/relationships" xmlns:p="http://schemas.openxmlformats.org/presentationml/2006/main" showMasterSp="0">
   <p:cSld>
     <p:spTree>
@@ -19193,7 +19562,7 @@
 </p:sld>
 </file>
 
-<file path=ppt/slides/slide16.xml><?xml version="1.0" encoding="utf-8"?>
+<file path=ppt/slides/slide17.xml><?xml version="1.0" encoding="utf-8"?>
 <p:sld xmlns:a="http://schemas.openxmlformats.org/drawingml/2006/main" xmlns:r="http://schemas.openxmlformats.org/officeDocument/2006/relationships" xmlns:p="http://schemas.openxmlformats.org/presentationml/2006/main" showMasterSp="0">
   <p:cSld>
     <p:spTree>
@@ -19386,7 +19755,7 @@
 </p:sld>
 </file>
 
-<file path=ppt/slides/slide17.xml><?xml version="1.0" encoding="utf-8"?>
+<file path=ppt/slides/slide18.xml><?xml version="1.0" encoding="utf-8"?>
 <p:sld xmlns:a="http://schemas.openxmlformats.org/drawingml/2006/main" xmlns:r="http://schemas.openxmlformats.org/officeDocument/2006/relationships" xmlns:p="http://schemas.openxmlformats.org/presentationml/2006/main" showMasterSp="0">
   <p:cSld>
     <p:spTree>
@@ -19610,7 +19979,7 @@
 </p:sld>
 </file>
 
-<file path=ppt/slides/slide18.xml><?xml version="1.0" encoding="utf-8"?>
+<file path=ppt/slides/slide19.xml><?xml version="1.0" encoding="utf-8"?>
 <p:sld xmlns:a="http://schemas.openxmlformats.org/drawingml/2006/main" xmlns:r="http://schemas.openxmlformats.org/officeDocument/2006/relationships" xmlns:p="http://schemas.openxmlformats.org/presentationml/2006/main" showMasterSp="0">
   <p:cSld>
     <p:spTree>
@@ -24146,8 +24515,8 @@
             </a:p>
           </p:txBody>
         </p:sp>
-        <mc:AlternateContent xmlns:mc="http://schemas.openxmlformats.org/markup-compatibility/2006">
-          <mc:Choice xmlns:a14="http://schemas.microsoft.com/office/drawing/2010/main" Requires="a14">
+        <mc:AlternateContent xmlns:mc="http://schemas.openxmlformats.org/markup-compatibility/2006" xmlns:a14="http://schemas.microsoft.com/office/drawing/2010/main">
+          <mc:Choice Requires="a14">
             <p:sp>
               <p:nvSpPr>
                 <p:cNvPr id="8" name="Oval 7"/>
@@ -24242,7 +24611,7 @@
               </p:txBody>
             </p:sp>
           </mc:Choice>
-          <mc:Fallback>
+          <mc:Fallback xmlns="">
             <p:sp>
               <p:nvSpPr>
                 <p:cNvPr id="8" name="Oval 7"/>
@@ -24281,8 +24650,8 @@
             </p:sp>
           </mc:Fallback>
         </mc:AlternateContent>
-        <mc:AlternateContent xmlns:mc="http://schemas.openxmlformats.org/markup-compatibility/2006">
-          <mc:Choice xmlns:a14="http://schemas.microsoft.com/office/drawing/2010/main" Requires="a14">
+        <mc:AlternateContent xmlns:mc="http://schemas.openxmlformats.org/markup-compatibility/2006" xmlns:a14="http://schemas.microsoft.com/office/drawing/2010/main">
+          <mc:Choice Requires="a14">
             <p:sp>
               <p:nvSpPr>
                 <p:cNvPr id="9" name="Oval 8"/>
@@ -24386,7 +24755,7 @@
               </p:txBody>
             </p:sp>
           </mc:Choice>
-          <mc:Fallback>
+          <mc:Fallback xmlns="">
             <p:sp>
               <p:nvSpPr>
                 <p:cNvPr id="9" name="Oval 8"/>
@@ -24425,8 +24794,8 @@
             </p:sp>
           </mc:Fallback>
         </mc:AlternateContent>
-        <mc:AlternateContent xmlns:mc="http://schemas.openxmlformats.org/markup-compatibility/2006">
-          <mc:Choice xmlns:a14="http://schemas.microsoft.com/office/drawing/2010/main" Requires="a14">
+        <mc:AlternateContent xmlns:mc="http://schemas.openxmlformats.org/markup-compatibility/2006" xmlns:a14="http://schemas.microsoft.com/office/drawing/2010/main">
+          <mc:Choice Requires="a14">
             <p:sp>
               <p:nvSpPr>
                 <p:cNvPr id="10" name="Oval 9"/>
@@ -24524,7 +24893,7 @@
               </p:txBody>
             </p:sp>
           </mc:Choice>
-          <mc:Fallback>
+          <mc:Fallback xmlns="">
             <p:sp>
               <p:nvSpPr>
                 <p:cNvPr id="10" name="Oval 9"/>
@@ -24607,8 +24976,8 @@
             </a:prstGeom>
           </p:spPr>
         </p:pic>
-        <mc:AlternateContent xmlns:mc="http://schemas.openxmlformats.org/markup-compatibility/2006">
-          <mc:Choice xmlns:a14="http://schemas.microsoft.com/office/drawing/2010/main" Requires="a14">
+        <mc:AlternateContent xmlns:mc="http://schemas.openxmlformats.org/markup-compatibility/2006" xmlns:a14="http://schemas.microsoft.com/office/drawing/2010/main">
+          <mc:Choice Requires="a14">
             <p:sp>
               <p:nvSpPr>
                 <p:cNvPr id="14" name="Oval 13"/>
@@ -24715,7 +25084,7 @@
               </p:txBody>
             </p:sp>
           </mc:Choice>
-          <mc:Fallback>
+          <mc:Fallback xmlns="">
             <p:sp>
               <p:nvSpPr>
                 <p:cNvPr id="14" name="Oval 13"/>
@@ -24754,8 +25123,8 @@
             </p:sp>
           </mc:Fallback>
         </mc:AlternateContent>
-        <mc:AlternateContent xmlns:mc="http://schemas.openxmlformats.org/markup-compatibility/2006">
-          <mc:Choice xmlns:a14="http://schemas.microsoft.com/office/drawing/2010/main" Requires="a14">
+        <mc:AlternateContent xmlns:mc="http://schemas.openxmlformats.org/markup-compatibility/2006" xmlns:a14="http://schemas.microsoft.com/office/drawing/2010/main">
+          <mc:Choice Requires="a14">
             <p:sp>
               <p:nvSpPr>
                 <p:cNvPr id="15" name="Oval 14"/>
@@ -24859,7 +25228,7 @@
               </p:txBody>
             </p:sp>
           </mc:Choice>
-          <mc:Fallback>
+          <mc:Fallback xmlns="">
             <p:sp>
               <p:nvSpPr>
                 <p:cNvPr id="15" name="Oval 14"/>
@@ -24898,8 +25267,8 @@
             </p:sp>
           </mc:Fallback>
         </mc:AlternateContent>
-        <mc:AlternateContent xmlns:mc="http://schemas.openxmlformats.org/markup-compatibility/2006">
-          <mc:Choice xmlns:a14="http://schemas.microsoft.com/office/drawing/2010/main" Requires="a14">
+        <mc:AlternateContent xmlns:mc="http://schemas.openxmlformats.org/markup-compatibility/2006" xmlns:a14="http://schemas.microsoft.com/office/drawing/2010/main">
+          <mc:Choice Requires="a14">
             <p:sp>
               <p:nvSpPr>
                 <p:cNvPr id="16" name="Oval 15"/>
@@ -25003,7 +25372,7 @@
               </p:txBody>
             </p:sp>
           </mc:Choice>
-          <mc:Fallback>
+          <mc:Fallback xmlns="">
             <p:sp>
               <p:nvSpPr>
                 <p:cNvPr id="16" name="Oval 15"/>
@@ -25042,8 +25411,8 @@
             </p:sp>
           </mc:Fallback>
         </mc:AlternateContent>
-        <mc:AlternateContent xmlns:mc="http://schemas.openxmlformats.org/markup-compatibility/2006">
-          <mc:Choice xmlns:a14="http://schemas.microsoft.com/office/drawing/2010/main" Requires="a14">
+        <mc:AlternateContent xmlns:mc="http://schemas.openxmlformats.org/markup-compatibility/2006" xmlns:a14="http://schemas.microsoft.com/office/drawing/2010/main">
+          <mc:Choice Requires="a14">
             <p:sp>
               <p:nvSpPr>
                 <p:cNvPr id="17" name="Oval 16"/>
@@ -25147,7 +25516,7 @@
               </p:txBody>
             </p:sp>
           </mc:Choice>
-          <mc:Fallback>
+          <mc:Fallback xmlns="">
             <p:sp>
               <p:nvSpPr>
                 <p:cNvPr id="17" name="Oval 16"/>
@@ -25186,8 +25555,8 @@
             </p:sp>
           </mc:Fallback>
         </mc:AlternateContent>
-        <mc:AlternateContent xmlns:mc="http://schemas.openxmlformats.org/markup-compatibility/2006">
-          <mc:Choice xmlns:a14="http://schemas.microsoft.com/office/drawing/2010/main" Requires="a14">
+        <mc:AlternateContent xmlns:mc="http://schemas.openxmlformats.org/markup-compatibility/2006" xmlns:a14="http://schemas.microsoft.com/office/drawing/2010/main">
+          <mc:Choice Requires="a14">
             <p:sp>
               <p:nvSpPr>
                 <p:cNvPr id="18" name="Oval 17"/>
@@ -25294,7 +25663,7 @@
               </p:txBody>
             </p:sp>
           </mc:Choice>
-          <mc:Fallback>
+          <mc:Fallback xmlns="">
             <p:sp>
               <p:nvSpPr>
                 <p:cNvPr id="18" name="Oval 17"/>

--- a/Seq2seq_meetup.pptx
+++ b/Seq2seq_meetup.pptx
@@ -5,7 +5,7 @@
     <p:sldMasterId id="2147483869" r:id="rId1"/>
   </p:sldMasterIdLst>
   <p:notesMasterIdLst>
-    <p:notesMasterId r:id="rId21"/>
+    <p:notesMasterId r:id="rId22"/>
   </p:notesMasterIdLst>
   <p:sldIdLst>
     <p:sldId id="256" r:id="rId2"/>
@@ -27,6 +27,7 @@
     <p:sldId id="271" r:id="rId18"/>
     <p:sldId id="272" r:id="rId19"/>
     <p:sldId id="273" r:id="rId20"/>
+    <p:sldId id="278" r:id="rId21"/>
   </p:sldIdLst>
   <p:sldSz cx="12192000" cy="6858000"/>
   <p:notesSz cx="6858000" cy="9144000"/>
@@ -20183,6 +20184,136 @@
 </p:sld>
 </file>
 
+<file path=ppt/slides/slide20.xml><?xml version="1.0" encoding="utf-8"?>
+<p:sld xmlns:a="http://schemas.openxmlformats.org/drawingml/2006/main" xmlns:r="http://schemas.openxmlformats.org/officeDocument/2006/relationships" xmlns:p="http://schemas.openxmlformats.org/presentationml/2006/main" showMasterSp="0">
+  <p:cSld>
+    <p:spTree>
+      <p:nvGrpSpPr>
+        <p:cNvPr id="1" name=""/>
+        <p:cNvGrpSpPr/>
+        <p:nvPr/>
+      </p:nvGrpSpPr>
+      <p:grpSpPr>
+        <a:xfrm>
+          <a:off x="0" y="0"/>
+          <a:ext cx="0" cy="0"/>
+          <a:chOff x="0" y="0"/>
+          <a:chExt cx="0" cy="0"/>
+        </a:xfrm>
+      </p:grpSpPr>
+      <p:sp>
+        <p:nvSpPr>
+          <p:cNvPr id="2" name="Title 1"/>
+          <p:cNvSpPr>
+            <a:spLocks noGrp="1"/>
+          </p:cNvSpPr>
+          <p:nvPr>
+            <p:ph type="title"/>
+          </p:nvPr>
+        </p:nvSpPr>
+        <p:spPr/>
+        <p:txBody>
+          <a:bodyPr/>
+          <a:lstStyle/>
+          <a:p>
+            <a:r>
+              <a:rPr lang="en-US" dirty="0" smtClean="0"/>
+              <a:t>While we wait</a:t>
+            </a:r>
+            <a:r>
+              <a:rPr lang="mr-IN" dirty="0" smtClean="0"/>
+              <a:t>…</a:t>
+            </a:r>
+            <a:r>
+              <a:rPr lang="en-US" dirty="0" smtClean="0"/>
+              <a:t/>
+            </a:r>
+            <a:br>
+              <a:rPr lang="en-US" dirty="0" smtClean="0"/>
+            </a:br>
+            <a:endParaRPr lang="en-US" dirty="0"/>
+          </a:p>
+        </p:txBody>
+      </p:sp>
+      <p:sp>
+        <p:nvSpPr>
+          <p:cNvPr id="3" name="Content Placeholder 2"/>
+          <p:cNvSpPr>
+            <a:spLocks noGrp="1"/>
+          </p:cNvSpPr>
+          <p:nvPr>
+            <p:ph idx="1"/>
+          </p:nvPr>
+        </p:nvSpPr>
+        <p:spPr>
+          <a:xfrm>
+            <a:off x="677334" y="2160589"/>
+            <a:ext cx="10524066" cy="3880773"/>
+          </a:xfrm>
+        </p:spPr>
+        <p:txBody>
+          <a:bodyPr/>
+          <a:lstStyle/>
+          <a:p>
+            <a:r>
+              <a:rPr lang="en-US" dirty="0" smtClean="0"/>
+              <a:t>Clone </a:t>
+            </a:r>
+            <a:r>
+              <a:rPr lang="en-US" dirty="0" err="1" smtClean="0"/>
+              <a:t>github</a:t>
+            </a:r>
+            <a:r>
+              <a:rPr lang="en-US" dirty="0"/>
+              <a:t> repository for the meetup - </a:t>
+            </a:r>
+            <a:r>
+              <a:rPr lang="en-US" dirty="0">
+                <a:hlinkClick r:id="rId2"/>
+              </a:rPr>
+              <a:t>https://</a:t>
+            </a:r>
+            <a:r>
+              <a:rPr lang="en-US" dirty="0" smtClean="0">
+                <a:hlinkClick r:id="rId2"/>
+              </a:rPr>
+              <a:t>github.com/bismayan/meetup_seq2seq</a:t>
+            </a:r>
+            <a:endParaRPr lang="en-US" dirty="0" smtClean="0"/>
+          </a:p>
+          <a:p>
+            <a:r>
+              <a:rPr lang="en-US" dirty="0" smtClean="0"/>
+              <a:t>Install all the libraries in the README file, if you don’t have them</a:t>
+            </a:r>
+          </a:p>
+          <a:p>
+            <a:r>
+              <a:rPr lang="en-US" dirty="0" smtClean="0"/>
+              <a:t>The presentation we will be going through first is in the repository</a:t>
+            </a:r>
+          </a:p>
+          <a:p>
+            <a:r>
+              <a:rPr lang="en-US" dirty="0" smtClean="0"/>
+              <a:t>Once you have your environment set up, open the meetup_v1.ipynb notebook and check if import statements work. (Don’t need to run other cells just yet)</a:t>
+            </a:r>
+          </a:p>
+        </p:txBody>
+      </p:sp>
+    </p:spTree>
+    <p:extLst>
+      <p:ext uri="{BB962C8B-B14F-4D97-AF65-F5344CB8AC3E}">
+        <p14:creationId xmlns:p14="http://schemas.microsoft.com/office/powerpoint/2010/main" val="253821167"/>
+      </p:ext>
+    </p:extLst>
+  </p:cSld>
+  <p:clrMapOvr>
+    <a:masterClrMapping/>
+  </p:clrMapOvr>
+</p:sld>
+</file>
+
 <file path=ppt/slides/slide3.xml><?xml version="1.0" encoding="utf-8"?>
 <p:sld xmlns:a="http://schemas.openxmlformats.org/drawingml/2006/main" xmlns:r="http://schemas.openxmlformats.org/officeDocument/2006/relationships" xmlns:p="http://schemas.openxmlformats.org/presentationml/2006/main" showMasterSp="0">
   <p:cSld>
@@ -24379,7 +24510,7 @@
           </p:nvSpPr>
           <p:spPr>
             <a:xfrm>
-              <a:off x="540741" y="3756416"/>
+              <a:off x="553435" y="3812719"/>
               <a:ext cx="579627" cy="437071"/>
             </a:xfrm>
             <a:prstGeom prst="roundRect">

--- a/Seq2seq_meetup.pptx
+++ b/Seq2seq_meetup.pptx
@@ -20277,14 +20277,24 @@
               <a:rPr lang="en-US" dirty="0" smtClean="0">
                 <a:hlinkClick r:id="rId2"/>
               </a:rPr>
-              <a:t>github.com/bismayan/meetup_seq2seq</a:t>
+              <a:t>github.com/bismayan</a:t>
             </a:r>
-            <a:endParaRPr lang="en-US" dirty="0" smtClean="0"/>
-          </a:p>
-          <a:p>
+            <a:r>
+              <a:rPr lang="en-US" smtClean="0">
+                <a:hlinkClick r:id="rId2"/>
+              </a:rPr>
+              <a:t>/meetup_seq2seq.git</a:t>
+            </a:r>
+            <a:endParaRPr lang="en-US" smtClean="0"/>
+          </a:p>
+          <a:p>
+            <a:r>
+              <a:rPr lang="en-US" smtClean="0"/>
+              <a:t>Install </a:t>
+            </a:r>
             <a:r>
               <a:rPr lang="en-US" dirty="0" smtClean="0"/>
-              <a:t>Install all the libraries in the README file, if you don’t have them</a:t>
+              <a:t>all the libraries in the README file, if you don’t have them</a:t>
             </a:r>
           </a:p>
           <a:p>
